--- a/이서영_전자도서관프로젝트.pptx
+++ b/이서영_전자도서관프로젝트.pptx
@@ -1,22 +1,47 @@
 
 <file path=ppt/presentation.xml><?xml version="1.0" encoding="utf-8"?>
-<p:presentation xmlns:a="http://schemas.openxmlformats.org/drawingml/2006/main" xmlns:r="http://schemas.openxmlformats.org/officeDocument/2006/relationships" xmlns:p="http://schemas.openxmlformats.org/presentationml/2006/main" saveSubsetFonts="1">
+<p:presentation xmlns:a="http://schemas.openxmlformats.org/drawingml/2006/main" xmlns:r="http://schemas.openxmlformats.org/officeDocument/2006/relationships" xmlns:p="http://schemas.openxmlformats.org/presentationml/2006/main" embedTrueTypeFonts="1" saveSubsetFonts="1">
   <p:sldMasterIdLst>
     <p:sldMasterId id="2147483648" r:id="rId1"/>
   </p:sldMasterIdLst>
+  <p:notesMasterIdLst>
+    <p:notesMasterId r:id="rId17"/>
+  </p:notesMasterIdLst>
   <p:sldIdLst>
     <p:sldId id="257" r:id="rId2"/>
-    <p:sldId id="258" r:id="rId3"/>
+    <p:sldId id="272" r:id="rId3"/>
     <p:sldId id="259" r:id="rId4"/>
     <p:sldId id="261" r:id="rId5"/>
     <p:sldId id="260" r:id="rId6"/>
     <p:sldId id="262" r:id="rId7"/>
-    <p:sldId id="263" r:id="rId8"/>
+    <p:sldId id="267" r:id="rId8"/>
     <p:sldId id="264" r:id="rId9"/>
-    <p:sldId id="265" r:id="rId10"/>
+    <p:sldId id="263" r:id="rId10"/>
+    <p:sldId id="268" r:id="rId11"/>
+    <p:sldId id="269" r:id="rId12"/>
+    <p:sldId id="265" r:id="rId13"/>
+    <p:sldId id="270" r:id="rId14"/>
+    <p:sldId id="273" r:id="rId15"/>
+    <p:sldId id="271" r:id="rId16"/>
   </p:sldIdLst>
   <p:sldSz cx="12192000" cy="6858000"/>
   <p:notesSz cx="6858000" cy="9144000"/>
+  <p:embeddedFontLst>
+    <p:embeddedFont>
+      <p:font typeface="맑은 고딕" panose="020B0503020000020004" pitchFamily="50" charset="-127"/>
+      <p:regular r:id="rId18"/>
+      <p:bold r:id="rId19"/>
+    </p:embeddedFont>
+    <p:embeddedFont>
+      <p:font typeface="나눔고딕 ExtraBold" panose="020D0904000000000000" pitchFamily="50" charset="-127"/>
+      <p:bold r:id="rId20"/>
+    </p:embeddedFont>
+    <p:embeddedFont>
+      <p:font typeface="나눔고딕" panose="020D0604000000000000" pitchFamily="50" charset="-127"/>
+      <p:regular r:id="rId21"/>
+      <p:bold r:id="rId22"/>
+    </p:embeddedFont>
+  </p:embeddedFontLst>
   <p:defaultTextStyle>
     <a:defPPr>
       <a:defRPr lang="ko-KR"/>
@@ -112,7 +137,530 @@
       </a:defRPr>
     </a:lvl9pPr>
   </p:defaultTextStyle>
+  <p:extLst>
+    <p:ext uri="{EFAFB233-063F-42B5-8137-9DF3F51BA10A}">
+      <p15:sldGuideLst xmlns:p15="http://schemas.microsoft.com/office/powerpoint/2012/main"/>
+    </p:ext>
+  </p:extLst>
 </p:presentation>
+</file>
+
+<file path=ppt/notesMasters/notesMaster1.xml><?xml version="1.0" encoding="utf-8"?>
+<p:notesMaster xmlns:a="http://schemas.openxmlformats.org/drawingml/2006/main" xmlns:r="http://schemas.openxmlformats.org/officeDocument/2006/relationships" xmlns:p="http://schemas.openxmlformats.org/presentationml/2006/main">
+  <p:cSld>
+    <p:bg>
+      <p:bgRef idx="1001">
+        <a:schemeClr val="bg1"/>
+      </p:bgRef>
+    </p:bg>
+    <p:spTree>
+      <p:nvGrpSpPr>
+        <p:cNvPr id="1" name=""/>
+        <p:cNvGrpSpPr/>
+        <p:nvPr/>
+      </p:nvGrpSpPr>
+      <p:grpSpPr>
+        <a:xfrm>
+          <a:off x="0" y="0"/>
+          <a:ext cx="0" cy="0"/>
+          <a:chOff x="0" y="0"/>
+          <a:chExt cx="0" cy="0"/>
+        </a:xfrm>
+      </p:grpSpPr>
+      <p:sp>
+        <p:nvSpPr>
+          <p:cNvPr id="2" name="머리글 개체 틀 1"/>
+          <p:cNvSpPr>
+            <a:spLocks noGrp="1"/>
+          </p:cNvSpPr>
+          <p:nvPr>
+            <p:ph type="hdr" sz="quarter"/>
+          </p:nvPr>
+        </p:nvSpPr>
+        <p:spPr>
+          <a:xfrm>
+            <a:off x="0" y="0"/>
+            <a:ext cx="2971800" cy="458788"/>
+          </a:xfrm>
+          <a:prstGeom prst="rect">
+            <a:avLst/>
+          </a:prstGeom>
+        </p:spPr>
+        <p:txBody>
+          <a:bodyPr vert="horz" lIns="91440" tIns="45720" rIns="91440" bIns="45720" rtlCol="0"/>
+          <a:lstStyle>
+            <a:lvl1pPr algn="l">
+              <a:defRPr sz="1200"/>
+            </a:lvl1pPr>
+          </a:lstStyle>
+          <a:p>
+            <a:endParaRPr lang="ko-KR" altLang="en-US"/>
+          </a:p>
+        </p:txBody>
+      </p:sp>
+      <p:sp>
+        <p:nvSpPr>
+          <p:cNvPr id="3" name="날짜 개체 틀 2"/>
+          <p:cNvSpPr>
+            <a:spLocks noGrp="1"/>
+          </p:cNvSpPr>
+          <p:nvPr>
+            <p:ph type="dt" idx="1"/>
+          </p:nvPr>
+        </p:nvSpPr>
+        <p:spPr>
+          <a:xfrm>
+            <a:off x="3884613" y="0"/>
+            <a:ext cx="2971800" cy="458788"/>
+          </a:xfrm>
+          <a:prstGeom prst="rect">
+            <a:avLst/>
+          </a:prstGeom>
+        </p:spPr>
+        <p:txBody>
+          <a:bodyPr vert="horz" lIns="91440" tIns="45720" rIns="91440" bIns="45720" rtlCol="0"/>
+          <a:lstStyle>
+            <a:lvl1pPr algn="r">
+              <a:defRPr sz="1200"/>
+            </a:lvl1pPr>
+          </a:lstStyle>
+          <a:p>
+            <a:fld id="{E78CA973-3F9A-4A43-8246-F02EBE1AC4B2}" type="datetimeFigureOut">
+              <a:rPr lang="ko-KR" altLang="en-US" smtClean="0"/>
+              <a:t>2023-04-05</a:t>
+            </a:fld>
+            <a:endParaRPr lang="ko-KR" altLang="en-US"/>
+          </a:p>
+        </p:txBody>
+      </p:sp>
+      <p:sp>
+        <p:nvSpPr>
+          <p:cNvPr id="4" name="슬라이드 이미지 개체 틀 3"/>
+          <p:cNvSpPr>
+            <a:spLocks noGrp="1" noRot="1" noChangeAspect="1"/>
+          </p:cNvSpPr>
+          <p:nvPr>
+            <p:ph type="sldImg" idx="2"/>
+          </p:nvPr>
+        </p:nvSpPr>
+        <p:spPr>
+          <a:xfrm>
+            <a:off x="685800" y="1143000"/>
+            <a:ext cx="5486400" cy="3086100"/>
+          </a:xfrm>
+          <a:prstGeom prst="rect">
+            <a:avLst/>
+          </a:prstGeom>
+          <a:noFill/>
+          <a:ln w="12700">
+            <a:solidFill>
+              <a:prstClr val="black"/>
+            </a:solidFill>
+          </a:ln>
+        </p:spPr>
+        <p:txBody>
+          <a:bodyPr vert="horz" lIns="91440" tIns="45720" rIns="91440" bIns="45720" rtlCol="0" anchor="ctr"/>
+          <a:lstStyle/>
+          <a:p>
+            <a:endParaRPr lang="ko-KR" altLang="en-US"/>
+          </a:p>
+        </p:txBody>
+      </p:sp>
+      <p:sp>
+        <p:nvSpPr>
+          <p:cNvPr id="5" name="슬라이드 노트 개체 틀 4"/>
+          <p:cNvSpPr>
+            <a:spLocks noGrp="1"/>
+          </p:cNvSpPr>
+          <p:nvPr>
+            <p:ph type="body" sz="quarter" idx="3"/>
+          </p:nvPr>
+        </p:nvSpPr>
+        <p:spPr>
+          <a:xfrm>
+            <a:off x="685800" y="4400550"/>
+            <a:ext cx="5486400" cy="3600450"/>
+          </a:xfrm>
+          <a:prstGeom prst="rect">
+            <a:avLst/>
+          </a:prstGeom>
+        </p:spPr>
+        <p:txBody>
+          <a:bodyPr vert="horz" lIns="91440" tIns="45720" rIns="91440" bIns="45720" rtlCol="0"/>
+          <a:lstStyle/>
+          <a:p>
+            <a:pPr lvl="0"/>
+            <a:r>
+              <a:rPr lang="ko-KR" altLang="en-US" smtClean="0"/>
+              <a:t>마스터 텍스트 스타일 편집</a:t>
+            </a:r>
+          </a:p>
+          <a:p>
+            <a:pPr lvl="1"/>
+            <a:r>
+              <a:rPr lang="ko-KR" altLang="en-US" smtClean="0"/>
+              <a:t>둘째 수준</a:t>
+            </a:r>
+          </a:p>
+          <a:p>
+            <a:pPr lvl="2"/>
+            <a:r>
+              <a:rPr lang="ko-KR" altLang="en-US" smtClean="0"/>
+              <a:t>셋째 수준</a:t>
+            </a:r>
+          </a:p>
+          <a:p>
+            <a:pPr lvl="3"/>
+            <a:r>
+              <a:rPr lang="ko-KR" altLang="en-US" smtClean="0"/>
+              <a:t>넷째 수준</a:t>
+            </a:r>
+          </a:p>
+          <a:p>
+            <a:pPr lvl="4"/>
+            <a:r>
+              <a:rPr lang="ko-KR" altLang="en-US" smtClean="0"/>
+              <a:t>다섯째 수준</a:t>
+            </a:r>
+            <a:endParaRPr lang="ko-KR" altLang="en-US"/>
+          </a:p>
+        </p:txBody>
+      </p:sp>
+      <p:sp>
+        <p:nvSpPr>
+          <p:cNvPr id="6" name="바닥글 개체 틀 5"/>
+          <p:cNvSpPr>
+            <a:spLocks noGrp="1"/>
+          </p:cNvSpPr>
+          <p:nvPr>
+            <p:ph type="ftr" sz="quarter" idx="4"/>
+          </p:nvPr>
+        </p:nvSpPr>
+        <p:spPr>
+          <a:xfrm>
+            <a:off x="0" y="8685213"/>
+            <a:ext cx="2971800" cy="458787"/>
+          </a:xfrm>
+          <a:prstGeom prst="rect">
+            <a:avLst/>
+          </a:prstGeom>
+        </p:spPr>
+        <p:txBody>
+          <a:bodyPr vert="horz" lIns="91440" tIns="45720" rIns="91440" bIns="45720" rtlCol="0" anchor="b"/>
+          <a:lstStyle>
+            <a:lvl1pPr algn="l">
+              <a:defRPr sz="1200"/>
+            </a:lvl1pPr>
+          </a:lstStyle>
+          <a:p>
+            <a:endParaRPr lang="ko-KR" altLang="en-US"/>
+          </a:p>
+        </p:txBody>
+      </p:sp>
+      <p:sp>
+        <p:nvSpPr>
+          <p:cNvPr id="7" name="슬라이드 번호 개체 틀 6"/>
+          <p:cNvSpPr>
+            <a:spLocks noGrp="1"/>
+          </p:cNvSpPr>
+          <p:nvPr>
+            <p:ph type="sldNum" sz="quarter" idx="5"/>
+          </p:nvPr>
+        </p:nvSpPr>
+        <p:spPr>
+          <a:xfrm>
+            <a:off x="3884613" y="8685213"/>
+            <a:ext cx="2971800" cy="458787"/>
+          </a:xfrm>
+          <a:prstGeom prst="rect">
+            <a:avLst/>
+          </a:prstGeom>
+        </p:spPr>
+        <p:txBody>
+          <a:bodyPr vert="horz" lIns="91440" tIns="45720" rIns="91440" bIns="45720" rtlCol="0" anchor="b"/>
+          <a:lstStyle>
+            <a:lvl1pPr algn="r">
+              <a:defRPr sz="1200"/>
+            </a:lvl1pPr>
+          </a:lstStyle>
+          <a:p>
+            <a:fld id="{178CA4BB-2C7F-4CD6-8395-BB9D8EB238E6}" type="slidenum">
+              <a:rPr lang="ko-KR" altLang="en-US" smtClean="0"/>
+              <a:t>‹#›</a:t>
+            </a:fld>
+            <a:endParaRPr lang="ko-KR" altLang="en-US"/>
+          </a:p>
+        </p:txBody>
+      </p:sp>
+    </p:spTree>
+    <p:extLst>
+      <p:ext uri="{BB962C8B-B14F-4D97-AF65-F5344CB8AC3E}">
+        <p14:creationId xmlns:p14="http://schemas.microsoft.com/office/powerpoint/2010/main" val="437810856"/>
+      </p:ext>
+    </p:extLst>
+  </p:cSld>
+  <p:clrMap bg1="lt1" tx1="dk1" bg2="lt2" tx2="dk2" accent1="accent1" accent2="accent2" accent3="accent3" accent4="accent4" accent5="accent5" accent6="accent6" hlink="hlink" folHlink="folHlink"/>
+  <p:notesStyle>
+    <a:lvl1pPr marL="0" algn="l" defTabSz="914400" rtl="0" eaLnBrk="1" latinLnBrk="1" hangingPunct="1">
+      <a:defRPr sz="1200" kern="1200">
+        <a:solidFill>
+          <a:schemeClr val="tx1"/>
+        </a:solidFill>
+        <a:latin typeface="+mn-lt"/>
+        <a:ea typeface="+mn-ea"/>
+        <a:cs typeface="+mn-cs"/>
+      </a:defRPr>
+    </a:lvl1pPr>
+    <a:lvl2pPr marL="457200" algn="l" defTabSz="914400" rtl="0" eaLnBrk="1" latinLnBrk="1" hangingPunct="1">
+      <a:defRPr sz="1200" kern="1200">
+        <a:solidFill>
+          <a:schemeClr val="tx1"/>
+        </a:solidFill>
+        <a:latin typeface="+mn-lt"/>
+        <a:ea typeface="+mn-ea"/>
+        <a:cs typeface="+mn-cs"/>
+      </a:defRPr>
+    </a:lvl2pPr>
+    <a:lvl3pPr marL="914400" algn="l" defTabSz="914400" rtl="0" eaLnBrk="1" latinLnBrk="1" hangingPunct="1">
+      <a:defRPr sz="1200" kern="1200">
+        <a:solidFill>
+          <a:schemeClr val="tx1"/>
+        </a:solidFill>
+        <a:latin typeface="+mn-lt"/>
+        <a:ea typeface="+mn-ea"/>
+        <a:cs typeface="+mn-cs"/>
+      </a:defRPr>
+    </a:lvl3pPr>
+    <a:lvl4pPr marL="1371600" algn="l" defTabSz="914400" rtl="0" eaLnBrk="1" latinLnBrk="1" hangingPunct="1">
+      <a:defRPr sz="1200" kern="1200">
+        <a:solidFill>
+          <a:schemeClr val="tx1"/>
+        </a:solidFill>
+        <a:latin typeface="+mn-lt"/>
+        <a:ea typeface="+mn-ea"/>
+        <a:cs typeface="+mn-cs"/>
+      </a:defRPr>
+    </a:lvl4pPr>
+    <a:lvl5pPr marL="1828800" algn="l" defTabSz="914400" rtl="0" eaLnBrk="1" latinLnBrk="1" hangingPunct="1">
+      <a:defRPr sz="1200" kern="1200">
+        <a:solidFill>
+          <a:schemeClr val="tx1"/>
+        </a:solidFill>
+        <a:latin typeface="+mn-lt"/>
+        <a:ea typeface="+mn-ea"/>
+        <a:cs typeface="+mn-cs"/>
+      </a:defRPr>
+    </a:lvl5pPr>
+    <a:lvl6pPr marL="2286000" algn="l" defTabSz="914400" rtl="0" eaLnBrk="1" latinLnBrk="1" hangingPunct="1">
+      <a:defRPr sz="1200" kern="1200">
+        <a:solidFill>
+          <a:schemeClr val="tx1"/>
+        </a:solidFill>
+        <a:latin typeface="+mn-lt"/>
+        <a:ea typeface="+mn-ea"/>
+        <a:cs typeface="+mn-cs"/>
+      </a:defRPr>
+    </a:lvl6pPr>
+    <a:lvl7pPr marL="2743200" algn="l" defTabSz="914400" rtl="0" eaLnBrk="1" latinLnBrk="1" hangingPunct="1">
+      <a:defRPr sz="1200" kern="1200">
+        <a:solidFill>
+          <a:schemeClr val="tx1"/>
+        </a:solidFill>
+        <a:latin typeface="+mn-lt"/>
+        <a:ea typeface="+mn-ea"/>
+        <a:cs typeface="+mn-cs"/>
+      </a:defRPr>
+    </a:lvl7pPr>
+    <a:lvl8pPr marL="3200400" algn="l" defTabSz="914400" rtl="0" eaLnBrk="1" latinLnBrk="1" hangingPunct="1">
+      <a:defRPr sz="1200" kern="1200">
+        <a:solidFill>
+          <a:schemeClr val="tx1"/>
+        </a:solidFill>
+        <a:latin typeface="+mn-lt"/>
+        <a:ea typeface="+mn-ea"/>
+        <a:cs typeface="+mn-cs"/>
+      </a:defRPr>
+    </a:lvl8pPr>
+    <a:lvl9pPr marL="3657600" algn="l" defTabSz="914400" rtl="0" eaLnBrk="1" latinLnBrk="1" hangingPunct="1">
+      <a:defRPr sz="1200" kern="1200">
+        <a:solidFill>
+          <a:schemeClr val="tx1"/>
+        </a:solidFill>
+        <a:latin typeface="+mn-lt"/>
+        <a:ea typeface="+mn-ea"/>
+        <a:cs typeface="+mn-cs"/>
+      </a:defRPr>
+    </a:lvl9pPr>
+  </p:notesStyle>
+</p:notesMaster>
+</file>
+
+<file path=ppt/notesSlides/notesSlide1.xml><?xml version="1.0" encoding="utf-8"?>
+<p:notes xmlns:a="http://schemas.openxmlformats.org/drawingml/2006/main" xmlns:r="http://schemas.openxmlformats.org/officeDocument/2006/relationships" xmlns:p="http://schemas.openxmlformats.org/presentationml/2006/main">
+  <p:cSld>
+    <p:spTree>
+      <p:nvGrpSpPr>
+        <p:cNvPr id="1" name=""/>
+        <p:cNvGrpSpPr/>
+        <p:nvPr/>
+      </p:nvGrpSpPr>
+      <p:grpSpPr>
+        <a:xfrm>
+          <a:off x="0" y="0"/>
+          <a:ext cx="0" cy="0"/>
+          <a:chOff x="0" y="0"/>
+          <a:chExt cx="0" cy="0"/>
+        </a:xfrm>
+      </p:grpSpPr>
+      <p:sp>
+        <p:nvSpPr>
+          <p:cNvPr id="2" name="슬라이드 이미지 개체 틀 1"/>
+          <p:cNvSpPr>
+            <a:spLocks noGrp="1" noRot="1" noChangeAspect="1"/>
+          </p:cNvSpPr>
+          <p:nvPr>
+            <p:ph type="sldImg"/>
+          </p:nvPr>
+        </p:nvSpPr>
+        <p:spPr/>
+      </p:sp>
+      <p:sp>
+        <p:nvSpPr>
+          <p:cNvPr id="3" name="슬라이드 노트 개체 틀 2"/>
+          <p:cNvSpPr>
+            <a:spLocks noGrp="1"/>
+          </p:cNvSpPr>
+          <p:nvPr>
+            <p:ph type="body" idx="1"/>
+          </p:nvPr>
+        </p:nvSpPr>
+        <p:spPr/>
+        <p:txBody>
+          <a:bodyPr/>
+          <a:lstStyle/>
+          <a:p>
+            <a:endParaRPr lang="ko-KR" altLang="en-US"/>
+          </a:p>
+        </p:txBody>
+      </p:sp>
+      <p:sp>
+        <p:nvSpPr>
+          <p:cNvPr id="4" name="슬라이드 번호 개체 틀 3"/>
+          <p:cNvSpPr>
+            <a:spLocks noGrp="1"/>
+          </p:cNvSpPr>
+          <p:nvPr>
+            <p:ph type="sldNum" sz="quarter" idx="10"/>
+          </p:nvPr>
+        </p:nvSpPr>
+        <p:spPr/>
+        <p:txBody>
+          <a:bodyPr/>
+          <a:lstStyle/>
+          <a:p>
+            <a:fld id="{178CA4BB-2C7F-4CD6-8395-BB9D8EB238E6}" type="slidenum">
+              <a:rPr lang="ko-KR" altLang="en-US" smtClean="0"/>
+              <a:t>9</a:t>
+            </a:fld>
+            <a:endParaRPr lang="ko-KR" altLang="en-US"/>
+          </a:p>
+        </p:txBody>
+      </p:sp>
+    </p:spTree>
+    <p:extLst>
+      <p:ext uri="{BB962C8B-B14F-4D97-AF65-F5344CB8AC3E}">
+        <p14:creationId xmlns:p14="http://schemas.microsoft.com/office/powerpoint/2010/main" val="13498017"/>
+      </p:ext>
+    </p:extLst>
+  </p:cSld>
+  <p:clrMapOvr>
+    <a:masterClrMapping/>
+  </p:clrMapOvr>
+</p:notes>
+</file>
+
+<file path=ppt/notesSlides/notesSlide2.xml><?xml version="1.0" encoding="utf-8"?>
+<p:notes xmlns:a="http://schemas.openxmlformats.org/drawingml/2006/main" xmlns:r="http://schemas.openxmlformats.org/officeDocument/2006/relationships" xmlns:p="http://schemas.openxmlformats.org/presentationml/2006/main">
+  <p:cSld>
+    <p:spTree>
+      <p:nvGrpSpPr>
+        <p:cNvPr id="1" name=""/>
+        <p:cNvGrpSpPr/>
+        <p:nvPr/>
+      </p:nvGrpSpPr>
+      <p:grpSpPr>
+        <a:xfrm>
+          <a:off x="0" y="0"/>
+          <a:ext cx="0" cy="0"/>
+          <a:chOff x="0" y="0"/>
+          <a:chExt cx="0" cy="0"/>
+        </a:xfrm>
+      </p:grpSpPr>
+      <p:sp>
+        <p:nvSpPr>
+          <p:cNvPr id="2" name="슬라이드 이미지 개체 틀 1"/>
+          <p:cNvSpPr>
+            <a:spLocks noGrp="1" noRot="1" noChangeAspect="1"/>
+          </p:cNvSpPr>
+          <p:nvPr>
+            <p:ph type="sldImg"/>
+          </p:nvPr>
+        </p:nvSpPr>
+        <p:spPr/>
+      </p:sp>
+      <p:sp>
+        <p:nvSpPr>
+          <p:cNvPr id="3" name="슬라이드 노트 개체 틀 2"/>
+          <p:cNvSpPr>
+            <a:spLocks noGrp="1"/>
+          </p:cNvSpPr>
+          <p:nvPr>
+            <p:ph type="body" idx="1"/>
+          </p:nvPr>
+        </p:nvSpPr>
+        <p:spPr/>
+        <p:txBody>
+          <a:bodyPr/>
+          <a:lstStyle/>
+          <a:p>
+            <a:endParaRPr lang="ko-KR" altLang="en-US"/>
+          </a:p>
+        </p:txBody>
+      </p:sp>
+      <p:sp>
+        <p:nvSpPr>
+          <p:cNvPr id="4" name="슬라이드 번호 개체 틀 3"/>
+          <p:cNvSpPr>
+            <a:spLocks noGrp="1"/>
+          </p:cNvSpPr>
+          <p:nvPr>
+            <p:ph type="sldNum" sz="quarter" idx="10"/>
+          </p:nvPr>
+        </p:nvSpPr>
+        <p:spPr/>
+        <p:txBody>
+          <a:bodyPr/>
+          <a:lstStyle/>
+          <a:p>
+            <a:fld id="{178CA4BB-2C7F-4CD6-8395-BB9D8EB238E6}" type="slidenum">
+              <a:rPr lang="ko-KR" altLang="en-US" smtClean="0"/>
+              <a:t>11</a:t>
+            </a:fld>
+            <a:endParaRPr lang="ko-KR" altLang="en-US"/>
+          </a:p>
+        </p:txBody>
+      </p:sp>
+    </p:spTree>
+    <p:extLst>
+      <p:ext uri="{BB962C8B-B14F-4D97-AF65-F5344CB8AC3E}">
+        <p14:creationId xmlns:p14="http://schemas.microsoft.com/office/powerpoint/2010/main" val="3311796570"/>
+      </p:ext>
+    </p:extLst>
+  </p:cSld>
+  <p:clrMapOvr>
+    <a:masterClrMapping/>
+  </p:clrMapOvr>
+</p:notes>
 </file>
 
 <file path=ppt/slideLayouts/slideLayout1.xml><?xml version="1.0" encoding="utf-8"?>
@@ -246,7 +794,7 @@
           <a:p>
             <a:fld id="{15EAE18D-7224-494E-8B91-FC88BDD9B59A}" type="datetimeFigureOut">
               <a:rPr lang="ko-KR" altLang="en-US" smtClean="0"/>
-              <a:t>2023-04-04</a:t>
+              <a:t>2023-04-05</a:t>
             </a:fld>
             <a:endParaRPr lang="ko-KR" altLang="en-US"/>
           </a:p>
@@ -416,7 +964,7 @@
           <a:p>
             <a:fld id="{15EAE18D-7224-494E-8B91-FC88BDD9B59A}" type="datetimeFigureOut">
               <a:rPr lang="ko-KR" altLang="en-US" smtClean="0"/>
-              <a:t>2023-04-04</a:t>
+              <a:t>2023-04-05</a:t>
             </a:fld>
             <a:endParaRPr lang="ko-KR" altLang="en-US"/>
           </a:p>
@@ -596,7 +1144,7 @@
           <a:p>
             <a:fld id="{15EAE18D-7224-494E-8B91-FC88BDD9B59A}" type="datetimeFigureOut">
               <a:rPr lang="ko-KR" altLang="en-US" smtClean="0"/>
-              <a:t>2023-04-04</a:t>
+              <a:t>2023-04-05</a:t>
             </a:fld>
             <a:endParaRPr lang="ko-KR" altLang="en-US"/>
           </a:p>
@@ -766,7 +1314,7 @@
           <a:p>
             <a:fld id="{15EAE18D-7224-494E-8B91-FC88BDD9B59A}" type="datetimeFigureOut">
               <a:rPr lang="ko-KR" altLang="en-US" smtClean="0"/>
-              <a:t>2023-04-04</a:t>
+              <a:t>2023-04-05</a:t>
             </a:fld>
             <a:endParaRPr lang="ko-KR" altLang="en-US"/>
           </a:p>
@@ -1012,7 +1560,7 @@
           <a:p>
             <a:fld id="{15EAE18D-7224-494E-8B91-FC88BDD9B59A}" type="datetimeFigureOut">
               <a:rPr lang="ko-KR" altLang="en-US" smtClean="0"/>
-              <a:t>2023-04-04</a:t>
+              <a:t>2023-04-05</a:t>
             </a:fld>
             <a:endParaRPr lang="ko-KR" altLang="en-US"/>
           </a:p>
@@ -1244,7 +1792,7 @@
           <a:p>
             <a:fld id="{15EAE18D-7224-494E-8B91-FC88BDD9B59A}" type="datetimeFigureOut">
               <a:rPr lang="ko-KR" altLang="en-US" smtClean="0"/>
-              <a:t>2023-04-04</a:t>
+              <a:t>2023-04-05</a:t>
             </a:fld>
             <a:endParaRPr lang="ko-KR" altLang="en-US"/>
           </a:p>
@@ -1611,7 +2159,7 @@
           <a:p>
             <a:fld id="{15EAE18D-7224-494E-8B91-FC88BDD9B59A}" type="datetimeFigureOut">
               <a:rPr lang="ko-KR" altLang="en-US" smtClean="0"/>
-              <a:t>2023-04-04</a:t>
+              <a:t>2023-04-05</a:t>
             </a:fld>
             <a:endParaRPr lang="ko-KR" altLang="en-US"/>
           </a:p>
@@ -1729,7 +2277,7 @@
           <a:p>
             <a:fld id="{15EAE18D-7224-494E-8B91-FC88BDD9B59A}" type="datetimeFigureOut">
               <a:rPr lang="ko-KR" altLang="en-US" smtClean="0"/>
-              <a:t>2023-04-04</a:t>
+              <a:t>2023-04-05</a:t>
             </a:fld>
             <a:endParaRPr lang="ko-KR" altLang="en-US"/>
           </a:p>
@@ -1824,7 +2372,7 @@
           <a:p>
             <a:fld id="{15EAE18D-7224-494E-8B91-FC88BDD9B59A}" type="datetimeFigureOut">
               <a:rPr lang="ko-KR" altLang="en-US" smtClean="0"/>
-              <a:t>2023-04-04</a:t>
+              <a:t>2023-04-05</a:t>
             </a:fld>
             <a:endParaRPr lang="ko-KR" altLang="en-US"/>
           </a:p>
@@ -2101,7 +2649,7 @@
           <a:p>
             <a:fld id="{15EAE18D-7224-494E-8B91-FC88BDD9B59A}" type="datetimeFigureOut">
               <a:rPr lang="ko-KR" altLang="en-US" smtClean="0"/>
-              <a:t>2023-04-04</a:t>
+              <a:t>2023-04-05</a:t>
             </a:fld>
             <a:endParaRPr lang="ko-KR" altLang="en-US"/>
           </a:p>
@@ -2354,7 +2902,7 @@
           <a:p>
             <a:fld id="{15EAE18D-7224-494E-8B91-FC88BDD9B59A}" type="datetimeFigureOut">
               <a:rPr lang="ko-KR" altLang="en-US" smtClean="0"/>
-              <a:t>2023-04-04</a:t>
+              <a:t>2023-04-05</a:t>
             </a:fld>
             <a:endParaRPr lang="ko-KR" altLang="en-US"/>
           </a:p>
@@ -2567,7 +3115,7 @@
           <a:p>
             <a:fld id="{15EAE18D-7224-494E-8B91-FC88BDD9B59A}" type="datetimeFigureOut">
               <a:rPr lang="ko-KR" altLang="en-US" smtClean="0"/>
-              <a:t>2023-04-04</a:t>
+              <a:t>2023-04-05</a:t>
             </a:fld>
             <a:endParaRPr lang="ko-KR" altLang="en-US"/>
           </a:p>
@@ -3097,7 +3645,33 @@
                 <a:latin typeface="나눔고딕 ExtraBold" panose="020D0904000000000000" pitchFamily="50" charset="-127"/>
                 <a:ea typeface="나눔고딕 ExtraBold" panose="020D0904000000000000" pitchFamily="50" charset="-127"/>
               </a:rPr>
-              <a:t>전자 도서관 웹 개발 프로젝트</a:t>
+              <a:t>전자 도서관 웹 </a:t>
+            </a:r>
+            <a:r>
+              <a:rPr lang="ko-KR" altLang="en-US" sz="3600" b="1" smtClean="0">
+                <a:solidFill>
+                  <a:schemeClr val="tx1">
+                    <a:lumMod val="75000"/>
+                    <a:lumOff val="25000"/>
+                  </a:schemeClr>
+                </a:solidFill>
+                <a:latin typeface="나눔고딕 ExtraBold" panose="020D0904000000000000" pitchFamily="50" charset="-127"/>
+                <a:ea typeface="나눔고딕 ExtraBold" panose="020D0904000000000000" pitchFamily="50" charset="-127"/>
+              </a:rPr>
+              <a:t>개발 </a:t>
+            </a:r>
+            <a:r>
+              <a:rPr lang="ko-KR" altLang="en-US" sz="3600" b="1" smtClean="0">
+                <a:solidFill>
+                  <a:schemeClr val="tx1">
+                    <a:lumMod val="75000"/>
+                    <a:lumOff val="25000"/>
+                  </a:schemeClr>
+                </a:solidFill>
+                <a:latin typeface="나눔고딕 ExtraBold" panose="020D0904000000000000" pitchFamily="50" charset="-127"/>
+                <a:ea typeface="나눔고딕 ExtraBold" panose="020D0904000000000000" pitchFamily="50" charset="-127"/>
+              </a:rPr>
+              <a:t>프로젝트</a:t>
             </a:r>
             <a:endParaRPr lang="ko-KR" altLang="en-US" sz="3600" b="1">
               <a:solidFill>
@@ -3255,7 +3829,7 @@
 </p:sld>
 </file>
 
-<file path=ppt/slides/slide2.xml><?xml version="1.0" encoding="utf-8"?>
+<file path=ppt/slides/slide10.xml><?xml version="1.0" encoding="utf-8"?>
 <p:sld xmlns:a="http://schemas.openxmlformats.org/drawingml/2006/main" xmlns:r="http://schemas.openxmlformats.org/officeDocument/2006/relationships" xmlns:p="http://schemas.openxmlformats.org/presentationml/2006/main">
   <p:cSld>
     <p:spTree>
@@ -3272,69 +3846,202 @@
           <a:chExt cx="0" cy="0"/>
         </a:xfrm>
       </p:grpSpPr>
+      <p:pic>
+        <p:nvPicPr>
+          <p:cNvPr id="5" name="그림 4"/>
+          <p:cNvPicPr>
+            <a:picLocks noChangeAspect="1"/>
+          </p:cNvPicPr>
+          <p:nvPr/>
+        </p:nvPicPr>
+        <p:blipFill rotWithShape="1">
+          <a:blip r:embed="rId2">
+            <a:extLst>
+              <a:ext uri="{28A0092B-C50C-407E-A947-70E740481C1C}">
+                <a14:useLocalDpi xmlns:a14="http://schemas.microsoft.com/office/drawing/2010/main" val="0"/>
+              </a:ext>
+            </a:extLst>
+          </a:blip>
+          <a:srcRect l="17784" t="27731" r="13258"/>
+          <a:stretch/>
+        </p:blipFill>
+        <p:spPr>
+          <a:xfrm>
+            <a:off x="620617" y="1073926"/>
+            <a:ext cx="5122844" cy="3084921"/>
+          </a:xfrm>
+          <a:prstGeom prst="rect">
+            <a:avLst/>
+          </a:prstGeom>
+          <a:ln w="19050">
+            <a:solidFill>
+              <a:schemeClr val="bg1">
+                <a:lumMod val="75000"/>
+              </a:schemeClr>
+            </a:solidFill>
+          </a:ln>
+        </p:spPr>
+      </p:pic>
+      <p:pic>
+        <p:nvPicPr>
+          <p:cNvPr id="6" name="그림 5"/>
+          <p:cNvPicPr>
+            <a:picLocks noChangeAspect="1"/>
+          </p:cNvPicPr>
+          <p:nvPr/>
+        </p:nvPicPr>
+        <p:blipFill rotWithShape="1">
+          <a:blip r:embed="rId3">
+            <a:extLst>
+              <a:ext uri="{28A0092B-C50C-407E-A947-70E740481C1C}">
+                <a14:useLocalDpi xmlns:a14="http://schemas.microsoft.com/office/drawing/2010/main" val="0"/>
+              </a:ext>
+            </a:extLst>
+          </a:blip>
+          <a:srcRect l="17969" t="27717" r="13354" b="-1"/>
+          <a:stretch/>
+        </p:blipFill>
+        <p:spPr>
+          <a:xfrm>
+            <a:off x="6415489" y="1073925"/>
+            <a:ext cx="5155894" cy="3118177"/>
+          </a:xfrm>
+          <a:prstGeom prst="rect">
+            <a:avLst/>
+          </a:prstGeom>
+          <a:ln w="19050">
+            <a:solidFill>
+              <a:schemeClr val="bg1">
+                <a:lumMod val="75000"/>
+              </a:schemeClr>
+            </a:solidFill>
+          </a:ln>
+        </p:spPr>
+      </p:pic>
       <p:grpSp>
         <p:nvGrpSpPr>
-          <p:cNvPr id="10" name="그룹 9"/>
+          <p:cNvPr id="7" name="그룹 6"/>
           <p:cNvGrpSpPr/>
           <p:nvPr/>
         </p:nvGrpSpPr>
         <p:grpSpPr>
           <a:xfrm>
-            <a:off x="0" y="173379"/>
-            <a:ext cx="12192000" cy="461665"/>
+            <a:off x="0" y="151346"/>
+            <a:ext cx="12192000" cy="597802"/>
             <a:chOff x="0" y="173379"/>
-            <a:chExt cx="12192000" cy="461665"/>
+            <a:chExt cx="12192000" cy="597802"/>
           </a:xfrm>
         </p:grpSpPr>
+        <p:grpSp>
+          <p:nvGrpSpPr>
+            <p:cNvPr id="8" name="그룹 7"/>
+            <p:cNvGrpSpPr/>
+            <p:nvPr/>
+          </p:nvGrpSpPr>
+          <p:grpSpPr>
+            <a:xfrm>
+              <a:off x="0" y="173379"/>
+              <a:ext cx="12192000" cy="597802"/>
+              <a:chOff x="0" y="1847944"/>
+              <a:chExt cx="12192000" cy="597802"/>
+            </a:xfrm>
+          </p:grpSpPr>
+          <p:sp>
+            <p:nvSpPr>
+              <p:cNvPr id="10" name="직사각형 9"/>
+              <p:cNvSpPr/>
+              <p:nvPr/>
+            </p:nvSpPr>
+            <p:spPr>
+              <a:xfrm>
+                <a:off x="0" y="1847944"/>
+                <a:ext cx="12192000" cy="597802"/>
+              </a:xfrm>
+              <a:prstGeom prst="rect">
+                <a:avLst/>
+              </a:prstGeom>
+              <a:solidFill>
+                <a:srgbClr val="D3E9E4"/>
+              </a:solidFill>
+              <a:ln>
+                <a:noFill/>
+              </a:ln>
+            </p:spPr>
+            <p:style>
+              <a:lnRef idx="2">
+                <a:schemeClr val="accent1">
+                  <a:shade val="50000"/>
+                </a:schemeClr>
+              </a:lnRef>
+              <a:fillRef idx="1">
+                <a:schemeClr val="accent1"/>
+              </a:fillRef>
+              <a:effectRef idx="0">
+                <a:schemeClr val="accent1"/>
+              </a:effectRef>
+              <a:fontRef idx="minor">
+                <a:schemeClr val="lt1"/>
+              </a:fontRef>
+            </p:style>
+            <p:txBody>
+              <a:bodyPr rtlCol="0" anchor="ctr"/>
+              <a:lstStyle/>
+              <a:p>
+                <a:pPr algn="ctr"/>
+                <a:endParaRPr lang="ko-KR" altLang="en-US"/>
+              </a:p>
+            </p:txBody>
+          </p:sp>
+          <p:sp>
+            <p:nvSpPr>
+              <p:cNvPr id="11" name="직사각형 10"/>
+              <p:cNvSpPr/>
+              <p:nvPr/>
+            </p:nvSpPr>
+            <p:spPr>
+              <a:xfrm>
+                <a:off x="0" y="2308860"/>
+                <a:ext cx="12192000" cy="65786"/>
+              </a:xfrm>
+              <a:prstGeom prst="rect">
+                <a:avLst/>
+              </a:prstGeom>
+              <a:solidFill>
+                <a:schemeClr val="bg1"/>
+              </a:solidFill>
+              <a:ln>
+                <a:noFill/>
+              </a:ln>
+            </p:spPr>
+            <p:style>
+              <a:lnRef idx="2">
+                <a:schemeClr val="accent1">
+                  <a:shade val="50000"/>
+                </a:schemeClr>
+              </a:lnRef>
+              <a:fillRef idx="1">
+                <a:schemeClr val="accent1"/>
+              </a:fillRef>
+              <a:effectRef idx="0">
+                <a:schemeClr val="accent1"/>
+              </a:effectRef>
+              <a:fontRef idx="minor">
+                <a:schemeClr val="lt1"/>
+              </a:fontRef>
+            </p:style>
+            <p:txBody>
+              <a:bodyPr rtlCol="0" anchor="ctr"/>
+              <a:lstStyle/>
+              <a:p>
+                <a:pPr algn="ctr"/>
+                <a:endParaRPr lang="ko-KR" altLang="en-US"/>
+              </a:p>
+            </p:txBody>
+          </p:sp>
+        </p:grpSp>
         <p:sp>
           <p:nvSpPr>
-            <p:cNvPr id="9" name="직사각형 8"/>
-            <p:cNvSpPr/>
-            <p:nvPr/>
-          </p:nvSpPr>
-          <p:spPr>
-            <a:xfrm>
-              <a:off x="0" y="173379"/>
-              <a:ext cx="12192000" cy="461665"/>
-            </a:xfrm>
-            <a:prstGeom prst="rect">
-              <a:avLst/>
-            </a:prstGeom>
-            <a:solidFill>
-              <a:srgbClr val="D3E9E4"/>
-            </a:solidFill>
-            <a:ln>
-              <a:noFill/>
-            </a:ln>
-          </p:spPr>
-          <p:style>
-            <a:lnRef idx="2">
-              <a:schemeClr val="accent1">
-                <a:shade val="50000"/>
-              </a:schemeClr>
-            </a:lnRef>
-            <a:fillRef idx="1">
-              <a:schemeClr val="accent1"/>
-            </a:fillRef>
-            <a:effectRef idx="0">
-              <a:schemeClr val="accent1"/>
-            </a:effectRef>
-            <a:fontRef idx="minor">
-              <a:schemeClr val="lt1"/>
-            </a:fontRef>
-          </p:style>
-          <p:txBody>
-            <a:bodyPr rtlCol="0" anchor="ctr"/>
-            <a:lstStyle/>
-            <a:p>
-              <a:pPr algn="ctr"/>
-              <a:endParaRPr lang="ko-KR" altLang="en-US"/>
-            </a:p>
-          </p:txBody>
-        </p:sp>
-        <p:sp>
-          <p:nvSpPr>
-            <p:cNvPr id="8" name="TextBox 7"/>
+            <p:cNvPr id="9" name="TextBox 8"/>
             <p:cNvSpPr txBox="1"/>
             <p:nvPr/>
           </p:nvSpPr>
@@ -3365,17 +4072,2819 @@
                   <a:latin typeface="나눔고딕 ExtraBold" panose="020D0904000000000000" pitchFamily="50" charset="-127"/>
                   <a:ea typeface="나눔고딕 ExtraBold" panose="020D0904000000000000" pitchFamily="50" charset="-127"/>
                 </a:rPr>
+                <a:t>반납</a:t>
+              </a:r>
+              <a:endParaRPr lang="ko-KR" altLang="en-US" sz="2400">
+                <a:solidFill>
+                  <a:schemeClr val="tx1">
+                    <a:lumMod val="75000"/>
+                    <a:lumOff val="25000"/>
+                  </a:schemeClr>
+                </a:solidFill>
+                <a:latin typeface="나눔고딕 ExtraBold" panose="020D0904000000000000" pitchFamily="50" charset="-127"/>
+                <a:ea typeface="나눔고딕 ExtraBold" panose="020D0904000000000000" pitchFamily="50" charset="-127"/>
+              </a:endParaRPr>
+            </a:p>
+          </p:txBody>
+        </p:sp>
+      </p:grpSp>
+      <p:sp>
+        <p:nvSpPr>
+          <p:cNvPr id="21" name="직사각형 20"/>
+          <p:cNvSpPr/>
+          <p:nvPr/>
+        </p:nvSpPr>
+        <p:spPr>
+          <a:xfrm>
+            <a:off x="3979845" y="1459833"/>
+            <a:ext cx="563580" cy="357061"/>
+          </a:xfrm>
+          <a:prstGeom prst="rect">
+            <a:avLst/>
+          </a:prstGeom>
+          <a:noFill/>
+          <a:ln w="38100">
+            <a:solidFill>
+              <a:srgbClr val="C00000"/>
+            </a:solidFill>
+          </a:ln>
+        </p:spPr>
+        <p:style>
+          <a:lnRef idx="2">
+            <a:schemeClr val="accent1">
+              <a:shade val="50000"/>
+            </a:schemeClr>
+          </a:lnRef>
+          <a:fillRef idx="1">
+            <a:schemeClr val="accent1"/>
+          </a:fillRef>
+          <a:effectRef idx="0">
+            <a:schemeClr val="accent1"/>
+          </a:effectRef>
+          <a:fontRef idx="minor">
+            <a:schemeClr val="lt1"/>
+          </a:fontRef>
+        </p:style>
+        <p:txBody>
+          <a:bodyPr rtlCol="0" anchor="ctr"/>
+          <a:lstStyle/>
+          <a:p>
+            <a:pPr algn="ctr"/>
+            <a:endParaRPr lang="ko-KR" altLang="en-US"/>
+          </a:p>
+        </p:txBody>
+      </p:sp>
+      <p:cxnSp>
+        <p:nvCxnSpPr>
+          <p:cNvPr id="22" name="직선 화살표 연결선 21"/>
+          <p:cNvCxnSpPr>
+            <a:stCxn id="21" idx="3"/>
+            <a:endCxn id="24" idx="1"/>
+          </p:cNvCxnSpPr>
+          <p:nvPr/>
+        </p:nvCxnSpPr>
+        <p:spPr>
+          <a:xfrm>
+            <a:off x="4543425" y="1638364"/>
+            <a:ext cx="6308726" cy="803211"/>
+          </a:xfrm>
+          <a:prstGeom prst="straightConnector1">
+            <a:avLst/>
+          </a:prstGeom>
+          <a:ln w="57150">
+            <a:solidFill>
+              <a:srgbClr val="C00000"/>
+            </a:solidFill>
+            <a:tailEnd type="triangle"/>
+          </a:ln>
+        </p:spPr>
+        <p:style>
+          <a:lnRef idx="1">
+            <a:schemeClr val="accent1"/>
+          </a:lnRef>
+          <a:fillRef idx="0">
+            <a:schemeClr val="accent1"/>
+          </a:fillRef>
+          <a:effectRef idx="0">
+            <a:schemeClr val="accent1"/>
+          </a:effectRef>
+          <a:fontRef idx="minor">
+            <a:schemeClr val="tx1"/>
+          </a:fontRef>
+        </p:style>
+      </p:cxnSp>
+      <p:sp>
+        <p:nvSpPr>
+          <p:cNvPr id="24" name="직사각형 23"/>
+          <p:cNvSpPr/>
+          <p:nvPr/>
+        </p:nvSpPr>
+        <p:spPr>
+          <a:xfrm>
+            <a:off x="10852151" y="2263775"/>
+            <a:ext cx="612774" cy="355600"/>
+          </a:xfrm>
+          <a:prstGeom prst="rect">
+            <a:avLst/>
+          </a:prstGeom>
+          <a:noFill/>
+          <a:ln w="38100">
+            <a:solidFill>
+              <a:srgbClr val="C00000"/>
+            </a:solidFill>
+          </a:ln>
+        </p:spPr>
+        <p:style>
+          <a:lnRef idx="2">
+            <a:schemeClr val="accent1">
+              <a:shade val="50000"/>
+            </a:schemeClr>
+          </a:lnRef>
+          <a:fillRef idx="1">
+            <a:schemeClr val="accent1"/>
+          </a:fillRef>
+          <a:effectRef idx="0">
+            <a:schemeClr val="accent1"/>
+          </a:effectRef>
+          <a:fontRef idx="minor">
+            <a:schemeClr val="lt1"/>
+          </a:fontRef>
+        </p:style>
+        <p:txBody>
+          <a:bodyPr rtlCol="0" anchor="ctr"/>
+          <a:lstStyle/>
+          <a:p>
+            <a:pPr algn="ctr"/>
+            <a:endParaRPr lang="ko-KR" altLang="en-US"/>
+          </a:p>
+        </p:txBody>
+      </p:sp>
+      <p:sp>
+        <p:nvSpPr>
+          <p:cNvPr id="32" name="TextBox 31"/>
+          <p:cNvSpPr txBox="1"/>
+          <p:nvPr/>
+        </p:nvSpPr>
+        <p:spPr>
+          <a:xfrm>
+            <a:off x="2212323" y="5116060"/>
+            <a:ext cx="7767351" cy="923330"/>
+          </a:xfrm>
+          <a:prstGeom prst="rect">
+            <a:avLst/>
+          </a:prstGeom>
+          <a:noFill/>
+        </p:spPr>
+        <p:txBody>
+          <a:bodyPr wrap="square" rtlCol="0">
+            <a:spAutoFit/>
+          </a:bodyPr>
+          <a:lstStyle/>
+          <a:p>
+            <a:r>
+              <a:rPr lang="en-US" altLang="ko-KR" b="1" smtClean="0">
+                <a:solidFill>
+                  <a:schemeClr val="tx1">
+                    <a:lumMod val="75000"/>
+                    <a:lumOff val="25000"/>
+                  </a:schemeClr>
+                </a:solidFill>
+                <a:latin typeface="나눔고딕" panose="020D0604000000000000" pitchFamily="50" charset="-127"/>
+                <a:ea typeface="나눔고딕" panose="020D0604000000000000" pitchFamily="50" charset="-127"/>
+              </a:rPr>
+              <a:t>- </a:t>
+            </a:r>
+            <a:r>
+              <a:rPr lang="ko-KR" altLang="en-US" b="1" smtClean="0">
+                <a:solidFill>
+                  <a:schemeClr val="tx1">
+                    <a:lumMod val="75000"/>
+                    <a:lumOff val="25000"/>
+                  </a:schemeClr>
+                </a:solidFill>
+                <a:latin typeface="나눔고딕" panose="020D0604000000000000" pitchFamily="50" charset="-127"/>
+                <a:ea typeface="나눔고딕" panose="020D0604000000000000" pitchFamily="50" charset="-127"/>
+              </a:rPr>
+              <a:t>마이페이지에서 </a:t>
+            </a:r>
+            <a:r>
+              <a:rPr lang="en-US" altLang="ko-KR" b="1" smtClean="0">
+                <a:solidFill>
+                  <a:schemeClr val="tx1">
+                    <a:lumMod val="75000"/>
+                    <a:lumOff val="25000"/>
+                  </a:schemeClr>
+                </a:solidFill>
+                <a:latin typeface="나눔고딕" panose="020D0604000000000000" pitchFamily="50" charset="-127"/>
+                <a:ea typeface="나눔고딕" panose="020D0604000000000000" pitchFamily="50" charset="-127"/>
+              </a:rPr>
+              <a:t>‘</a:t>
+            </a:r>
+            <a:r>
+              <a:rPr lang="ko-KR" altLang="en-US" b="1" smtClean="0">
+                <a:solidFill>
+                  <a:schemeClr val="tx1">
+                    <a:lumMod val="75000"/>
+                    <a:lumOff val="25000"/>
+                  </a:schemeClr>
+                </a:solidFill>
+                <a:latin typeface="나눔고딕" panose="020D0604000000000000" pitchFamily="50" charset="-127"/>
+                <a:ea typeface="나눔고딕" panose="020D0604000000000000" pitchFamily="50" charset="-127"/>
+              </a:rPr>
+              <a:t>내 서재</a:t>
+            </a:r>
+            <a:r>
+              <a:rPr lang="en-US" altLang="ko-KR" b="1" smtClean="0">
+                <a:solidFill>
+                  <a:schemeClr val="tx1">
+                    <a:lumMod val="75000"/>
+                    <a:lumOff val="25000"/>
+                  </a:schemeClr>
+                </a:solidFill>
+                <a:latin typeface="나눔고딕" panose="020D0604000000000000" pitchFamily="50" charset="-127"/>
+                <a:ea typeface="나눔고딕" panose="020D0604000000000000" pitchFamily="50" charset="-127"/>
+              </a:rPr>
+              <a:t>’</a:t>
+            </a:r>
+            <a:r>
+              <a:rPr lang="ko-KR" altLang="en-US" b="1" smtClean="0">
+                <a:solidFill>
+                  <a:schemeClr val="tx1">
+                    <a:lumMod val="75000"/>
+                    <a:lumOff val="25000"/>
+                  </a:schemeClr>
+                </a:solidFill>
+                <a:latin typeface="나눔고딕" panose="020D0604000000000000" pitchFamily="50" charset="-127"/>
+                <a:ea typeface="나눔고딕" panose="020D0604000000000000" pitchFamily="50" charset="-127"/>
+              </a:rPr>
+              <a:t>로 들어가면 대여 중인 도서와 대여 내역을 볼 수 있음</a:t>
+            </a:r>
+            <a:endParaRPr lang="en-US" altLang="ko-KR" b="1" smtClean="0">
+              <a:solidFill>
+                <a:schemeClr val="tx1">
+                  <a:lumMod val="75000"/>
+                  <a:lumOff val="25000"/>
+                </a:schemeClr>
+              </a:solidFill>
+              <a:latin typeface="나눔고딕" panose="020D0604000000000000" pitchFamily="50" charset="-127"/>
+              <a:ea typeface="나눔고딕" panose="020D0604000000000000" pitchFamily="50" charset="-127"/>
+            </a:endParaRPr>
+          </a:p>
+          <a:p>
+            <a:pPr marL="285750" indent="-285750">
+              <a:buFontTx/>
+              <a:buChar char="-"/>
+            </a:pPr>
+            <a:endParaRPr lang="en-US" altLang="ko-KR" b="1" smtClean="0">
+              <a:solidFill>
+                <a:schemeClr val="tx1">
+                  <a:lumMod val="75000"/>
+                  <a:lumOff val="25000"/>
+                </a:schemeClr>
+              </a:solidFill>
+              <a:latin typeface="나눔고딕" panose="020D0604000000000000" pitchFamily="50" charset="-127"/>
+              <a:ea typeface="나눔고딕" panose="020D0604000000000000" pitchFamily="50" charset="-127"/>
+            </a:endParaRPr>
+          </a:p>
+          <a:p>
+            <a:r>
+              <a:rPr lang="en-US" altLang="ko-KR" b="1" smtClean="0">
+                <a:solidFill>
+                  <a:schemeClr val="tx1">
+                    <a:lumMod val="75000"/>
+                    <a:lumOff val="25000"/>
+                  </a:schemeClr>
+                </a:solidFill>
+                <a:latin typeface="나눔고딕" panose="020D0604000000000000" pitchFamily="50" charset="-127"/>
+                <a:ea typeface="나눔고딕" panose="020D0604000000000000" pitchFamily="50" charset="-127"/>
+              </a:rPr>
+              <a:t>- </a:t>
+            </a:r>
+            <a:r>
+              <a:rPr lang="ko-KR" altLang="en-US" b="1" smtClean="0">
+                <a:solidFill>
+                  <a:schemeClr val="tx1">
+                    <a:lumMod val="75000"/>
+                    <a:lumOff val="25000"/>
+                  </a:schemeClr>
+                </a:solidFill>
+                <a:latin typeface="나눔고딕" panose="020D0604000000000000" pitchFamily="50" charset="-127"/>
+                <a:ea typeface="나눔고딕" panose="020D0604000000000000" pitchFamily="50" charset="-127"/>
+              </a:rPr>
+              <a:t>반납하면 해당 도서는 다시 대여 가능한 상태로 변경됨</a:t>
+            </a:r>
+            <a:endParaRPr lang="en-US" altLang="ko-KR" b="1" smtClean="0">
+              <a:solidFill>
+                <a:schemeClr val="tx1">
+                  <a:lumMod val="75000"/>
+                  <a:lumOff val="25000"/>
+                </a:schemeClr>
+              </a:solidFill>
+              <a:latin typeface="나눔고딕" panose="020D0604000000000000" pitchFamily="50" charset="-127"/>
+              <a:ea typeface="나눔고딕" panose="020D0604000000000000" pitchFamily="50" charset="-127"/>
+            </a:endParaRPr>
+          </a:p>
+        </p:txBody>
+      </p:sp>
+    </p:spTree>
+    <p:extLst>
+      <p:ext uri="{BB962C8B-B14F-4D97-AF65-F5344CB8AC3E}">
+        <p14:creationId xmlns:p14="http://schemas.microsoft.com/office/powerpoint/2010/main" val="3372430261"/>
+      </p:ext>
+    </p:extLst>
+  </p:cSld>
+  <p:clrMapOvr>
+    <a:masterClrMapping/>
+  </p:clrMapOvr>
+  <p:timing>
+    <p:tnLst>
+      <p:par>
+        <p:cTn id="1" dur="indefinite" restart="never" nodeType="tmRoot"/>
+      </p:par>
+    </p:tnLst>
+  </p:timing>
+</p:sld>
+</file>
+
+<file path=ppt/slides/slide11.xml><?xml version="1.0" encoding="utf-8"?>
+<p:sld xmlns:a="http://schemas.openxmlformats.org/drawingml/2006/main" xmlns:r="http://schemas.openxmlformats.org/officeDocument/2006/relationships" xmlns:p="http://schemas.openxmlformats.org/presentationml/2006/main">
+  <p:cSld>
+    <p:spTree>
+      <p:nvGrpSpPr>
+        <p:cNvPr id="1" name=""/>
+        <p:cNvGrpSpPr/>
+        <p:nvPr/>
+      </p:nvGrpSpPr>
+      <p:grpSpPr>
+        <a:xfrm>
+          <a:off x="0" y="0"/>
+          <a:ext cx="0" cy="0"/>
+          <a:chOff x="0" y="0"/>
+          <a:chExt cx="0" cy="0"/>
+        </a:xfrm>
+      </p:grpSpPr>
+      <p:sp>
+        <p:nvSpPr>
+          <p:cNvPr id="18" name="TextBox 17"/>
+          <p:cNvSpPr txBox="1"/>
+          <p:nvPr/>
+        </p:nvSpPr>
+        <p:spPr>
+          <a:xfrm>
+            <a:off x="2350723" y="4850078"/>
+            <a:ext cx="7488717" cy="1477328"/>
+          </a:xfrm>
+          <a:prstGeom prst="rect">
+            <a:avLst/>
+          </a:prstGeom>
+          <a:noFill/>
+        </p:spPr>
+        <p:txBody>
+          <a:bodyPr wrap="square" rtlCol="0">
+            <a:spAutoFit/>
+          </a:bodyPr>
+          <a:lstStyle/>
+          <a:p>
+            <a:r>
+              <a:rPr lang="en-US" altLang="ko-KR" b="1" smtClean="0">
+                <a:solidFill>
+                  <a:schemeClr val="tx1">
+                    <a:lumMod val="75000"/>
+                    <a:lumOff val="25000"/>
+                  </a:schemeClr>
+                </a:solidFill>
+                <a:latin typeface="나눔고딕" panose="020D0604000000000000" pitchFamily="50" charset="-127"/>
+                <a:ea typeface="나눔고딕" panose="020D0604000000000000" pitchFamily="50" charset="-127"/>
+              </a:rPr>
+              <a:t>- </a:t>
+            </a:r>
+            <a:r>
+              <a:rPr lang="ko-KR" altLang="en-US" b="1" smtClean="0">
+                <a:solidFill>
+                  <a:schemeClr val="tx1">
+                    <a:lumMod val="75000"/>
+                    <a:lumOff val="25000"/>
+                  </a:schemeClr>
+                </a:solidFill>
+                <a:latin typeface="나눔고딕" panose="020D0604000000000000" pitchFamily="50" charset="-127"/>
+                <a:ea typeface="나눔고딕" panose="020D0604000000000000" pitchFamily="50" charset="-127"/>
+              </a:rPr>
+              <a:t>비밀번호를 입력받은 후 정확하다면 회원 정보 수정 및 회원 탈퇴 가능</a:t>
+            </a:r>
+            <a:endParaRPr lang="en-US" altLang="ko-KR" b="1" smtClean="0">
+              <a:solidFill>
+                <a:schemeClr val="tx1">
+                  <a:lumMod val="75000"/>
+                  <a:lumOff val="25000"/>
+                </a:schemeClr>
+              </a:solidFill>
+              <a:latin typeface="나눔고딕" panose="020D0604000000000000" pitchFamily="50" charset="-127"/>
+              <a:ea typeface="나눔고딕" panose="020D0604000000000000" pitchFamily="50" charset="-127"/>
+            </a:endParaRPr>
+          </a:p>
+          <a:p>
+            <a:endParaRPr lang="en-US" altLang="ko-KR" b="1">
+              <a:solidFill>
+                <a:schemeClr val="tx1">
+                  <a:lumMod val="75000"/>
+                  <a:lumOff val="25000"/>
+                </a:schemeClr>
+              </a:solidFill>
+              <a:latin typeface="나눔고딕" panose="020D0604000000000000" pitchFamily="50" charset="-127"/>
+              <a:ea typeface="나눔고딕" panose="020D0604000000000000" pitchFamily="50" charset="-127"/>
+            </a:endParaRPr>
+          </a:p>
+          <a:p>
+            <a:r>
+              <a:rPr lang="en-US" altLang="ko-KR" b="1" smtClean="0">
+                <a:solidFill>
+                  <a:schemeClr val="tx1">
+                    <a:lumMod val="75000"/>
+                    <a:lumOff val="25000"/>
+                  </a:schemeClr>
+                </a:solidFill>
+                <a:latin typeface="나눔고딕" panose="020D0604000000000000" pitchFamily="50" charset="-127"/>
+                <a:ea typeface="나눔고딕" panose="020D0604000000000000" pitchFamily="50" charset="-127"/>
+              </a:rPr>
+              <a:t>- </a:t>
+            </a:r>
+            <a:r>
+              <a:rPr lang="ko-KR" altLang="en-US" b="1" smtClean="0">
+                <a:solidFill>
+                  <a:schemeClr val="tx1">
+                    <a:lumMod val="75000"/>
+                    <a:lumOff val="25000"/>
+                  </a:schemeClr>
+                </a:solidFill>
+                <a:latin typeface="나눔고딕" panose="020D0604000000000000" pitchFamily="50" charset="-127"/>
+                <a:ea typeface="나눔고딕" panose="020D0604000000000000" pitchFamily="50" charset="-127"/>
+              </a:rPr>
+              <a:t>아이디는 수정할 수 없음</a:t>
+            </a:r>
+            <a:endParaRPr lang="en-US" altLang="ko-KR" b="1" smtClean="0">
+              <a:solidFill>
+                <a:schemeClr val="tx1">
+                  <a:lumMod val="75000"/>
+                  <a:lumOff val="25000"/>
+                </a:schemeClr>
+              </a:solidFill>
+              <a:latin typeface="나눔고딕" panose="020D0604000000000000" pitchFamily="50" charset="-127"/>
+              <a:ea typeface="나눔고딕" panose="020D0604000000000000" pitchFamily="50" charset="-127"/>
+            </a:endParaRPr>
+          </a:p>
+          <a:p>
+            <a:pPr marL="285750" indent="-285750">
+              <a:buFontTx/>
+              <a:buChar char="-"/>
+            </a:pPr>
+            <a:endParaRPr lang="en-US" altLang="ko-KR" b="1">
+              <a:solidFill>
+                <a:schemeClr val="tx1">
+                  <a:lumMod val="75000"/>
+                  <a:lumOff val="25000"/>
+                </a:schemeClr>
+              </a:solidFill>
+              <a:latin typeface="나눔고딕" panose="020D0604000000000000" pitchFamily="50" charset="-127"/>
+              <a:ea typeface="나눔고딕" panose="020D0604000000000000" pitchFamily="50" charset="-127"/>
+            </a:endParaRPr>
+          </a:p>
+          <a:p>
+            <a:r>
+              <a:rPr lang="en-US" altLang="ko-KR" b="1" smtClean="0">
+                <a:solidFill>
+                  <a:schemeClr val="tx1">
+                    <a:lumMod val="75000"/>
+                    <a:lumOff val="25000"/>
+                  </a:schemeClr>
+                </a:solidFill>
+                <a:latin typeface="나눔고딕" panose="020D0604000000000000" pitchFamily="50" charset="-127"/>
+                <a:ea typeface="나눔고딕" panose="020D0604000000000000" pitchFamily="50" charset="-127"/>
+              </a:rPr>
+              <a:t>- </a:t>
+            </a:r>
+            <a:r>
+              <a:rPr lang="ko-KR" altLang="en-US" b="1" smtClean="0">
+                <a:solidFill>
+                  <a:schemeClr val="tx1">
+                    <a:lumMod val="75000"/>
+                    <a:lumOff val="25000"/>
+                  </a:schemeClr>
+                </a:solidFill>
+                <a:latin typeface="나눔고딕" panose="020D0604000000000000" pitchFamily="50" charset="-127"/>
+                <a:ea typeface="나눔고딕" panose="020D0604000000000000" pitchFamily="50" charset="-127"/>
+              </a:rPr>
+              <a:t>중복된 전화번호이거나</a:t>
+            </a:r>
+            <a:r>
+              <a:rPr lang="en-US" altLang="ko-KR" b="1" smtClean="0">
+                <a:solidFill>
+                  <a:schemeClr val="tx1">
+                    <a:lumMod val="75000"/>
+                    <a:lumOff val="25000"/>
+                  </a:schemeClr>
+                </a:solidFill>
+                <a:latin typeface="나눔고딕" panose="020D0604000000000000" pitchFamily="50" charset="-127"/>
+                <a:ea typeface="나눔고딕" panose="020D0604000000000000" pitchFamily="50" charset="-127"/>
+              </a:rPr>
+              <a:t>, </a:t>
+            </a:r>
+            <a:r>
+              <a:rPr lang="ko-KR" altLang="en-US" b="1" smtClean="0">
+                <a:solidFill>
+                  <a:schemeClr val="tx1">
+                    <a:lumMod val="75000"/>
+                    <a:lumOff val="25000"/>
+                  </a:schemeClr>
+                </a:solidFill>
+                <a:latin typeface="나눔고딕" panose="020D0604000000000000" pitchFamily="50" charset="-127"/>
+                <a:ea typeface="나눔고딕" panose="020D0604000000000000" pitchFamily="50" charset="-127"/>
+              </a:rPr>
+              <a:t>전화번호의 형식이 잘못되었다면 경고 창을 출력함</a:t>
+            </a:r>
+            <a:endParaRPr lang="en-US" altLang="ko-KR" b="1" smtClean="0">
+              <a:solidFill>
+                <a:schemeClr val="tx1">
+                  <a:lumMod val="75000"/>
+                  <a:lumOff val="25000"/>
+                </a:schemeClr>
+              </a:solidFill>
+              <a:latin typeface="나눔고딕" panose="020D0604000000000000" pitchFamily="50" charset="-127"/>
+              <a:ea typeface="나눔고딕" panose="020D0604000000000000" pitchFamily="50" charset="-127"/>
+            </a:endParaRPr>
+          </a:p>
+        </p:txBody>
+      </p:sp>
+      <p:pic>
+        <p:nvPicPr>
+          <p:cNvPr id="6" name="그림 5"/>
+          <p:cNvPicPr>
+            <a:picLocks noChangeAspect="1"/>
+          </p:cNvPicPr>
+          <p:nvPr/>
+        </p:nvPicPr>
+        <p:blipFill rotWithShape="1">
+          <a:blip r:embed="rId3">
+            <a:extLst>
+              <a:ext uri="{28A0092B-C50C-407E-A947-70E740481C1C}">
+                <a14:useLocalDpi xmlns:a14="http://schemas.microsoft.com/office/drawing/2010/main" val="0"/>
+              </a:ext>
+            </a:extLst>
+          </a:blip>
+          <a:srcRect l="28738" t="27310" r="18273" b="53405"/>
+          <a:stretch/>
+        </p:blipFill>
+        <p:spPr>
+          <a:xfrm>
+            <a:off x="3737013" y="1073927"/>
+            <a:ext cx="4716138" cy="986227"/>
+          </a:xfrm>
+          <a:prstGeom prst="rect">
+            <a:avLst/>
+          </a:prstGeom>
+          <a:ln w="19050">
+            <a:solidFill>
+              <a:schemeClr val="bg1">
+                <a:lumMod val="75000"/>
+              </a:schemeClr>
+            </a:solidFill>
+          </a:ln>
+        </p:spPr>
+      </p:pic>
+      <p:pic>
+        <p:nvPicPr>
+          <p:cNvPr id="7" name="그림 6"/>
+          <p:cNvPicPr>
+            <a:picLocks noChangeAspect="1"/>
+          </p:cNvPicPr>
+          <p:nvPr/>
+        </p:nvPicPr>
+        <p:blipFill rotWithShape="1">
+          <a:blip r:embed="rId4">
+            <a:extLst>
+              <a:ext uri="{28A0092B-C50C-407E-A947-70E740481C1C}">
+                <a14:useLocalDpi xmlns:a14="http://schemas.microsoft.com/office/drawing/2010/main" val="0"/>
+              </a:ext>
+            </a:extLst>
+          </a:blip>
+          <a:srcRect l="29016" t="27791" r="13755" b="27228"/>
+          <a:stretch/>
+        </p:blipFill>
+        <p:spPr>
+          <a:xfrm>
+            <a:off x="3547433" y="2329265"/>
+            <a:ext cx="5095299" cy="2301103"/>
+          </a:xfrm>
+          <a:prstGeom prst="rect">
+            <a:avLst/>
+          </a:prstGeom>
+          <a:ln w="19050">
+            <a:solidFill>
+              <a:schemeClr val="bg1">
+                <a:lumMod val="75000"/>
+              </a:schemeClr>
+            </a:solidFill>
+          </a:ln>
+        </p:spPr>
+      </p:pic>
+      <p:grpSp>
+        <p:nvGrpSpPr>
+          <p:cNvPr id="8" name="그룹 7"/>
+          <p:cNvGrpSpPr/>
+          <p:nvPr/>
+        </p:nvGrpSpPr>
+        <p:grpSpPr>
+          <a:xfrm>
+            <a:off x="0" y="151346"/>
+            <a:ext cx="12192000" cy="597802"/>
+            <a:chOff x="0" y="173379"/>
+            <a:chExt cx="12192000" cy="597802"/>
+          </a:xfrm>
+        </p:grpSpPr>
+        <p:grpSp>
+          <p:nvGrpSpPr>
+            <p:cNvPr id="9" name="그룹 8"/>
+            <p:cNvGrpSpPr/>
+            <p:nvPr/>
+          </p:nvGrpSpPr>
+          <p:grpSpPr>
+            <a:xfrm>
+              <a:off x="0" y="173379"/>
+              <a:ext cx="12192000" cy="597802"/>
+              <a:chOff x="0" y="1847944"/>
+              <a:chExt cx="12192000" cy="597802"/>
+            </a:xfrm>
+          </p:grpSpPr>
+          <p:sp>
+            <p:nvSpPr>
+              <p:cNvPr id="11" name="직사각형 10"/>
+              <p:cNvSpPr/>
+              <p:nvPr/>
+            </p:nvSpPr>
+            <p:spPr>
+              <a:xfrm>
+                <a:off x="0" y="1847944"/>
+                <a:ext cx="12192000" cy="597802"/>
+              </a:xfrm>
+              <a:prstGeom prst="rect">
+                <a:avLst/>
+              </a:prstGeom>
+              <a:solidFill>
+                <a:srgbClr val="D3E9E4"/>
+              </a:solidFill>
+              <a:ln>
+                <a:noFill/>
+              </a:ln>
+            </p:spPr>
+            <p:style>
+              <a:lnRef idx="2">
+                <a:schemeClr val="accent1">
+                  <a:shade val="50000"/>
+                </a:schemeClr>
+              </a:lnRef>
+              <a:fillRef idx="1">
+                <a:schemeClr val="accent1"/>
+              </a:fillRef>
+              <a:effectRef idx="0">
+                <a:schemeClr val="accent1"/>
+              </a:effectRef>
+              <a:fontRef idx="minor">
+                <a:schemeClr val="lt1"/>
+              </a:fontRef>
+            </p:style>
+            <p:txBody>
+              <a:bodyPr rtlCol="0" anchor="ctr"/>
+              <a:lstStyle/>
+              <a:p>
+                <a:pPr algn="ctr"/>
+                <a:endParaRPr lang="ko-KR" altLang="en-US"/>
+              </a:p>
+            </p:txBody>
+          </p:sp>
+          <p:sp>
+            <p:nvSpPr>
+              <p:cNvPr id="12" name="직사각형 11"/>
+              <p:cNvSpPr/>
+              <p:nvPr/>
+            </p:nvSpPr>
+            <p:spPr>
+              <a:xfrm>
+                <a:off x="0" y="2308860"/>
+                <a:ext cx="12192000" cy="65786"/>
+              </a:xfrm>
+              <a:prstGeom prst="rect">
+                <a:avLst/>
+              </a:prstGeom>
+              <a:solidFill>
+                <a:schemeClr val="bg1"/>
+              </a:solidFill>
+              <a:ln>
+                <a:noFill/>
+              </a:ln>
+            </p:spPr>
+            <p:style>
+              <a:lnRef idx="2">
+                <a:schemeClr val="accent1">
+                  <a:shade val="50000"/>
+                </a:schemeClr>
+              </a:lnRef>
+              <a:fillRef idx="1">
+                <a:schemeClr val="accent1"/>
+              </a:fillRef>
+              <a:effectRef idx="0">
+                <a:schemeClr val="accent1"/>
+              </a:effectRef>
+              <a:fontRef idx="minor">
+                <a:schemeClr val="lt1"/>
+              </a:fontRef>
+            </p:style>
+            <p:txBody>
+              <a:bodyPr rtlCol="0" anchor="ctr"/>
+              <a:lstStyle/>
+              <a:p>
+                <a:pPr algn="ctr"/>
+                <a:endParaRPr lang="ko-KR" altLang="en-US"/>
+              </a:p>
+            </p:txBody>
+          </p:sp>
+        </p:grpSp>
+        <p:sp>
+          <p:nvSpPr>
+            <p:cNvPr id="10" name="TextBox 9"/>
+            <p:cNvSpPr txBox="1"/>
+            <p:nvPr/>
+          </p:nvSpPr>
+          <p:spPr>
+            <a:xfrm>
+              <a:off x="154238" y="173379"/>
+              <a:ext cx="3393195" cy="461665"/>
+            </a:xfrm>
+            <a:prstGeom prst="rect">
+              <a:avLst/>
+            </a:prstGeom>
+            <a:noFill/>
+          </p:spPr>
+          <p:txBody>
+            <a:bodyPr wrap="square" rtlCol="0">
+              <a:spAutoFit/>
+            </a:bodyPr>
+            <a:lstStyle/>
+            <a:p>
+              <a:r>
+                <a:rPr lang="ko-KR" altLang="en-US" sz="2400" smtClean="0">
+                  <a:solidFill>
+                    <a:schemeClr val="tx1">
+                      <a:lumMod val="75000"/>
+                      <a:lumOff val="25000"/>
+                    </a:schemeClr>
+                  </a:solidFill>
+                  <a:latin typeface="나눔고딕 ExtraBold" panose="020D0904000000000000" pitchFamily="50" charset="-127"/>
+                  <a:ea typeface="나눔고딕 ExtraBold" panose="020D0904000000000000" pitchFamily="50" charset="-127"/>
+                </a:rPr>
+                <a:t>회원 정보 수정</a:t>
+              </a:r>
+              <a:endParaRPr lang="ko-KR" altLang="en-US" sz="2400">
+                <a:solidFill>
+                  <a:schemeClr val="tx1">
+                    <a:lumMod val="75000"/>
+                    <a:lumOff val="25000"/>
+                  </a:schemeClr>
+                </a:solidFill>
+                <a:latin typeface="나눔고딕 ExtraBold" panose="020D0904000000000000" pitchFamily="50" charset="-127"/>
+                <a:ea typeface="나눔고딕 ExtraBold" panose="020D0904000000000000" pitchFamily="50" charset="-127"/>
+              </a:endParaRPr>
+            </a:p>
+          </p:txBody>
+        </p:sp>
+      </p:grpSp>
+      <p:cxnSp>
+        <p:nvCxnSpPr>
+          <p:cNvPr id="15" name="직선 화살표 연결선 14"/>
+          <p:cNvCxnSpPr/>
+          <p:nvPr/>
+        </p:nvCxnSpPr>
+        <p:spPr>
+          <a:xfrm>
+            <a:off x="6096000" y="2009191"/>
+            <a:ext cx="0" cy="530215"/>
+          </a:xfrm>
+          <a:prstGeom prst="straightConnector1">
+            <a:avLst/>
+          </a:prstGeom>
+          <a:ln w="57150">
+            <a:solidFill>
+              <a:srgbClr val="C00000"/>
+            </a:solidFill>
+            <a:tailEnd type="triangle"/>
+          </a:ln>
+        </p:spPr>
+        <p:style>
+          <a:lnRef idx="1">
+            <a:schemeClr val="accent1"/>
+          </a:lnRef>
+          <a:fillRef idx="0">
+            <a:schemeClr val="accent1"/>
+          </a:fillRef>
+          <a:effectRef idx="0">
+            <a:schemeClr val="accent1"/>
+          </a:effectRef>
+          <a:fontRef idx="minor">
+            <a:schemeClr val="tx1"/>
+          </a:fontRef>
+        </p:style>
+      </p:cxnSp>
+    </p:spTree>
+    <p:extLst>
+      <p:ext uri="{BB962C8B-B14F-4D97-AF65-F5344CB8AC3E}">
+        <p14:creationId xmlns:p14="http://schemas.microsoft.com/office/powerpoint/2010/main" val="208579884"/>
+      </p:ext>
+    </p:extLst>
+  </p:cSld>
+  <p:clrMapOvr>
+    <a:masterClrMapping/>
+  </p:clrMapOvr>
+  <p:timing>
+    <p:tnLst>
+      <p:par>
+        <p:cTn id="1" dur="indefinite" restart="never" nodeType="tmRoot"/>
+      </p:par>
+    </p:tnLst>
+  </p:timing>
+</p:sld>
+</file>
+
+<file path=ppt/slides/slide12.xml><?xml version="1.0" encoding="utf-8"?>
+<p:sld xmlns:a="http://schemas.openxmlformats.org/drawingml/2006/main" xmlns:r="http://schemas.openxmlformats.org/officeDocument/2006/relationships" xmlns:p="http://schemas.openxmlformats.org/presentationml/2006/main">
+  <p:cSld>
+    <p:spTree>
+      <p:nvGrpSpPr>
+        <p:cNvPr id="1" name=""/>
+        <p:cNvGrpSpPr/>
+        <p:nvPr/>
+      </p:nvGrpSpPr>
+      <p:grpSpPr>
+        <a:xfrm>
+          <a:off x="0" y="0"/>
+          <a:ext cx="0" cy="0"/>
+          <a:chOff x="0" y="0"/>
+          <a:chExt cx="0" cy="0"/>
+        </a:xfrm>
+      </p:grpSpPr>
+      <p:pic>
+        <p:nvPicPr>
+          <p:cNvPr id="5" name="그림 4"/>
+          <p:cNvPicPr>
+            <a:picLocks noChangeAspect="1"/>
+          </p:cNvPicPr>
+          <p:nvPr/>
+        </p:nvPicPr>
+        <p:blipFill rotWithShape="1">
+          <a:blip r:embed="rId2">
+            <a:extLst>
+              <a:ext uri="{28A0092B-C50C-407E-A947-70E740481C1C}">
+                <a14:useLocalDpi xmlns:a14="http://schemas.microsoft.com/office/drawing/2010/main" val="0"/>
+              </a:ext>
+            </a:extLst>
+          </a:blip>
+          <a:srcRect l="28371" t="26988" r="15600" b="5542"/>
+          <a:stretch/>
+        </p:blipFill>
+        <p:spPr>
+          <a:xfrm>
+            <a:off x="3028784" y="1071677"/>
+            <a:ext cx="6134428" cy="4244579"/>
+          </a:xfrm>
+          <a:prstGeom prst="rect">
+            <a:avLst/>
+          </a:prstGeom>
+          <a:ln w="19050">
+            <a:solidFill>
+              <a:schemeClr val="bg1">
+                <a:lumMod val="75000"/>
+              </a:schemeClr>
+            </a:solidFill>
+          </a:ln>
+        </p:spPr>
+      </p:pic>
+      <p:grpSp>
+        <p:nvGrpSpPr>
+          <p:cNvPr id="8" name="그룹 7"/>
+          <p:cNvGrpSpPr/>
+          <p:nvPr/>
+        </p:nvGrpSpPr>
+        <p:grpSpPr>
+          <a:xfrm>
+            <a:off x="0" y="151346"/>
+            <a:ext cx="12192000" cy="597802"/>
+            <a:chOff x="0" y="173379"/>
+            <a:chExt cx="12192000" cy="597802"/>
+          </a:xfrm>
+        </p:grpSpPr>
+        <p:grpSp>
+          <p:nvGrpSpPr>
+            <p:cNvPr id="9" name="그룹 8"/>
+            <p:cNvGrpSpPr/>
+            <p:nvPr/>
+          </p:nvGrpSpPr>
+          <p:grpSpPr>
+            <a:xfrm>
+              <a:off x="0" y="173379"/>
+              <a:ext cx="12192000" cy="597802"/>
+              <a:chOff x="0" y="1847944"/>
+              <a:chExt cx="12192000" cy="597802"/>
+            </a:xfrm>
+          </p:grpSpPr>
+          <p:sp>
+            <p:nvSpPr>
+              <p:cNvPr id="11" name="직사각형 10"/>
+              <p:cNvSpPr/>
+              <p:nvPr/>
+            </p:nvSpPr>
+            <p:spPr>
+              <a:xfrm>
+                <a:off x="0" y="1847944"/>
+                <a:ext cx="12192000" cy="597802"/>
+              </a:xfrm>
+              <a:prstGeom prst="rect">
+                <a:avLst/>
+              </a:prstGeom>
+              <a:solidFill>
+                <a:srgbClr val="D3E9E4"/>
+              </a:solidFill>
+              <a:ln>
+                <a:noFill/>
+              </a:ln>
+            </p:spPr>
+            <p:style>
+              <a:lnRef idx="2">
+                <a:schemeClr val="accent1">
+                  <a:shade val="50000"/>
+                </a:schemeClr>
+              </a:lnRef>
+              <a:fillRef idx="1">
+                <a:schemeClr val="accent1"/>
+              </a:fillRef>
+              <a:effectRef idx="0">
+                <a:schemeClr val="accent1"/>
+              </a:effectRef>
+              <a:fontRef idx="minor">
+                <a:schemeClr val="lt1"/>
+              </a:fontRef>
+            </p:style>
+            <p:txBody>
+              <a:bodyPr rtlCol="0" anchor="ctr"/>
+              <a:lstStyle/>
+              <a:p>
+                <a:pPr algn="ctr"/>
+                <a:endParaRPr lang="ko-KR" altLang="en-US"/>
+              </a:p>
+            </p:txBody>
+          </p:sp>
+          <p:sp>
+            <p:nvSpPr>
+              <p:cNvPr id="12" name="직사각형 11"/>
+              <p:cNvSpPr/>
+              <p:nvPr/>
+            </p:nvSpPr>
+            <p:spPr>
+              <a:xfrm>
+                <a:off x="0" y="2308860"/>
+                <a:ext cx="12192000" cy="65786"/>
+              </a:xfrm>
+              <a:prstGeom prst="rect">
+                <a:avLst/>
+              </a:prstGeom>
+              <a:solidFill>
+                <a:schemeClr val="bg1"/>
+              </a:solidFill>
+              <a:ln>
+                <a:noFill/>
+              </a:ln>
+            </p:spPr>
+            <p:style>
+              <a:lnRef idx="2">
+                <a:schemeClr val="accent1">
+                  <a:shade val="50000"/>
+                </a:schemeClr>
+              </a:lnRef>
+              <a:fillRef idx="1">
+                <a:schemeClr val="accent1"/>
+              </a:fillRef>
+              <a:effectRef idx="0">
+                <a:schemeClr val="accent1"/>
+              </a:effectRef>
+              <a:fontRef idx="minor">
+                <a:schemeClr val="lt1"/>
+              </a:fontRef>
+            </p:style>
+            <p:txBody>
+              <a:bodyPr rtlCol="0" anchor="ctr"/>
+              <a:lstStyle/>
+              <a:p>
+                <a:pPr algn="ctr"/>
+                <a:endParaRPr lang="ko-KR" altLang="en-US"/>
+              </a:p>
+            </p:txBody>
+          </p:sp>
+        </p:grpSp>
+        <p:sp>
+          <p:nvSpPr>
+            <p:cNvPr id="10" name="TextBox 9"/>
+            <p:cNvSpPr txBox="1"/>
+            <p:nvPr/>
+          </p:nvSpPr>
+          <p:spPr>
+            <a:xfrm>
+              <a:off x="154238" y="173379"/>
+              <a:ext cx="3393195" cy="461665"/>
+            </a:xfrm>
+            <a:prstGeom prst="rect">
+              <a:avLst/>
+            </a:prstGeom>
+            <a:noFill/>
+          </p:spPr>
+          <p:txBody>
+            <a:bodyPr wrap="square" rtlCol="0">
+              <a:spAutoFit/>
+            </a:bodyPr>
+            <a:lstStyle/>
+            <a:p>
+              <a:r>
+                <a:rPr lang="ko-KR" altLang="en-US" sz="2400" smtClean="0">
+                  <a:solidFill>
+                    <a:schemeClr val="tx1">
+                      <a:lumMod val="75000"/>
+                      <a:lumOff val="25000"/>
+                    </a:schemeClr>
+                  </a:solidFill>
+                  <a:latin typeface="나눔고딕 ExtraBold" panose="020D0904000000000000" pitchFamily="50" charset="-127"/>
+                  <a:ea typeface="나눔고딕 ExtraBold" panose="020D0904000000000000" pitchFamily="50" charset="-127"/>
+                </a:rPr>
+                <a:t>리뷰 작성</a:t>
+              </a:r>
+              <a:endParaRPr lang="ko-KR" altLang="en-US" sz="2400">
+                <a:solidFill>
+                  <a:schemeClr val="tx1">
+                    <a:lumMod val="75000"/>
+                    <a:lumOff val="25000"/>
+                  </a:schemeClr>
+                </a:solidFill>
+                <a:latin typeface="나눔고딕 ExtraBold" panose="020D0904000000000000" pitchFamily="50" charset="-127"/>
+                <a:ea typeface="나눔고딕 ExtraBold" panose="020D0904000000000000" pitchFamily="50" charset="-127"/>
+              </a:endParaRPr>
+            </a:p>
+          </p:txBody>
+        </p:sp>
+      </p:grpSp>
+      <p:sp>
+        <p:nvSpPr>
+          <p:cNvPr id="16" name="TextBox 15"/>
+          <p:cNvSpPr txBox="1"/>
+          <p:nvPr/>
+        </p:nvSpPr>
+        <p:spPr>
+          <a:xfrm>
+            <a:off x="1794830" y="5638785"/>
+            <a:ext cx="8602336" cy="369332"/>
+          </a:xfrm>
+          <a:prstGeom prst="rect">
+            <a:avLst/>
+          </a:prstGeom>
+          <a:noFill/>
+        </p:spPr>
+        <p:txBody>
+          <a:bodyPr wrap="square" rtlCol="0">
+            <a:spAutoFit/>
+          </a:bodyPr>
+          <a:lstStyle/>
+          <a:p>
+            <a:pPr algn="ctr"/>
+            <a:r>
+              <a:rPr lang="en-US" altLang="ko-KR" b="1" smtClean="0">
+                <a:solidFill>
+                  <a:schemeClr val="tx1">
+                    <a:lumMod val="75000"/>
+                    <a:lumOff val="25000"/>
+                  </a:schemeClr>
+                </a:solidFill>
+                <a:latin typeface="나눔고딕" panose="020D0604000000000000" pitchFamily="50" charset="-127"/>
+                <a:ea typeface="나눔고딕" panose="020D0604000000000000" pitchFamily="50" charset="-127"/>
+              </a:rPr>
+              <a:t>- </a:t>
+            </a:r>
+            <a:r>
+              <a:rPr lang="ko-KR" altLang="en-US" b="1" smtClean="0">
+                <a:solidFill>
+                  <a:schemeClr val="tx1">
+                    <a:lumMod val="75000"/>
+                    <a:lumOff val="25000"/>
+                  </a:schemeClr>
+                </a:solidFill>
+                <a:latin typeface="나눔고딕" panose="020D0604000000000000" pitchFamily="50" charset="-127"/>
+                <a:ea typeface="나눔고딕" panose="020D0604000000000000" pitchFamily="50" charset="-127"/>
+              </a:rPr>
+              <a:t>대여한 기록이 있으면서</a:t>
+            </a:r>
+            <a:r>
+              <a:rPr lang="en-US" altLang="ko-KR" b="1" smtClean="0">
+                <a:solidFill>
+                  <a:schemeClr val="tx1">
+                    <a:lumMod val="75000"/>
+                    <a:lumOff val="25000"/>
+                  </a:schemeClr>
+                </a:solidFill>
+                <a:latin typeface="나눔고딕" panose="020D0604000000000000" pitchFamily="50" charset="-127"/>
+                <a:ea typeface="나눔고딕" panose="020D0604000000000000" pitchFamily="50" charset="-127"/>
+              </a:rPr>
+              <a:t>, </a:t>
+            </a:r>
+            <a:r>
+              <a:rPr lang="ko-KR" altLang="en-US" b="1" smtClean="0">
+                <a:solidFill>
+                  <a:schemeClr val="tx1">
+                    <a:lumMod val="75000"/>
+                    <a:lumOff val="25000"/>
+                  </a:schemeClr>
+                </a:solidFill>
+                <a:latin typeface="나눔고딕" panose="020D0604000000000000" pitchFamily="50" charset="-127"/>
+                <a:ea typeface="나눔고딕" panose="020D0604000000000000" pitchFamily="50" charset="-127"/>
+              </a:rPr>
+              <a:t>리뷰를 작성한 기록이 없는 도서에 대해서만 리뷰 작성 가능</a:t>
+            </a:r>
+            <a:endParaRPr lang="en-US" altLang="ko-KR" b="1">
+              <a:solidFill>
+                <a:schemeClr val="tx1">
+                  <a:lumMod val="75000"/>
+                  <a:lumOff val="25000"/>
+                </a:schemeClr>
+              </a:solidFill>
+              <a:latin typeface="나눔고딕" panose="020D0604000000000000" pitchFamily="50" charset="-127"/>
+              <a:ea typeface="나눔고딕" panose="020D0604000000000000" pitchFamily="50" charset="-127"/>
+            </a:endParaRPr>
+          </a:p>
+        </p:txBody>
+      </p:sp>
+    </p:spTree>
+    <p:extLst>
+      <p:ext uri="{BB962C8B-B14F-4D97-AF65-F5344CB8AC3E}">
+        <p14:creationId xmlns:p14="http://schemas.microsoft.com/office/powerpoint/2010/main" val="2109094266"/>
+      </p:ext>
+    </p:extLst>
+  </p:cSld>
+  <p:clrMapOvr>
+    <a:masterClrMapping/>
+  </p:clrMapOvr>
+  <p:timing>
+    <p:tnLst>
+      <p:par>
+        <p:cTn id="1" dur="indefinite" restart="never" nodeType="tmRoot"/>
+      </p:par>
+    </p:tnLst>
+  </p:timing>
+</p:sld>
+</file>
+
+<file path=ppt/slides/slide13.xml><?xml version="1.0" encoding="utf-8"?>
+<p:sld xmlns:a="http://schemas.openxmlformats.org/drawingml/2006/main" xmlns:r="http://schemas.openxmlformats.org/officeDocument/2006/relationships" xmlns:p="http://schemas.openxmlformats.org/presentationml/2006/main">
+  <p:cSld>
+    <p:spTree>
+      <p:nvGrpSpPr>
+        <p:cNvPr id="1" name=""/>
+        <p:cNvGrpSpPr/>
+        <p:nvPr/>
+      </p:nvGrpSpPr>
+      <p:grpSpPr>
+        <a:xfrm>
+          <a:off x="0" y="0"/>
+          <a:ext cx="0" cy="0"/>
+          <a:chOff x="0" y="0"/>
+          <a:chExt cx="0" cy="0"/>
+        </a:xfrm>
+      </p:grpSpPr>
+      <p:pic>
+        <p:nvPicPr>
+          <p:cNvPr id="7" name="그림 6"/>
+          <p:cNvPicPr>
+            <a:picLocks noChangeAspect="1"/>
+          </p:cNvPicPr>
+          <p:nvPr/>
+        </p:nvPicPr>
+        <p:blipFill rotWithShape="1">
+          <a:blip r:embed="rId2">
+            <a:extLst>
+              <a:ext uri="{28A0092B-C50C-407E-A947-70E740481C1C}">
+                <a14:useLocalDpi xmlns:a14="http://schemas.microsoft.com/office/drawing/2010/main" val="0"/>
+              </a:ext>
+            </a:extLst>
+          </a:blip>
+          <a:srcRect l="24863" t="27309" r="12001" b="7631"/>
+          <a:stretch/>
+        </p:blipFill>
+        <p:spPr>
+          <a:xfrm>
+            <a:off x="7799980" y="1376805"/>
+            <a:ext cx="3858302" cy="2284521"/>
+          </a:xfrm>
+          <a:prstGeom prst="rect">
+            <a:avLst/>
+          </a:prstGeom>
+          <a:ln w="19050">
+            <a:solidFill>
+              <a:schemeClr val="bg1">
+                <a:lumMod val="75000"/>
+              </a:schemeClr>
+            </a:solidFill>
+          </a:ln>
+        </p:spPr>
+      </p:pic>
+      <p:pic>
+        <p:nvPicPr>
+          <p:cNvPr id="6" name="그림 5"/>
+          <p:cNvPicPr>
+            <a:picLocks noChangeAspect="1"/>
+          </p:cNvPicPr>
+          <p:nvPr/>
+        </p:nvPicPr>
+        <p:blipFill rotWithShape="1">
+          <a:blip r:embed="rId3">
+            <a:extLst>
+              <a:ext uri="{28A0092B-C50C-407E-A947-70E740481C1C}">
+                <a14:useLocalDpi xmlns:a14="http://schemas.microsoft.com/office/drawing/2010/main" val="0"/>
+              </a:ext>
+            </a:extLst>
+          </a:blip>
+          <a:srcRect l="17940" t="26988" r="7847" b="19518"/>
+          <a:stretch/>
+        </p:blipFill>
+        <p:spPr>
+          <a:xfrm>
+            <a:off x="530275" y="1073921"/>
+            <a:ext cx="6978359" cy="2890291"/>
+          </a:xfrm>
+          <a:prstGeom prst="rect">
+            <a:avLst/>
+          </a:prstGeom>
+          <a:ln w="19050">
+            <a:solidFill>
+              <a:schemeClr val="bg1">
+                <a:lumMod val="75000"/>
+              </a:schemeClr>
+            </a:solidFill>
+          </a:ln>
+        </p:spPr>
+      </p:pic>
+      <p:grpSp>
+        <p:nvGrpSpPr>
+          <p:cNvPr id="8" name="그룹 7"/>
+          <p:cNvGrpSpPr/>
+          <p:nvPr/>
+        </p:nvGrpSpPr>
+        <p:grpSpPr>
+          <a:xfrm>
+            <a:off x="0" y="151346"/>
+            <a:ext cx="12192000" cy="597802"/>
+            <a:chOff x="0" y="173379"/>
+            <a:chExt cx="12192000" cy="597802"/>
+          </a:xfrm>
+        </p:grpSpPr>
+        <p:grpSp>
+          <p:nvGrpSpPr>
+            <p:cNvPr id="9" name="그룹 8"/>
+            <p:cNvGrpSpPr/>
+            <p:nvPr/>
+          </p:nvGrpSpPr>
+          <p:grpSpPr>
+            <a:xfrm>
+              <a:off x="0" y="173379"/>
+              <a:ext cx="12192000" cy="597802"/>
+              <a:chOff x="0" y="1847944"/>
+              <a:chExt cx="12192000" cy="597802"/>
+            </a:xfrm>
+          </p:grpSpPr>
+          <p:sp>
+            <p:nvSpPr>
+              <p:cNvPr id="11" name="직사각형 10"/>
+              <p:cNvSpPr/>
+              <p:nvPr/>
+            </p:nvSpPr>
+            <p:spPr>
+              <a:xfrm>
+                <a:off x="0" y="1847944"/>
+                <a:ext cx="12192000" cy="597802"/>
+              </a:xfrm>
+              <a:prstGeom prst="rect">
+                <a:avLst/>
+              </a:prstGeom>
+              <a:solidFill>
+                <a:srgbClr val="D3E9E4"/>
+              </a:solidFill>
+              <a:ln>
+                <a:noFill/>
+              </a:ln>
+            </p:spPr>
+            <p:style>
+              <a:lnRef idx="2">
+                <a:schemeClr val="accent1">
+                  <a:shade val="50000"/>
+                </a:schemeClr>
+              </a:lnRef>
+              <a:fillRef idx="1">
+                <a:schemeClr val="accent1"/>
+              </a:fillRef>
+              <a:effectRef idx="0">
+                <a:schemeClr val="accent1"/>
+              </a:effectRef>
+              <a:fontRef idx="minor">
+                <a:schemeClr val="lt1"/>
+              </a:fontRef>
+            </p:style>
+            <p:txBody>
+              <a:bodyPr rtlCol="0" anchor="ctr"/>
+              <a:lstStyle/>
+              <a:p>
+                <a:pPr algn="ctr"/>
+                <a:endParaRPr lang="ko-KR" altLang="en-US"/>
+              </a:p>
+            </p:txBody>
+          </p:sp>
+          <p:sp>
+            <p:nvSpPr>
+              <p:cNvPr id="12" name="직사각형 11"/>
+              <p:cNvSpPr/>
+              <p:nvPr/>
+            </p:nvSpPr>
+            <p:spPr>
+              <a:xfrm>
+                <a:off x="0" y="2308860"/>
+                <a:ext cx="12192000" cy="65786"/>
+              </a:xfrm>
+              <a:prstGeom prst="rect">
+                <a:avLst/>
+              </a:prstGeom>
+              <a:solidFill>
+                <a:schemeClr val="bg1"/>
+              </a:solidFill>
+              <a:ln>
+                <a:noFill/>
+              </a:ln>
+            </p:spPr>
+            <p:style>
+              <a:lnRef idx="2">
+                <a:schemeClr val="accent1">
+                  <a:shade val="50000"/>
+                </a:schemeClr>
+              </a:lnRef>
+              <a:fillRef idx="1">
+                <a:schemeClr val="accent1"/>
+              </a:fillRef>
+              <a:effectRef idx="0">
+                <a:schemeClr val="accent1"/>
+              </a:effectRef>
+              <a:fontRef idx="minor">
+                <a:schemeClr val="lt1"/>
+              </a:fontRef>
+            </p:style>
+            <p:txBody>
+              <a:bodyPr rtlCol="0" anchor="ctr"/>
+              <a:lstStyle/>
+              <a:p>
+                <a:pPr algn="ctr"/>
+                <a:endParaRPr lang="ko-KR" altLang="en-US"/>
+              </a:p>
+            </p:txBody>
+          </p:sp>
+        </p:grpSp>
+        <p:sp>
+          <p:nvSpPr>
+            <p:cNvPr id="10" name="TextBox 9"/>
+            <p:cNvSpPr txBox="1"/>
+            <p:nvPr/>
+          </p:nvSpPr>
+          <p:spPr>
+            <a:xfrm>
+              <a:off x="154238" y="173379"/>
+              <a:ext cx="3393195" cy="461665"/>
+            </a:xfrm>
+            <a:prstGeom prst="rect">
+              <a:avLst/>
+            </a:prstGeom>
+            <a:noFill/>
+          </p:spPr>
+          <p:txBody>
+            <a:bodyPr wrap="square" rtlCol="0">
+              <a:spAutoFit/>
+            </a:bodyPr>
+            <a:lstStyle/>
+            <a:p>
+              <a:r>
+                <a:rPr lang="ko-KR" altLang="en-US" sz="2400" smtClean="0">
+                  <a:solidFill>
+                    <a:schemeClr val="tx1">
+                      <a:lumMod val="75000"/>
+                      <a:lumOff val="25000"/>
+                    </a:schemeClr>
+                  </a:solidFill>
+                  <a:latin typeface="나눔고딕 ExtraBold" panose="020D0904000000000000" pitchFamily="50" charset="-127"/>
+                  <a:ea typeface="나눔고딕 ExtraBold" panose="020D0904000000000000" pitchFamily="50" charset="-127"/>
+                </a:rPr>
+                <a:t>리뷰 </a:t>
+              </a:r>
+              <a:r>
+                <a:rPr lang="ko-KR" altLang="en-US" sz="2400">
+                  <a:solidFill>
+                    <a:schemeClr val="tx1">
+                      <a:lumMod val="75000"/>
+                      <a:lumOff val="25000"/>
+                    </a:schemeClr>
+                  </a:solidFill>
+                  <a:latin typeface="나눔고딕 ExtraBold" panose="020D0904000000000000" pitchFamily="50" charset="-127"/>
+                  <a:ea typeface="나눔고딕 ExtraBold" panose="020D0904000000000000" pitchFamily="50" charset="-127"/>
+                </a:rPr>
+                <a:t>조회</a:t>
+              </a:r>
+              <a:endParaRPr lang="ko-KR" altLang="en-US" sz="2400">
+                <a:solidFill>
+                  <a:schemeClr val="tx1">
+                    <a:lumMod val="75000"/>
+                    <a:lumOff val="25000"/>
+                  </a:schemeClr>
+                </a:solidFill>
+                <a:latin typeface="나눔고딕 ExtraBold" panose="020D0904000000000000" pitchFamily="50" charset="-127"/>
+                <a:ea typeface="나눔고딕 ExtraBold" panose="020D0904000000000000" pitchFamily="50" charset="-127"/>
+              </a:endParaRPr>
+            </a:p>
+          </p:txBody>
+        </p:sp>
+      </p:grpSp>
+      <p:sp>
+        <p:nvSpPr>
+          <p:cNvPr id="17" name="TextBox 16"/>
+          <p:cNvSpPr txBox="1"/>
+          <p:nvPr/>
+        </p:nvSpPr>
+        <p:spPr>
+          <a:xfrm>
+            <a:off x="1771189" y="5116060"/>
+            <a:ext cx="8649618" cy="923330"/>
+          </a:xfrm>
+          <a:prstGeom prst="rect">
+            <a:avLst/>
+          </a:prstGeom>
+          <a:noFill/>
+        </p:spPr>
+        <p:txBody>
+          <a:bodyPr wrap="square" rtlCol="0">
+            <a:spAutoFit/>
+          </a:bodyPr>
+          <a:lstStyle/>
+          <a:p>
+            <a:r>
+              <a:rPr lang="en-US" altLang="ko-KR" b="1" smtClean="0">
+                <a:solidFill>
+                  <a:schemeClr val="tx1">
+                    <a:lumMod val="75000"/>
+                    <a:lumOff val="25000"/>
+                  </a:schemeClr>
+                </a:solidFill>
+                <a:latin typeface="나눔고딕" panose="020D0604000000000000" pitchFamily="50" charset="-127"/>
+                <a:ea typeface="나눔고딕" panose="020D0604000000000000" pitchFamily="50" charset="-127"/>
+              </a:rPr>
+              <a:t>- </a:t>
+            </a:r>
+            <a:r>
+              <a:rPr lang="ko-KR" altLang="en-US" b="1" smtClean="0">
+                <a:solidFill>
+                  <a:schemeClr val="tx1">
+                    <a:lumMod val="75000"/>
+                    <a:lumOff val="25000"/>
+                  </a:schemeClr>
+                </a:solidFill>
+                <a:latin typeface="나눔고딕" panose="020D0604000000000000" pitchFamily="50" charset="-127"/>
+                <a:ea typeface="나눔고딕" panose="020D0604000000000000" pitchFamily="50" charset="-127"/>
+              </a:rPr>
+              <a:t>마이페이지에서 </a:t>
+            </a:r>
+            <a:r>
+              <a:rPr lang="en-US" altLang="ko-KR" b="1" smtClean="0">
+                <a:solidFill>
+                  <a:schemeClr val="tx1">
+                    <a:lumMod val="75000"/>
+                    <a:lumOff val="25000"/>
+                  </a:schemeClr>
+                </a:solidFill>
+                <a:latin typeface="나눔고딕" panose="020D0604000000000000" pitchFamily="50" charset="-127"/>
+                <a:ea typeface="나눔고딕" panose="020D0604000000000000" pitchFamily="50" charset="-127"/>
+              </a:rPr>
+              <a:t>‘</a:t>
+            </a:r>
+            <a:r>
+              <a:rPr lang="ko-KR" altLang="en-US" b="1" smtClean="0">
+                <a:solidFill>
+                  <a:schemeClr val="tx1">
+                    <a:lumMod val="75000"/>
+                    <a:lumOff val="25000"/>
+                  </a:schemeClr>
+                </a:solidFill>
+                <a:latin typeface="나눔고딕" panose="020D0604000000000000" pitchFamily="50" charset="-127"/>
+                <a:ea typeface="나눔고딕" panose="020D0604000000000000" pitchFamily="50" charset="-127"/>
+              </a:rPr>
+              <a:t>리뷰 관리</a:t>
+            </a:r>
+            <a:r>
+              <a:rPr lang="en-US" altLang="ko-KR" b="1" smtClean="0">
+                <a:solidFill>
+                  <a:schemeClr val="tx1">
+                    <a:lumMod val="75000"/>
+                    <a:lumOff val="25000"/>
+                  </a:schemeClr>
+                </a:solidFill>
+                <a:latin typeface="나눔고딕" panose="020D0604000000000000" pitchFamily="50" charset="-127"/>
+                <a:ea typeface="나눔고딕" panose="020D0604000000000000" pitchFamily="50" charset="-127"/>
+              </a:rPr>
+              <a:t>’</a:t>
+            </a:r>
+            <a:r>
+              <a:rPr lang="ko-KR" altLang="en-US" b="1" smtClean="0">
+                <a:solidFill>
+                  <a:schemeClr val="tx1">
+                    <a:lumMod val="75000"/>
+                    <a:lumOff val="25000"/>
+                  </a:schemeClr>
+                </a:solidFill>
+                <a:latin typeface="나눔고딕" panose="020D0604000000000000" pitchFamily="50" charset="-127"/>
+                <a:ea typeface="나눔고딕" panose="020D0604000000000000" pitchFamily="50" charset="-127"/>
+              </a:rPr>
+              <a:t>로 들어가거나</a:t>
+            </a:r>
+            <a:r>
+              <a:rPr lang="en-US" altLang="ko-KR" b="1" smtClean="0">
+                <a:solidFill>
+                  <a:schemeClr val="tx1">
+                    <a:lumMod val="75000"/>
+                    <a:lumOff val="25000"/>
+                  </a:schemeClr>
+                </a:solidFill>
+                <a:latin typeface="나눔고딕" panose="020D0604000000000000" pitchFamily="50" charset="-127"/>
+                <a:ea typeface="나눔고딕" panose="020D0604000000000000" pitchFamily="50" charset="-127"/>
+              </a:rPr>
+              <a:t>, </a:t>
+            </a:r>
+            <a:r>
+              <a:rPr lang="ko-KR" altLang="en-US" b="1" smtClean="0">
+                <a:solidFill>
+                  <a:schemeClr val="tx1">
+                    <a:lumMod val="75000"/>
+                    <a:lumOff val="25000"/>
+                  </a:schemeClr>
+                </a:solidFill>
+                <a:latin typeface="나눔고딕" panose="020D0604000000000000" pitchFamily="50" charset="-127"/>
+                <a:ea typeface="나눔고딕" panose="020D0604000000000000" pitchFamily="50" charset="-127"/>
+              </a:rPr>
+              <a:t>해당 도서의 상세 페이지에서 리뷰 조회 가능</a:t>
+            </a:r>
+            <a:endParaRPr lang="en-US" altLang="ko-KR" b="1" smtClean="0">
+              <a:solidFill>
+                <a:schemeClr val="tx1">
+                  <a:lumMod val="75000"/>
+                  <a:lumOff val="25000"/>
+                </a:schemeClr>
+              </a:solidFill>
+              <a:latin typeface="나눔고딕" panose="020D0604000000000000" pitchFamily="50" charset="-127"/>
+              <a:ea typeface="나눔고딕" panose="020D0604000000000000" pitchFamily="50" charset="-127"/>
+            </a:endParaRPr>
+          </a:p>
+          <a:p>
+            <a:pPr marL="285750" indent="-285750">
+              <a:buFontTx/>
+              <a:buChar char="-"/>
+            </a:pPr>
+            <a:endParaRPr lang="en-US" altLang="ko-KR" b="1">
+              <a:solidFill>
+                <a:schemeClr val="tx1">
+                  <a:lumMod val="75000"/>
+                  <a:lumOff val="25000"/>
+                </a:schemeClr>
+              </a:solidFill>
+              <a:latin typeface="나눔고딕" panose="020D0604000000000000" pitchFamily="50" charset="-127"/>
+              <a:ea typeface="나눔고딕" panose="020D0604000000000000" pitchFamily="50" charset="-127"/>
+            </a:endParaRPr>
+          </a:p>
+          <a:p>
+            <a:r>
+              <a:rPr lang="en-US" altLang="ko-KR" b="1" smtClean="0">
+                <a:solidFill>
+                  <a:schemeClr val="tx1">
+                    <a:lumMod val="75000"/>
+                    <a:lumOff val="25000"/>
+                  </a:schemeClr>
+                </a:solidFill>
+                <a:latin typeface="나눔고딕" panose="020D0604000000000000" pitchFamily="50" charset="-127"/>
+                <a:ea typeface="나눔고딕" panose="020D0604000000000000" pitchFamily="50" charset="-127"/>
+              </a:rPr>
+              <a:t>- </a:t>
+            </a:r>
+            <a:r>
+              <a:rPr lang="ko-KR" altLang="en-US" b="1" smtClean="0">
+                <a:solidFill>
+                  <a:schemeClr val="tx1">
+                    <a:lumMod val="75000"/>
+                    <a:lumOff val="25000"/>
+                  </a:schemeClr>
+                </a:solidFill>
+                <a:latin typeface="나눔고딕" panose="020D0604000000000000" pitchFamily="50" charset="-127"/>
+                <a:ea typeface="나눔고딕" panose="020D0604000000000000" pitchFamily="50" charset="-127"/>
+              </a:rPr>
+              <a:t>리뷰 관리에서 해당 리뷰를 삭제할 수 있음</a:t>
+            </a:r>
+            <a:endParaRPr lang="en-US" altLang="ko-KR" b="1" smtClean="0">
+              <a:solidFill>
+                <a:schemeClr val="tx1">
+                  <a:lumMod val="75000"/>
+                  <a:lumOff val="25000"/>
+                </a:schemeClr>
+              </a:solidFill>
+              <a:latin typeface="나눔고딕" panose="020D0604000000000000" pitchFamily="50" charset="-127"/>
+              <a:ea typeface="나눔고딕" panose="020D0604000000000000" pitchFamily="50" charset="-127"/>
+            </a:endParaRPr>
+          </a:p>
+        </p:txBody>
+      </p:sp>
+    </p:spTree>
+    <p:extLst>
+      <p:ext uri="{BB962C8B-B14F-4D97-AF65-F5344CB8AC3E}">
+        <p14:creationId xmlns:p14="http://schemas.microsoft.com/office/powerpoint/2010/main" val="2117188483"/>
+      </p:ext>
+    </p:extLst>
+  </p:cSld>
+  <p:clrMapOvr>
+    <a:masterClrMapping/>
+  </p:clrMapOvr>
+  <p:timing>
+    <p:tnLst>
+      <p:par>
+        <p:cTn id="1" dur="indefinite" restart="never" nodeType="tmRoot"/>
+      </p:par>
+    </p:tnLst>
+  </p:timing>
+</p:sld>
+</file>
+
+<file path=ppt/slides/slide14.xml><?xml version="1.0" encoding="utf-8"?>
+<p:sld xmlns:a="http://schemas.openxmlformats.org/drawingml/2006/main" xmlns:r="http://schemas.openxmlformats.org/officeDocument/2006/relationships" xmlns:p="http://schemas.openxmlformats.org/presentationml/2006/main">
+  <p:cSld>
+    <p:spTree>
+      <p:nvGrpSpPr>
+        <p:cNvPr id="1" name=""/>
+        <p:cNvGrpSpPr/>
+        <p:nvPr/>
+      </p:nvGrpSpPr>
+      <p:grpSpPr>
+        <a:xfrm>
+          <a:off x="0" y="0"/>
+          <a:ext cx="0" cy="0"/>
+          <a:chOff x="0" y="0"/>
+          <a:chExt cx="0" cy="0"/>
+        </a:xfrm>
+      </p:grpSpPr>
+      <p:grpSp>
+        <p:nvGrpSpPr>
+          <p:cNvPr id="8" name="그룹 7"/>
+          <p:cNvGrpSpPr/>
+          <p:nvPr/>
+        </p:nvGrpSpPr>
+        <p:grpSpPr>
+          <a:xfrm>
+            <a:off x="0" y="151346"/>
+            <a:ext cx="12192000" cy="597802"/>
+            <a:chOff x="0" y="173379"/>
+            <a:chExt cx="12192000" cy="597802"/>
+          </a:xfrm>
+        </p:grpSpPr>
+        <p:grpSp>
+          <p:nvGrpSpPr>
+            <p:cNvPr id="9" name="그룹 8"/>
+            <p:cNvGrpSpPr/>
+            <p:nvPr/>
+          </p:nvGrpSpPr>
+          <p:grpSpPr>
+            <a:xfrm>
+              <a:off x="0" y="173379"/>
+              <a:ext cx="12192000" cy="597802"/>
+              <a:chOff x="0" y="1847944"/>
+              <a:chExt cx="12192000" cy="597802"/>
+            </a:xfrm>
+          </p:grpSpPr>
+          <p:sp>
+            <p:nvSpPr>
+              <p:cNvPr id="11" name="직사각형 10"/>
+              <p:cNvSpPr/>
+              <p:nvPr/>
+            </p:nvSpPr>
+            <p:spPr>
+              <a:xfrm>
+                <a:off x="0" y="1847944"/>
+                <a:ext cx="12192000" cy="597802"/>
+              </a:xfrm>
+              <a:prstGeom prst="rect">
+                <a:avLst/>
+              </a:prstGeom>
+              <a:solidFill>
+                <a:srgbClr val="D3E9E4"/>
+              </a:solidFill>
+              <a:ln>
+                <a:noFill/>
+              </a:ln>
+            </p:spPr>
+            <p:style>
+              <a:lnRef idx="2">
+                <a:schemeClr val="accent1">
+                  <a:shade val="50000"/>
+                </a:schemeClr>
+              </a:lnRef>
+              <a:fillRef idx="1">
+                <a:schemeClr val="accent1"/>
+              </a:fillRef>
+              <a:effectRef idx="0">
+                <a:schemeClr val="accent1"/>
+              </a:effectRef>
+              <a:fontRef idx="minor">
+                <a:schemeClr val="lt1"/>
+              </a:fontRef>
+            </p:style>
+            <p:txBody>
+              <a:bodyPr rtlCol="0" anchor="ctr"/>
+              <a:lstStyle/>
+              <a:p>
+                <a:pPr algn="ctr"/>
+                <a:endParaRPr lang="ko-KR" altLang="en-US"/>
+              </a:p>
+            </p:txBody>
+          </p:sp>
+          <p:sp>
+            <p:nvSpPr>
+              <p:cNvPr id="12" name="직사각형 11"/>
+              <p:cNvSpPr/>
+              <p:nvPr/>
+            </p:nvSpPr>
+            <p:spPr>
+              <a:xfrm>
+                <a:off x="0" y="2308860"/>
+                <a:ext cx="12192000" cy="65786"/>
+              </a:xfrm>
+              <a:prstGeom prst="rect">
+                <a:avLst/>
+              </a:prstGeom>
+              <a:solidFill>
+                <a:schemeClr val="bg1"/>
+              </a:solidFill>
+              <a:ln>
+                <a:noFill/>
+              </a:ln>
+            </p:spPr>
+            <p:style>
+              <a:lnRef idx="2">
+                <a:schemeClr val="accent1">
+                  <a:shade val="50000"/>
+                </a:schemeClr>
+              </a:lnRef>
+              <a:fillRef idx="1">
+                <a:schemeClr val="accent1"/>
+              </a:fillRef>
+              <a:effectRef idx="0">
+                <a:schemeClr val="accent1"/>
+              </a:effectRef>
+              <a:fontRef idx="minor">
+                <a:schemeClr val="lt1"/>
+              </a:fontRef>
+            </p:style>
+            <p:txBody>
+              <a:bodyPr rtlCol="0" anchor="ctr"/>
+              <a:lstStyle/>
+              <a:p>
+                <a:pPr algn="ctr"/>
+                <a:endParaRPr lang="ko-KR" altLang="en-US"/>
+              </a:p>
+            </p:txBody>
+          </p:sp>
+        </p:grpSp>
+        <p:sp>
+          <p:nvSpPr>
+            <p:cNvPr id="10" name="TextBox 9"/>
+            <p:cNvSpPr txBox="1"/>
+            <p:nvPr/>
+          </p:nvSpPr>
+          <p:spPr>
+            <a:xfrm>
+              <a:off x="154238" y="173379"/>
+              <a:ext cx="3833868" cy="461665"/>
+            </a:xfrm>
+            <a:prstGeom prst="rect">
+              <a:avLst/>
+            </a:prstGeom>
+            <a:noFill/>
+          </p:spPr>
+          <p:txBody>
+            <a:bodyPr wrap="square" rtlCol="0">
+              <a:spAutoFit/>
+            </a:bodyPr>
+            <a:lstStyle/>
+            <a:p>
+              <a:r>
+                <a:rPr lang="ko-KR" altLang="en-US" sz="2400" smtClean="0">
+                  <a:solidFill>
+                    <a:schemeClr val="tx1">
+                      <a:lumMod val="75000"/>
+                      <a:lumOff val="25000"/>
+                    </a:schemeClr>
+                  </a:solidFill>
+                  <a:latin typeface="나눔고딕 ExtraBold" panose="020D0904000000000000" pitchFamily="50" charset="-127"/>
+                  <a:ea typeface="나눔고딕 ExtraBold" panose="020D0904000000000000" pitchFamily="50" charset="-127"/>
+                </a:rPr>
+                <a:t>이미지 출처 및 개발자 주소</a:t>
+              </a:r>
+              <a:endParaRPr lang="ko-KR" altLang="en-US" sz="2400">
+                <a:solidFill>
+                  <a:schemeClr val="tx1">
+                    <a:lumMod val="75000"/>
+                    <a:lumOff val="25000"/>
+                  </a:schemeClr>
+                </a:solidFill>
+                <a:latin typeface="나눔고딕 ExtraBold" panose="020D0904000000000000" pitchFamily="50" charset="-127"/>
+                <a:ea typeface="나눔고딕 ExtraBold" panose="020D0904000000000000" pitchFamily="50" charset="-127"/>
+              </a:endParaRPr>
+            </a:p>
+          </p:txBody>
+        </p:sp>
+      </p:grpSp>
+      <p:sp>
+        <p:nvSpPr>
+          <p:cNvPr id="17" name="TextBox 16"/>
+          <p:cNvSpPr txBox="1"/>
+          <p:nvPr/>
+        </p:nvSpPr>
+        <p:spPr>
+          <a:xfrm>
+            <a:off x="951123" y="2130489"/>
+            <a:ext cx="10289754" cy="2308324"/>
+          </a:xfrm>
+          <a:prstGeom prst="rect">
+            <a:avLst/>
+          </a:prstGeom>
+          <a:noFill/>
+        </p:spPr>
+        <p:txBody>
+          <a:bodyPr wrap="square" rtlCol="0">
+            <a:spAutoFit/>
+          </a:bodyPr>
+          <a:lstStyle/>
+          <a:p>
+            <a:r>
+              <a:rPr lang="ko-KR" altLang="en-US" b="1" smtClean="0">
+                <a:solidFill>
+                  <a:schemeClr val="tx1">
+                    <a:lumMod val="75000"/>
+                    <a:lumOff val="25000"/>
+                  </a:schemeClr>
+                </a:solidFill>
+                <a:latin typeface="나눔고딕" panose="020D0604000000000000" pitchFamily="50" charset="-127"/>
+                <a:ea typeface="나눔고딕" panose="020D0604000000000000" pitchFamily="50" charset="-127"/>
+              </a:rPr>
+              <a:t>도서 표지 이미지 </a:t>
+            </a:r>
+            <a:r>
+              <a:rPr lang="en-US" altLang="ko-KR" b="1" smtClean="0">
+                <a:solidFill>
+                  <a:schemeClr val="tx1">
+                    <a:lumMod val="75000"/>
+                    <a:lumOff val="25000"/>
+                  </a:schemeClr>
+                </a:solidFill>
+                <a:latin typeface="나눔고딕" panose="020D0604000000000000" pitchFamily="50" charset="-127"/>
+                <a:ea typeface="나눔고딕" panose="020D0604000000000000" pitchFamily="50" charset="-127"/>
+              </a:rPr>
+              <a:t>: </a:t>
+            </a:r>
+            <a:r>
+              <a:rPr lang="ko-KR" altLang="en-US" b="1" smtClean="0">
+                <a:solidFill>
+                  <a:schemeClr val="tx1">
+                    <a:lumMod val="75000"/>
+                    <a:lumOff val="25000"/>
+                  </a:schemeClr>
+                </a:solidFill>
+                <a:latin typeface="나눔고딕" panose="020D0604000000000000" pitchFamily="50" charset="-127"/>
+                <a:ea typeface="나눔고딕" panose="020D0604000000000000" pitchFamily="50" charset="-127"/>
+              </a:rPr>
+              <a:t>알라딘</a:t>
+            </a:r>
+            <a:endParaRPr lang="en-US" altLang="ko-KR" b="1" smtClean="0">
+              <a:solidFill>
+                <a:schemeClr val="tx1">
+                  <a:lumMod val="75000"/>
+                  <a:lumOff val="25000"/>
+                </a:schemeClr>
+              </a:solidFill>
+              <a:latin typeface="나눔고딕" panose="020D0604000000000000" pitchFamily="50" charset="-127"/>
+              <a:ea typeface="나눔고딕" panose="020D0604000000000000" pitchFamily="50" charset="-127"/>
+            </a:endParaRPr>
+          </a:p>
+          <a:p>
+            <a:r>
+              <a:rPr lang="ko-KR" altLang="en-US" b="1" smtClean="0">
+                <a:solidFill>
+                  <a:schemeClr val="tx1">
+                    <a:lumMod val="75000"/>
+                    <a:lumOff val="25000"/>
+                  </a:schemeClr>
+                </a:solidFill>
+                <a:latin typeface="나눔고딕" panose="020D0604000000000000" pitchFamily="50" charset="-127"/>
+                <a:ea typeface="나눔고딕" panose="020D0604000000000000" pitchFamily="50" charset="-127"/>
+              </a:rPr>
+              <a:t>홈 버튼</a:t>
+            </a:r>
+            <a:r>
+              <a:rPr lang="en-US" altLang="ko-KR" b="1" smtClean="0">
+                <a:solidFill>
+                  <a:schemeClr val="tx1">
+                    <a:lumMod val="75000"/>
+                    <a:lumOff val="25000"/>
+                  </a:schemeClr>
+                </a:solidFill>
+                <a:latin typeface="나눔고딕" panose="020D0604000000000000" pitchFamily="50" charset="-127"/>
+                <a:ea typeface="나눔고딕" panose="020D0604000000000000" pitchFamily="50" charset="-127"/>
+              </a:rPr>
+              <a:t>, </a:t>
+            </a:r>
+            <a:r>
+              <a:rPr lang="ko-KR" altLang="en-US" b="1" smtClean="0">
+                <a:solidFill>
+                  <a:schemeClr val="tx1">
+                    <a:lumMod val="75000"/>
+                    <a:lumOff val="25000"/>
+                  </a:schemeClr>
+                </a:solidFill>
+                <a:latin typeface="나눔고딕" panose="020D0604000000000000" pitchFamily="50" charset="-127"/>
+                <a:ea typeface="나눔고딕" panose="020D0604000000000000" pitchFamily="50" charset="-127"/>
+              </a:rPr>
+              <a:t>리뷰 작성 버튼 이미지 </a:t>
+            </a:r>
+            <a:r>
+              <a:rPr lang="en-US" altLang="ko-KR" b="1" smtClean="0">
+                <a:solidFill>
+                  <a:schemeClr val="tx1">
+                    <a:lumMod val="75000"/>
+                    <a:lumOff val="25000"/>
+                  </a:schemeClr>
+                </a:solidFill>
+                <a:latin typeface="나눔고딕" panose="020D0604000000000000" pitchFamily="50" charset="-127"/>
+                <a:ea typeface="나눔고딕" panose="020D0604000000000000" pitchFamily="50" charset="-127"/>
+              </a:rPr>
+              <a:t>: </a:t>
+            </a:r>
+            <a:r>
+              <a:rPr lang="ko-KR" altLang="en-US" b="1" smtClean="0">
+                <a:solidFill>
+                  <a:schemeClr val="tx1">
+                    <a:lumMod val="75000"/>
+                    <a:lumOff val="25000"/>
+                  </a:schemeClr>
+                </a:solidFill>
+                <a:latin typeface="나눔고딕" panose="020D0604000000000000" pitchFamily="50" charset="-127"/>
+                <a:ea typeface="나눔고딕" panose="020D0604000000000000" pitchFamily="50" charset="-127"/>
+              </a:rPr>
+              <a:t>플래티콘</a:t>
+            </a:r>
+            <a:endParaRPr lang="en-US" altLang="ko-KR" b="1">
+              <a:solidFill>
+                <a:schemeClr val="tx1">
+                  <a:lumMod val="75000"/>
+                  <a:lumOff val="25000"/>
+                </a:schemeClr>
+              </a:solidFill>
+              <a:latin typeface="나눔고딕" panose="020D0604000000000000" pitchFamily="50" charset="-127"/>
+              <a:ea typeface="나눔고딕" panose="020D0604000000000000" pitchFamily="50" charset="-127"/>
+            </a:endParaRPr>
+          </a:p>
+          <a:p>
+            <a:endParaRPr lang="en-US" altLang="ko-KR" b="1" smtClean="0">
+              <a:solidFill>
+                <a:schemeClr val="tx1">
+                  <a:lumMod val="75000"/>
+                  <a:lumOff val="25000"/>
+                </a:schemeClr>
+              </a:solidFill>
+              <a:latin typeface="나눔고딕" panose="020D0604000000000000" pitchFamily="50" charset="-127"/>
+              <a:ea typeface="나눔고딕" panose="020D0604000000000000" pitchFamily="50" charset="-127"/>
+            </a:endParaRPr>
+          </a:p>
+          <a:p>
+            <a:endParaRPr lang="en-US" altLang="ko-KR" b="1" smtClean="0">
+              <a:solidFill>
+                <a:schemeClr val="tx1">
+                  <a:lumMod val="75000"/>
+                  <a:lumOff val="25000"/>
+                </a:schemeClr>
+              </a:solidFill>
+              <a:latin typeface="나눔고딕" panose="020D0604000000000000" pitchFamily="50" charset="-127"/>
+              <a:ea typeface="나눔고딕" panose="020D0604000000000000" pitchFamily="50" charset="-127"/>
+            </a:endParaRPr>
+          </a:p>
+          <a:p>
+            <a:endParaRPr lang="en-US" altLang="ko-KR" b="1" smtClean="0">
+              <a:solidFill>
+                <a:schemeClr val="tx1">
+                  <a:lumMod val="75000"/>
+                  <a:lumOff val="25000"/>
+                </a:schemeClr>
+              </a:solidFill>
+              <a:latin typeface="나눔고딕" panose="020D0604000000000000" pitchFamily="50" charset="-127"/>
+              <a:ea typeface="나눔고딕" panose="020D0604000000000000" pitchFamily="50" charset="-127"/>
+            </a:endParaRPr>
+          </a:p>
+          <a:p>
+            <a:r>
+              <a:rPr lang="ko-KR" altLang="en-US" b="1" smtClean="0">
+                <a:solidFill>
+                  <a:schemeClr val="tx1">
+                    <a:lumMod val="75000"/>
+                    <a:lumOff val="25000"/>
+                  </a:schemeClr>
+                </a:solidFill>
+                <a:latin typeface="나눔고딕" panose="020D0604000000000000" pitchFamily="50" charset="-127"/>
+                <a:ea typeface="나눔고딕" panose="020D0604000000000000" pitchFamily="50" charset="-127"/>
+              </a:rPr>
+              <a:t>개발 일지 </a:t>
+            </a:r>
+            <a:r>
+              <a:rPr lang="en-US" altLang="ko-KR" b="1" smtClean="0">
+                <a:solidFill>
+                  <a:schemeClr val="tx1">
+                    <a:lumMod val="75000"/>
+                    <a:lumOff val="25000"/>
+                  </a:schemeClr>
+                </a:solidFill>
+                <a:latin typeface="나눔고딕" panose="020D0604000000000000" pitchFamily="50" charset="-127"/>
+                <a:ea typeface="나눔고딕" panose="020D0604000000000000" pitchFamily="50" charset="-127"/>
+              </a:rPr>
+              <a:t>: </a:t>
+            </a:r>
+            <a:r>
+              <a:rPr lang="en-US" altLang="ko-KR" b="1" smtClean="0">
+                <a:solidFill>
+                  <a:schemeClr val="tx1">
+                    <a:lumMod val="75000"/>
+                    <a:lumOff val="25000"/>
+                  </a:schemeClr>
+                </a:solidFill>
+                <a:latin typeface="나눔고딕" panose="020D0604000000000000" pitchFamily="50" charset="-127"/>
+                <a:ea typeface="나눔고딕" panose="020D0604000000000000" pitchFamily="50" charset="-127"/>
+                <a:hlinkClick r:id="rId2"/>
+              </a:rPr>
+              <a:t>https</a:t>
+            </a:r>
+            <a:r>
+              <a:rPr lang="en-US" altLang="ko-KR" b="1">
+                <a:solidFill>
+                  <a:schemeClr val="tx1">
+                    <a:lumMod val="75000"/>
+                    <a:lumOff val="25000"/>
+                  </a:schemeClr>
+                </a:solidFill>
+                <a:latin typeface="나눔고딕" panose="020D0604000000000000" pitchFamily="50" charset="-127"/>
+                <a:ea typeface="나눔고딕" panose="020D0604000000000000" pitchFamily="50" charset="-127"/>
+                <a:hlinkClick r:id="rId2"/>
+              </a:rPr>
+              <a:t>://</a:t>
+            </a:r>
+            <a:r>
+              <a:rPr lang="en-US" altLang="ko-KR" b="1" smtClean="0">
+                <a:solidFill>
+                  <a:schemeClr val="tx1">
+                    <a:lumMod val="75000"/>
+                    <a:lumOff val="25000"/>
+                  </a:schemeClr>
+                </a:solidFill>
+                <a:latin typeface="나눔고딕" panose="020D0604000000000000" pitchFamily="50" charset="-127"/>
+                <a:ea typeface="나눔고딕" panose="020D0604000000000000" pitchFamily="50" charset="-127"/>
+                <a:hlinkClick r:id="rId2"/>
+              </a:rPr>
+              <a:t>young0105.tistory.com/category/My%20Project/Library%20Web%20Project</a:t>
+            </a:r>
+            <a:r>
+              <a:rPr lang="en-US" altLang="ko-KR" b="1" smtClean="0">
+                <a:solidFill>
+                  <a:schemeClr val="tx1">
+                    <a:lumMod val="75000"/>
+                    <a:lumOff val="25000"/>
+                  </a:schemeClr>
+                </a:solidFill>
+                <a:latin typeface="나눔고딕" panose="020D0604000000000000" pitchFamily="50" charset="-127"/>
+                <a:ea typeface="나눔고딕" panose="020D0604000000000000" pitchFamily="50" charset="-127"/>
+              </a:rPr>
+              <a:t> </a:t>
+            </a:r>
+            <a:endParaRPr lang="en-US" altLang="ko-KR" b="1">
+              <a:solidFill>
+                <a:schemeClr val="tx1">
+                  <a:lumMod val="75000"/>
+                  <a:lumOff val="25000"/>
+                </a:schemeClr>
+              </a:solidFill>
+              <a:latin typeface="나눔고딕" panose="020D0604000000000000" pitchFamily="50" charset="-127"/>
+              <a:ea typeface="나눔고딕" panose="020D0604000000000000" pitchFamily="50" charset="-127"/>
+            </a:endParaRPr>
+          </a:p>
+          <a:p>
+            <a:endParaRPr lang="en-US" altLang="ko-KR" b="1" smtClean="0">
+              <a:solidFill>
+                <a:schemeClr val="tx1">
+                  <a:lumMod val="75000"/>
+                  <a:lumOff val="25000"/>
+                </a:schemeClr>
+              </a:solidFill>
+              <a:latin typeface="나눔고딕" panose="020D0604000000000000" pitchFamily="50" charset="-127"/>
+              <a:ea typeface="나눔고딕" panose="020D0604000000000000" pitchFamily="50" charset="-127"/>
+            </a:endParaRPr>
+          </a:p>
+          <a:p>
+            <a:r>
+              <a:rPr lang="ko-KR" altLang="en-US" b="1" smtClean="0">
+                <a:solidFill>
+                  <a:schemeClr val="tx1">
+                    <a:lumMod val="75000"/>
+                    <a:lumOff val="25000"/>
+                  </a:schemeClr>
+                </a:solidFill>
+                <a:latin typeface="나눔고딕" panose="020D0604000000000000" pitchFamily="50" charset="-127"/>
+                <a:ea typeface="나눔고딕" panose="020D0604000000000000" pitchFamily="50" charset="-127"/>
+              </a:rPr>
+              <a:t>깃허브 </a:t>
+            </a:r>
+            <a:r>
+              <a:rPr lang="en-US" altLang="ko-KR" b="1">
+                <a:solidFill>
+                  <a:schemeClr val="tx1">
+                    <a:lumMod val="75000"/>
+                    <a:lumOff val="25000"/>
+                  </a:schemeClr>
+                </a:solidFill>
+                <a:latin typeface="나눔고딕" panose="020D0604000000000000" pitchFamily="50" charset="-127"/>
+                <a:ea typeface="나눔고딕" panose="020D0604000000000000" pitchFamily="50" charset="-127"/>
+              </a:rPr>
+              <a:t>: </a:t>
+            </a:r>
+            <a:r>
+              <a:rPr lang="en-US" altLang="ko-KR" b="1">
+                <a:solidFill>
+                  <a:schemeClr val="tx1">
+                    <a:lumMod val="75000"/>
+                    <a:lumOff val="25000"/>
+                  </a:schemeClr>
+                </a:solidFill>
+                <a:latin typeface="나눔고딕" panose="020D0604000000000000" pitchFamily="50" charset="-127"/>
+                <a:ea typeface="나눔고딕" panose="020D0604000000000000" pitchFamily="50" charset="-127"/>
+                <a:hlinkClick r:id="rId3"/>
+              </a:rPr>
+              <a:t>https</a:t>
+            </a:r>
+            <a:r>
+              <a:rPr lang="en-US" altLang="ko-KR" b="1">
+                <a:solidFill>
+                  <a:schemeClr val="tx1">
+                    <a:lumMod val="75000"/>
+                    <a:lumOff val="25000"/>
+                  </a:schemeClr>
+                </a:solidFill>
+                <a:latin typeface="나눔고딕" panose="020D0604000000000000" pitchFamily="50" charset="-127"/>
+                <a:ea typeface="나눔고딕" panose="020D0604000000000000" pitchFamily="50" charset="-127"/>
+                <a:hlinkClick r:id="rId3"/>
+              </a:rPr>
+              <a:t>://</a:t>
+            </a:r>
+            <a:r>
+              <a:rPr lang="en-US" altLang="ko-KR" b="1" smtClean="0">
+                <a:solidFill>
+                  <a:schemeClr val="tx1">
+                    <a:lumMod val="75000"/>
+                    <a:lumOff val="25000"/>
+                  </a:schemeClr>
+                </a:solidFill>
+                <a:latin typeface="나눔고딕" panose="020D0604000000000000" pitchFamily="50" charset="-127"/>
+                <a:ea typeface="나눔고딕" panose="020D0604000000000000" pitchFamily="50" charset="-127"/>
+                <a:hlinkClick r:id="rId3"/>
+              </a:rPr>
+              <a:t>github.com/seoyounglee0105/Library_Web_Project</a:t>
+            </a:r>
+            <a:r>
+              <a:rPr lang="en-US" altLang="ko-KR" b="1" smtClean="0">
+                <a:solidFill>
+                  <a:schemeClr val="tx1">
+                    <a:lumMod val="75000"/>
+                    <a:lumOff val="25000"/>
+                  </a:schemeClr>
+                </a:solidFill>
+                <a:latin typeface="나눔고딕" panose="020D0604000000000000" pitchFamily="50" charset="-127"/>
+                <a:ea typeface="나눔고딕" panose="020D0604000000000000" pitchFamily="50" charset="-127"/>
+              </a:rPr>
+              <a:t>  </a:t>
+            </a:r>
+            <a:endParaRPr lang="en-US" altLang="ko-KR" b="1">
+              <a:solidFill>
+                <a:schemeClr val="tx1">
+                  <a:lumMod val="75000"/>
+                  <a:lumOff val="25000"/>
+                </a:schemeClr>
+              </a:solidFill>
+              <a:latin typeface="나눔고딕" panose="020D0604000000000000" pitchFamily="50" charset="-127"/>
+              <a:ea typeface="나눔고딕" panose="020D0604000000000000" pitchFamily="50" charset="-127"/>
+            </a:endParaRPr>
+          </a:p>
+        </p:txBody>
+      </p:sp>
+    </p:spTree>
+    <p:extLst>
+      <p:ext uri="{BB962C8B-B14F-4D97-AF65-F5344CB8AC3E}">
+        <p14:creationId xmlns:p14="http://schemas.microsoft.com/office/powerpoint/2010/main" val="1761548875"/>
+      </p:ext>
+    </p:extLst>
+  </p:cSld>
+  <p:clrMapOvr>
+    <a:masterClrMapping/>
+  </p:clrMapOvr>
+  <p:timing>
+    <p:tnLst>
+      <p:par>
+        <p:cTn id="1" dur="indefinite" restart="never" nodeType="tmRoot"/>
+      </p:par>
+    </p:tnLst>
+  </p:timing>
+</p:sld>
+</file>
+
+<file path=ppt/slides/slide15.xml><?xml version="1.0" encoding="utf-8"?>
+<p:sld xmlns:a="http://schemas.openxmlformats.org/drawingml/2006/main" xmlns:r="http://schemas.openxmlformats.org/officeDocument/2006/relationships" xmlns:p="http://schemas.openxmlformats.org/presentationml/2006/main">
+  <p:cSld>
+    <p:bg>
+      <p:bgPr>
+        <a:solidFill>
+          <a:srgbClr val="D3E9E4"/>
+        </a:solidFill>
+        <a:effectLst/>
+      </p:bgPr>
+    </p:bg>
+    <p:spTree>
+      <p:nvGrpSpPr>
+        <p:cNvPr id="1" name=""/>
+        <p:cNvGrpSpPr/>
+        <p:nvPr/>
+      </p:nvGrpSpPr>
+      <p:grpSpPr>
+        <a:xfrm>
+          <a:off x="0" y="0"/>
+          <a:ext cx="0" cy="0"/>
+          <a:chOff x="0" y="0"/>
+          <a:chExt cx="0" cy="0"/>
+        </a:xfrm>
+      </p:grpSpPr>
+      <p:sp>
+        <p:nvSpPr>
+          <p:cNvPr id="5" name="TextBox 4"/>
+          <p:cNvSpPr txBox="1"/>
+          <p:nvPr/>
+        </p:nvSpPr>
+        <p:spPr>
+          <a:xfrm>
+            <a:off x="0" y="2588965"/>
+            <a:ext cx="12192000" cy="1323439"/>
+          </a:xfrm>
+          <a:prstGeom prst="rect">
+            <a:avLst/>
+          </a:prstGeom>
+          <a:noFill/>
+        </p:spPr>
+        <p:txBody>
+          <a:bodyPr wrap="square" rtlCol="0">
+            <a:spAutoFit/>
+          </a:bodyPr>
+          <a:lstStyle/>
+          <a:p>
+            <a:pPr algn="ctr"/>
+            <a:r>
+              <a:rPr lang="ko-KR" altLang="en-US" sz="8000" smtClean="0">
+                <a:solidFill>
+                  <a:schemeClr val="tx1">
+                    <a:lumMod val="75000"/>
+                    <a:lumOff val="25000"/>
+                  </a:schemeClr>
+                </a:solidFill>
+                <a:latin typeface="나눔고딕 ExtraBold" panose="020D0904000000000000" pitchFamily="50" charset="-127"/>
+                <a:ea typeface="나눔고딕 ExtraBold" panose="020D0904000000000000" pitchFamily="50" charset="-127"/>
+              </a:rPr>
+              <a:t>감사합니다</a:t>
+            </a:r>
+            <a:endParaRPr lang="ko-KR" altLang="en-US" sz="8000">
+              <a:solidFill>
+                <a:schemeClr val="tx1">
+                  <a:lumMod val="75000"/>
+                  <a:lumOff val="25000"/>
+                </a:schemeClr>
+              </a:solidFill>
+              <a:latin typeface="나눔고딕 ExtraBold" panose="020D0904000000000000" pitchFamily="50" charset="-127"/>
+              <a:ea typeface="나눔고딕 ExtraBold" panose="020D0904000000000000" pitchFamily="50" charset="-127"/>
+            </a:endParaRPr>
+          </a:p>
+        </p:txBody>
+      </p:sp>
+    </p:spTree>
+    <p:extLst>
+      <p:ext uri="{BB962C8B-B14F-4D97-AF65-F5344CB8AC3E}">
+        <p14:creationId xmlns:p14="http://schemas.microsoft.com/office/powerpoint/2010/main" val="2622643686"/>
+      </p:ext>
+    </p:extLst>
+  </p:cSld>
+  <p:clrMapOvr>
+    <a:masterClrMapping/>
+  </p:clrMapOvr>
+  <p:timing>
+    <p:tnLst>
+      <p:par>
+        <p:cTn id="1" dur="indefinite" restart="never" nodeType="tmRoot"/>
+      </p:par>
+    </p:tnLst>
+  </p:timing>
+</p:sld>
+</file>
+
+<file path=ppt/slides/slide2.xml><?xml version="1.0" encoding="utf-8"?>
+<p:sld xmlns:a="http://schemas.openxmlformats.org/drawingml/2006/main" xmlns:r="http://schemas.openxmlformats.org/officeDocument/2006/relationships" xmlns:p="http://schemas.openxmlformats.org/presentationml/2006/main">
+  <p:cSld>
+    <p:spTree>
+      <p:nvGrpSpPr>
+        <p:cNvPr id="1" name=""/>
+        <p:cNvGrpSpPr/>
+        <p:nvPr/>
+      </p:nvGrpSpPr>
+      <p:grpSpPr>
+        <a:xfrm>
+          <a:off x="0" y="0"/>
+          <a:ext cx="0" cy="0"/>
+          <a:chOff x="0" y="0"/>
+          <a:chExt cx="0" cy="0"/>
+        </a:xfrm>
+      </p:grpSpPr>
+      <p:grpSp>
+        <p:nvGrpSpPr>
+          <p:cNvPr id="7" name="그룹 6"/>
+          <p:cNvGrpSpPr/>
+          <p:nvPr/>
+        </p:nvGrpSpPr>
+        <p:grpSpPr>
+          <a:xfrm>
+            <a:off x="0" y="151346"/>
+            <a:ext cx="12192000" cy="597802"/>
+            <a:chOff x="0" y="173379"/>
+            <a:chExt cx="12192000" cy="597802"/>
+          </a:xfrm>
+        </p:grpSpPr>
+        <p:grpSp>
+          <p:nvGrpSpPr>
+            <p:cNvPr id="10" name="그룹 9"/>
+            <p:cNvGrpSpPr/>
+            <p:nvPr/>
+          </p:nvGrpSpPr>
+          <p:grpSpPr>
+            <a:xfrm>
+              <a:off x="0" y="173379"/>
+              <a:ext cx="12192000" cy="597802"/>
+              <a:chOff x="0" y="1847944"/>
+              <a:chExt cx="12192000" cy="597802"/>
+            </a:xfrm>
+          </p:grpSpPr>
+          <p:sp>
+            <p:nvSpPr>
+              <p:cNvPr id="12" name="직사각형 11"/>
+              <p:cNvSpPr/>
+              <p:nvPr/>
+            </p:nvSpPr>
+            <p:spPr>
+              <a:xfrm>
+                <a:off x="0" y="1847944"/>
+                <a:ext cx="12192000" cy="597802"/>
+              </a:xfrm>
+              <a:prstGeom prst="rect">
+                <a:avLst/>
+              </a:prstGeom>
+              <a:solidFill>
+                <a:srgbClr val="D3E9E4"/>
+              </a:solidFill>
+              <a:ln>
+                <a:noFill/>
+              </a:ln>
+            </p:spPr>
+            <p:style>
+              <a:lnRef idx="2">
+                <a:schemeClr val="accent1">
+                  <a:shade val="50000"/>
+                </a:schemeClr>
+              </a:lnRef>
+              <a:fillRef idx="1">
+                <a:schemeClr val="accent1"/>
+              </a:fillRef>
+              <a:effectRef idx="0">
+                <a:schemeClr val="accent1"/>
+              </a:effectRef>
+              <a:fontRef idx="minor">
+                <a:schemeClr val="lt1"/>
+              </a:fontRef>
+            </p:style>
+            <p:txBody>
+              <a:bodyPr rtlCol="0" anchor="ctr"/>
+              <a:lstStyle/>
+              <a:p>
+                <a:pPr algn="ctr"/>
+                <a:endParaRPr lang="ko-KR" altLang="en-US"/>
+              </a:p>
+            </p:txBody>
+          </p:sp>
+          <p:sp>
+            <p:nvSpPr>
+              <p:cNvPr id="13" name="직사각형 12"/>
+              <p:cNvSpPr/>
+              <p:nvPr/>
+            </p:nvSpPr>
+            <p:spPr>
+              <a:xfrm>
+                <a:off x="0" y="2308860"/>
+                <a:ext cx="12192000" cy="65786"/>
+              </a:xfrm>
+              <a:prstGeom prst="rect">
+                <a:avLst/>
+              </a:prstGeom>
+              <a:solidFill>
+                <a:schemeClr val="bg1"/>
+              </a:solidFill>
+              <a:ln>
+                <a:noFill/>
+              </a:ln>
+            </p:spPr>
+            <p:style>
+              <a:lnRef idx="2">
+                <a:schemeClr val="accent1">
+                  <a:shade val="50000"/>
+                </a:schemeClr>
+              </a:lnRef>
+              <a:fillRef idx="1">
+                <a:schemeClr val="accent1"/>
+              </a:fillRef>
+              <a:effectRef idx="0">
+                <a:schemeClr val="accent1"/>
+              </a:effectRef>
+              <a:fontRef idx="minor">
+                <a:schemeClr val="lt1"/>
+              </a:fontRef>
+            </p:style>
+            <p:txBody>
+              <a:bodyPr rtlCol="0" anchor="ctr"/>
+              <a:lstStyle/>
+              <a:p>
+                <a:pPr algn="ctr"/>
+                <a:endParaRPr lang="ko-KR" altLang="en-US"/>
+              </a:p>
+            </p:txBody>
+          </p:sp>
+        </p:grpSp>
+        <p:sp>
+          <p:nvSpPr>
+            <p:cNvPr id="11" name="TextBox 10"/>
+            <p:cNvSpPr txBox="1"/>
+            <p:nvPr/>
+          </p:nvSpPr>
+          <p:spPr>
+            <a:xfrm>
+              <a:off x="154238" y="173379"/>
+              <a:ext cx="3393195" cy="461665"/>
+            </a:xfrm>
+            <a:prstGeom prst="rect">
+              <a:avLst/>
+            </a:prstGeom>
+            <a:noFill/>
+          </p:spPr>
+          <p:txBody>
+            <a:bodyPr wrap="square" rtlCol="0">
+              <a:spAutoFit/>
+            </a:bodyPr>
+            <a:lstStyle/>
+            <a:p>
+              <a:r>
+                <a:rPr lang="ko-KR" altLang="en-US" sz="2400" smtClean="0">
+                  <a:solidFill>
+                    <a:schemeClr val="tx1">
+                      <a:lumMod val="75000"/>
+                      <a:lumOff val="25000"/>
+                    </a:schemeClr>
+                  </a:solidFill>
+                  <a:latin typeface="나눔고딕 ExtraBold" panose="020D0904000000000000" pitchFamily="50" charset="-127"/>
+                  <a:ea typeface="나눔고딕 ExtraBold" panose="020D0904000000000000" pitchFamily="50" charset="-127"/>
+                </a:rPr>
+                <a:t>프로젝트 개요</a:t>
+              </a:r>
+              <a:endParaRPr lang="ko-KR" altLang="en-US" sz="2400">
+                <a:solidFill>
+                  <a:schemeClr val="tx1">
+                    <a:lumMod val="75000"/>
+                    <a:lumOff val="25000"/>
+                  </a:schemeClr>
+                </a:solidFill>
+                <a:latin typeface="나눔고딕 ExtraBold" panose="020D0904000000000000" pitchFamily="50" charset="-127"/>
+                <a:ea typeface="나눔고딕 ExtraBold" panose="020D0904000000000000" pitchFamily="50" charset="-127"/>
+              </a:endParaRPr>
+            </a:p>
+          </p:txBody>
+        </p:sp>
+      </p:grpSp>
+      <p:grpSp>
+        <p:nvGrpSpPr>
+          <p:cNvPr id="4" name="그룹 3"/>
+          <p:cNvGrpSpPr/>
+          <p:nvPr/>
+        </p:nvGrpSpPr>
+        <p:grpSpPr>
+          <a:xfrm>
+            <a:off x="1793913" y="2744619"/>
+            <a:ext cx="8604173" cy="1700101"/>
+            <a:chOff x="2225408" y="1984455"/>
+            <a:chExt cx="8604173" cy="1700101"/>
+          </a:xfrm>
+        </p:grpSpPr>
+        <p:sp>
+          <p:nvSpPr>
+            <p:cNvPr id="14" name="TextBox 13"/>
+            <p:cNvSpPr txBox="1"/>
+            <p:nvPr/>
+          </p:nvSpPr>
+          <p:spPr>
+            <a:xfrm>
+              <a:off x="4043190" y="1999844"/>
+              <a:ext cx="6786391" cy="369332"/>
+            </a:xfrm>
+            <a:prstGeom prst="rect">
+              <a:avLst/>
+            </a:prstGeom>
+            <a:noFill/>
+          </p:spPr>
+          <p:txBody>
+            <a:bodyPr wrap="square" rtlCol="0">
+              <a:spAutoFit/>
+            </a:bodyPr>
+            <a:lstStyle/>
+            <a:p>
+              <a:r>
+                <a:rPr lang="ko-KR" altLang="en-US" b="1" smtClean="0">
+                  <a:solidFill>
+                    <a:schemeClr val="tx1">
+                      <a:lumMod val="75000"/>
+                      <a:lumOff val="25000"/>
+                    </a:schemeClr>
+                  </a:solidFill>
+                  <a:latin typeface="나눔고딕" panose="020D0604000000000000" pitchFamily="50" charset="-127"/>
+                  <a:ea typeface="나눔고딕" panose="020D0604000000000000" pitchFamily="50" charset="-127"/>
+                </a:rPr>
+                <a:t>서적 조회</a:t>
+              </a:r>
+              <a:r>
+                <a:rPr lang="en-US" altLang="ko-KR" b="1" smtClean="0">
+                  <a:solidFill>
+                    <a:schemeClr val="tx1">
+                      <a:lumMod val="75000"/>
+                      <a:lumOff val="25000"/>
+                    </a:schemeClr>
+                  </a:solidFill>
+                  <a:latin typeface="나눔고딕" panose="020D0604000000000000" pitchFamily="50" charset="-127"/>
+                  <a:ea typeface="나눔고딕" panose="020D0604000000000000" pitchFamily="50" charset="-127"/>
+                </a:rPr>
+                <a:t>,</a:t>
+              </a:r>
+              <a:r>
+                <a:rPr lang="ko-KR" altLang="en-US" b="1" smtClean="0">
+                  <a:solidFill>
+                    <a:schemeClr val="tx1">
+                      <a:lumMod val="75000"/>
+                      <a:lumOff val="25000"/>
+                    </a:schemeClr>
+                  </a:solidFill>
+                  <a:latin typeface="나눔고딕" panose="020D0604000000000000" pitchFamily="50" charset="-127"/>
+                  <a:ea typeface="나눔고딕" panose="020D0604000000000000" pitchFamily="50" charset="-127"/>
+                </a:rPr>
+                <a:t> 대여 및 반납 기능을 제공하는 전자 도서관을 웹으로 구현</a:t>
+              </a:r>
+              <a:endParaRPr lang="en-US" altLang="ko-KR" b="1" smtClean="0">
+                <a:solidFill>
+                  <a:schemeClr val="tx1">
+                    <a:lumMod val="75000"/>
+                    <a:lumOff val="25000"/>
+                  </a:schemeClr>
+                </a:solidFill>
+                <a:latin typeface="나눔고딕" panose="020D0604000000000000" pitchFamily="50" charset="-127"/>
+                <a:ea typeface="나눔고딕" panose="020D0604000000000000" pitchFamily="50" charset="-127"/>
+              </a:endParaRPr>
+            </a:p>
+          </p:txBody>
+        </p:sp>
+        <p:sp>
+          <p:nvSpPr>
+            <p:cNvPr id="15" name="TextBox 14"/>
+            <p:cNvSpPr txBox="1"/>
+            <p:nvPr/>
+          </p:nvSpPr>
+          <p:spPr>
+            <a:xfrm>
+              <a:off x="4043190" y="3299835"/>
+              <a:ext cx="6786391" cy="369332"/>
+            </a:xfrm>
+            <a:prstGeom prst="rect">
+              <a:avLst/>
+            </a:prstGeom>
+            <a:noFill/>
+          </p:spPr>
+          <p:txBody>
+            <a:bodyPr wrap="square" rtlCol="0">
+              <a:spAutoFit/>
+            </a:bodyPr>
+            <a:lstStyle/>
+            <a:p>
+              <a:r>
+                <a:rPr lang="en-US" altLang="ko-KR" b="1" smtClean="0">
+                  <a:solidFill>
+                    <a:schemeClr val="tx1">
+                      <a:lumMod val="75000"/>
+                      <a:lumOff val="25000"/>
+                    </a:schemeClr>
+                  </a:solidFill>
+                  <a:latin typeface="나눔고딕" panose="020D0604000000000000" pitchFamily="50" charset="-127"/>
+                  <a:ea typeface="나눔고딕" panose="020D0604000000000000" pitchFamily="50" charset="-127"/>
+                </a:rPr>
+                <a:t>2023/03/29 ~ 2023/04/04 </a:t>
+              </a:r>
+              <a:r>
+                <a:rPr lang="en-US" altLang="ko-KR" b="1" smtClean="0">
+                  <a:solidFill>
+                    <a:schemeClr val="bg2">
+                      <a:lumMod val="75000"/>
+                    </a:schemeClr>
+                  </a:solidFill>
+                  <a:latin typeface="나눔고딕" panose="020D0604000000000000" pitchFamily="50" charset="-127"/>
+                  <a:ea typeface="나눔고딕" panose="020D0604000000000000" pitchFamily="50" charset="-127"/>
+                </a:rPr>
+                <a:t>(</a:t>
+              </a:r>
+              <a:r>
+                <a:rPr lang="ko-KR" altLang="en-US" b="1" smtClean="0">
+                  <a:solidFill>
+                    <a:schemeClr val="bg2">
+                      <a:lumMod val="75000"/>
+                    </a:schemeClr>
+                  </a:solidFill>
+                  <a:latin typeface="나눔고딕" panose="020D0604000000000000" pitchFamily="50" charset="-127"/>
+                  <a:ea typeface="나눔고딕" panose="020D0604000000000000" pitchFamily="50" charset="-127"/>
+                </a:rPr>
+                <a:t>총 </a:t>
+              </a:r>
+              <a:r>
+                <a:rPr lang="en-US" altLang="ko-KR" b="1" smtClean="0">
+                  <a:solidFill>
+                    <a:schemeClr val="bg2">
+                      <a:lumMod val="75000"/>
+                    </a:schemeClr>
+                  </a:solidFill>
+                  <a:latin typeface="나눔고딕" panose="020D0604000000000000" pitchFamily="50" charset="-127"/>
+                  <a:ea typeface="나눔고딕" panose="020D0604000000000000" pitchFamily="50" charset="-127"/>
+                </a:rPr>
+                <a:t>7</a:t>
+              </a:r>
+              <a:r>
+                <a:rPr lang="ko-KR" altLang="en-US" b="1" smtClean="0">
+                  <a:solidFill>
+                    <a:schemeClr val="bg2">
+                      <a:lumMod val="75000"/>
+                    </a:schemeClr>
+                  </a:solidFill>
+                  <a:latin typeface="나눔고딕" panose="020D0604000000000000" pitchFamily="50" charset="-127"/>
+                  <a:ea typeface="나눔고딕" panose="020D0604000000000000" pitchFamily="50" charset="-127"/>
+                </a:rPr>
+                <a:t>일</a:t>
+              </a:r>
+              <a:r>
+                <a:rPr lang="en-US" altLang="ko-KR" b="1" smtClean="0">
+                  <a:solidFill>
+                    <a:schemeClr val="bg2">
+                      <a:lumMod val="75000"/>
+                    </a:schemeClr>
+                  </a:solidFill>
+                  <a:latin typeface="나눔고딕" panose="020D0604000000000000" pitchFamily="50" charset="-127"/>
+                  <a:ea typeface="나눔고딕" panose="020D0604000000000000" pitchFamily="50" charset="-127"/>
+                </a:rPr>
+                <a:t>)</a:t>
+              </a:r>
+            </a:p>
+          </p:txBody>
+        </p:sp>
+        <p:sp>
+          <p:nvSpPr>
+            <p:cNvPr id="18" name="TextBox 17"/>
+            <p:cNvSpPr txBox="1"/>
+            <p:nvPr/>
+          </p:nvSpPr>
+          <p:spPr>
+            <a:xfrm>
+              <a:off x="2225408" y="1984455"/>
+              <a:ext cx="1709910" cy="400110"/>
+            </a:xfrm>
+            <a:prstGeom prst="rect">
+              <a:avLst/>
+            </a:prstGeom>
+            <a:solidFill>
+              <a:srgbClr val="EAF3F1"/>
+            </a:solidFill>
+          </p:spPr>
+          <p:txBody>
+            <a:bodyPr wrap="square" rtlCol="0">
+              <a:spAutoFit/>
+            </a:bodyPr>
+            <a:lstStyle/>
+            <a:p>
+              <a:pPr algn="ctr"/>
+              <a:r>
+                <a:rPr lang="ko-KR" altLang="en-US" sz="2000" b="1" smtClean="0">
+                  <a:solidFill>
+                    <a:schemeClr val="tx1">
+                      <a:lumMod val="75000"/>
+                      <a:lumOff val="25000"/>
+                    </a:schemeClr>
+                  </a:solidFill>
+                  <a:latin typeface="나눔고딕" panose="020D0604000000000000" pitchFamily="50" charset="-127"/>
+                  <a:ea typeface="나눔고딕" panose="020D0604000000000000" pitchFamily="50" charset="-127"/>
+                </a:rPr>
+                <a:t>프로젝트 목표</a:t>
+              </a:r>
+              <a:endParaRPr lang="en-US" altLang="ko-KR" sz="2000" b="1" smtClean="0">
+                <a:solidFill>
+                  <a:schemeClr val="tx1">
+                    <a:lumMod val="75000"/>
+                    <a:lumOff val="25000"/>
+                  </a:schemeClr>
+                </a:solidFill>
+                <a:latin typeface="나눔고딕" panose="020D0604000000000000" pitchFamily="50" charset="-127"/>
+                <a:ea typeface="나눔고딕" panose="020D0604000000000000" pitchFamily="50" charset="-127"/>
+              </a:endParaRPr>
+            </a:p>
+          </p:txBody>
+        </p:sp>
+        <p:sp>
+          <p:nvSpPr>
+            <p:cNvPr id="19" name="TextBox 18"/>
+            <p:cNvSpPr txBox="1"/>
+            <p:nvPr/>
+          </p:nvSpPr>
+          <p:spPr>
+            <a:xfrm>
+              <a:off x="2225408" y="3284446"/>
+              <a:ext cx="1709910" cy="400110"/>
+            </a:xfrm>
+            <a:prstGeom prst="rect">
+              <a:avLst/>
+            </a:prstGeom>
+            <a:solidFill>
+              <a:srgbClr val="EAF3F1"/>
+            </a:solidFill>
+          </p:spPr>
+          <p:txBody>
+            <a:bodyPr wrap="square" rtlCol="0">
+              <a:spAutoFit/>
+            </a:bodyPr>
+            <a:lstStyle/>
+            <a:p>
+              <a:pPr algn="ctr"/>
+              <a:r>
+                <a:rPr lang="ko-KR" altLang="en-US" sz="2000" b="1" smtClean="0">
+                  <a:solidFill>
+                    <a:schemeClr val="tx1">
+                      <a:lumMod val="75000"/>
+                      <a:lumOff val="25000"/>
+                    </a:schemeClr>
+                  </a:solidFill>
+                  <a:latin typeface="나눔고딕" panose="020D0604000000000000" pitchFamily="50" charset="-127"/>
+                  <a:ea typeface="나눔고딕" panose="020D0604000000000000" pitchFamily="50" charset="-127"/>
+                </a:rPr>
                 <a:t>프로젝트 기간</a:t>
               </a:r>
-              <a:endParaRPr lang="ko-KR" altLang="en-US" sz="2400">
-                <a:solidFill>
-                  <a:schemeClr val="tx1">
-                    <a:lumMod val="75000"/>
-                    <a:lumOff val="25000"/>
-                  </a:schemeClr>
-                </a:solidFill>
-                <a:latin typeface="나눔고딕 ExtraBold" panose="020D0904000000000000" pitchFamily="50" charset="-127"/>
-                <a:ea typeface="나눔고딕 ExtraBold" panose="020D0904000000000000" pitchFamily="50" charset="-127"/>
+              <a:endParaRPr lang="en-US" altLang="ko-KR" sz="2000" b="1" smtClean="0">
+                <a:solidFill>
+                  <a:schemeClr val="tx1">
+                    <a:lumMod val="75000"/>
+                    <a:lumOff val="25000"/>
+                  </a:schemeClr>
+                </a:solidFill>
+                <a:latin typeface="나눔고딕" panose="020D0604000000000000" pitchFamily="50" charset="-127"/>
+                <a:ea typeface="나눔고딕" panose="020D0604000000000000" pitchFamily="50" charset="-127"/>
               </a:endParaRPr>
             </a:p>
           </p:txBody>
@@ -3384,7 +6893,7 @@
     </p:spTree>
     <p:extLst>
       <p:ext uri="{BB962C8B-B14F-4D97-AF65-F5344CB8AC3E}">
-        <p14:creationId xmlns:p14="http://schemas.microsoft.com/office/powerpoint/2010/main" val="3318211086"/>
+        <p14:creationId xmlns:p14="http://schemas.microsoft.com/office/powerpoint/2010/main" val="919630163"/>
       </p:ext>
     </p:extLst>
   </p:cSld>
@@ -3418,69 +6927,160 @@
           <a:chExt cx="0" cy="0"/>
         </a:xfrm>
       </p:grpSpPr>
+      <p:pic>
+        <p:nvPicPr>
+          <p:cNvPr id="7" name="그림 6"/>
+          <p:cNvPicPr>
+            <a:picLocks noChangeAspect="1"/>
+          </p:cNvPicPr>
+          <p:nvPr/>
+        </p:nvPicPr>
+        <p:blipFill>
+          <a:blip r:embed="rId2">
+            <a:extLst>
+              <a:ext uri="{28A0092B-C50C-407E-A947-70E740481C1C}">
+                <a14:useLocalDpi xmlns:a14="http://schemas.microsoft.com/office/drawing/2010/main" val="0"/>
+              </a:ext>
+            </a:extLst>
+          </a:blip>
+          <a:stretch>
+            <a:fillRect/>
+          </a:stretch>
+        </p:blipFill>
+        <p:spPr>
+          <a:xfrm>
+            <a:off x="1574024" y="1073927"/>
+            <a:ext cx="9043952" cy="5408551"/>
+          </a:xfrm>
+          <a:prstGeom prst="rect">
+            <a:avLst/>
+          </a:prstGeom>
+        </p:spPr>
+      </p:pic>
       <p:grpSp>
         <p:nvGrpSpPr>
-          <p:cNvPr id="2" name="그룹 1"/>
+          <p:cNvPr id="13" name="그룹 12"/>
           <p:cNvGrpSpPr/>
           <p:nvPr/>
         </p:nvGrpSpPr>
         <p:grpSpPr>
           <a:xfrm>
-            <a:off x="0" y="173379"/>
-            <a:ext cx="12192000" cy="461665"/>
+            <a:off x="0" y="151346"/>
+            <a:ext cx="12192000" cy="597802"/>
             <a:chOff x="0" y="173379"/>
-            <a:chExt cx="12192000" cy="461665"/>
+            <a:chExt cx="12192000" cy="597802"/>
           </a:xfrm>
         </p:grpSpPr>
+        <p:grpSp>
+          <p:nvGrpSpPr>
+            <p:cNvPr id="14" name="그룹 13"/>
+            <p:cNvGrpSpPr/>
+            <p:nvPr/>
+          </p:nvGrpSpPr>
+          <p:grpSpPr>
+            <a:xfrm>
+              <a:off x="0" y="173379"/>
+              <a:ext cx="12192000" cy="597802"/>
+              <a:chOff x="0" y="1847944"/>
+              <a:chExt cx="12192000" cy="597802"/>
+            </a:xfrm>
+          </p:grpSpPr>
+          <p:sp>
+            <p:nvSpPr>
+              <p:cNvPr id="16" name="직사각형 15"/>
+              <p:cNvSpPr/>
+              <p:nvPr/>
+            </p:nvSpPr>
+            <p:spPr>
+              <a:xfrm>
+                <a:off x="0" y="1847944"/>
+                <a:ext cx="12192000" cy="597802"/>
+              </a:xfrm>
+              <a:prstGeom prst="rect">
+                <a:avLst/>
+              </a:prstGeom>
+              <a:solidFill>
+                <a:srgbClr val="D3E9E4"/>
+              </a:solidFill>
+              <a:ln>
+                <a:noFill/>
+              </a:ln>
+            </p:spPr>
+            <p:style>
+              <a:lnRef idx="2">
+                <a:schemeClr val="accent1">
+                  <a:shade val="50000"/>
+                </a:schemeClr>
+              </a:lnRef>
+              <a:fillRef idx="1">
+                <a:schemeClr val="accent1"/>
+              </a:fillRef>
+              <a:effectRef idx="0">
+                <a:schemeClr val="accent1"/>
+              </a:effectRef>
+              <a:fontRef idx="minor">
+                <a:schemeClr val="lt1"/>
+              </a:fontRef>
+            </p:style>
+            <p:txBody>
+              <a:bodyPr rtlCol="0" anchor="ctr"/>
+              <a:lstStyle/>
+              <a:p>
+                <a:pPr algn="ctr"/>
+                <a:endParaRPr lang="ko-KR" altLang="en-US"/>
+              </a:p>
+            </p:txBody>
+          </p:sp>
+          <p:sp>
+            <p:nvSpPr>
+              <p:cNvPr id="17" name="직사각형 16"/>
+              <p:cNvSpPr/>
+              <p:nvPr/>
+            </p:nvSpPr>
+            <p:spPr>
+              <a:xfrm>
+                <a:off x="0" y="2308860"/>
+                <a:ext cx="12192000" cy="65786"/>
+              </a:xfrm>
+              <a:prstGeom prst="rect">
+                <a:avLst/>
+              </a:prstGeom>
+              <a:solidFill>
+                <a:schemeClr val="bg1"/>
+              </a:solidFill>
+              <a:ln>
+                <a:noFill/>
+              </a:ln>
+            </p:spPr>
+            <p:style>
+              <a:lnRef idx="2">
+                <a:schemeClr val="accent1">
+                  <a:shade val="50000"/>
+                </a:schemeClr>
+              </a:lnRef>
+              <a:fillRef idx="1">
+                <a:schemeClr val="accent1"/>
+              </a:fillRef>
+              <a:effectRef idx="0">
+                <a:schemeClr val="accent1"/>
+              </a:effectRef>
+              <a:fontRef idx="minor">
+                <a:schemeClr val="lt1"/>
+              </a:fontRef>
+            </p:style>
+            <p:txBody>
+              <a:bodyPr rtlCol="0" anchor="ctr"/>
+              <a:lstStyle/>
+              <a:p>
+                <a:pPr algn="ctr"/>
+                <a:endParaRPr lang="ko-KR" altLang="en-US"/>
+              </a:p>
+            </p:txBody>
+          </p:sp>
+        </p:grpSp>
         <p:sp>
           <p:nvSpPr>
-            <p:cNvPr id="3" name="직사각형 2"/>
-            <p:cNvSpPr/>
-            <p:nvPr/>
-          </p:nvSpPr>
-          <p:spPr>
-            <a:xfrm>
-              <a:off x="0" y="173379"/>
-              <a:ext cx="12192000" cy="461665"/>
-            </a:xfrm>
-            <a:prstGeom prst="rect">
-              <a:avLst/>
-            </a:prstGeom>
-            <a:solidFill>
-              <a:srgbClr val="D3E9E4"/>
-            </a:solidFill>
-            <a:ln>
-              <a:noFill/>
-            </a:ln>
-          </p:spPr>
-          <p:style>
-            <a:lnRef idx="2">
-              <a:schemeClr val="accent1">
-                <a:shade val="50000"/>
-              </a:schemeClr>
-            </a:lnRef>
-            <a:fillRef idx="1">
-              <a:schemeClr val="accent1"/>
-            </a:fillRef>
-            <a:effectRef idx="0">
-              <a:schemeClr val="accent1"/>
-            </a:effectRef>
-            <a:fontRef idx="minor">
-              <a:schemeClr val="lt1"/>
-            </a:fontRef>
-          </p:style>
-          <p:txBody>
-            <a:bodyPr rtlCol="0" anchor="ctr"/>
-            <a:lstStyle/>
-            <a:p>
-              <a:pPr algn="ctr"/>
-              <a:endParaRPr lang="ko-KR" altLang="en-US"/>
-            </a:p>
-          </p:txBody>
-        </p:sp>
-        <p:sp>
-          <p:nvSpPr>
-            <p:cNvPr id="4" name="TextBox 3"/>
+            <p:cNvPr id="15" name="TextBox 14"/>
             <p:cNvSpPr txBox="1"/>
             <p:nvPr/>
           </p:nvSpPr>
@@ -3527,36 +7127,6 @@
           </p:txBody>
         </p:sp>
       </p:grpSp>
-      <p:pic>
-        <p:nvPicPr>
-          <p:cNvPr id="7" name="그림 6"/>
-          <p:cNvPicPr>
-            <a:picLocks noChangeAspect="1"/>
-          </p:cNvPicPr>
-          <p:nvPr/>
-        </p:nvPicPr>
-        <p:blipFill>
-          <a:blip r:embed="rId2">
-            <a:extLst>
-              <a:ext uri="{28A0092B-C50C-407E-A947-70E740481C1C}">
-                <a14:useLocalDpi xmlns:a14="http://schemas.microsoft.com/office/drawing/2010/main" val="0"/>
-              </a:ext>
-            </a:extLst>
-          </a:blip>
-          <a:stretch>
-            <a:fillRect/>
-          </a:stretch>
-        </p:blipFill>
-        <p:spPr>
-          <a:xfrm>
-            <a:off x="1261388" y="879282"/>
-            <a:ext cx="9669224" cy="5782482"/>
-          </a:xfrm>
-          <a:prstGeom prst="rect">
-            <a:avLst/>
-          </a:prstGeom>
-        </p:spPr>
-      </p:pic>
     </p:spTree>
     <p:extLst>
       <p:ext uri="{BB962C8B-B14F-4D97-AF65-F5344CB8AC3E}">
@@ -3594,69 +7164,167 @@
           <a:chExt cx="0" cy="0"/>
         </a:xfrm>
       </p:grpSpPr>
+      <p:pic>
+        <p:nvPicPr>
+          <p:cNvPr id="5" name="그림 4"/>
+          <p:cNvPicPr>
+            <a:picLocks noChangeAspect="1"/>
+          </p:cNvPicPr>
+          <p:nvPr/>
+        </p:nvPicPr>
+        <p:blipFill>
+          <a:blip r:embed="rId2">
+            <a:extLst>
+              <a:ext uri="{28A0092B-C50C-407E-A947-70E740481C1C}">
+                <a14:useLocalDpi xmlns:a14="http://schemas.microsoft.com/office/drawing/2010/main" val="0"/>
+              </a:ext>
+            </a:extLst>
+          </a:blip>
+          <a:stretch>
+            <a:fillRect/>
+          </a:stretch>
+        </p:blipFill>
+        <p:spPr>
+          <a:xfrm>
+            <a:off x="2394331" y="1073927"/>
+            <a:ext cx="7403335" cy="4244579"/>
+          </a:xfrm>
+          <a:prstGeom prst="rect">
+            <a:avLst/>
+          </a:prstGeom>
+          <a:ln w="19050">
+            <a:solidFill>
+              <a:schemeClr val="bg1">
+                <a:lumMod val="75000"/>
+              </a:schemeClr>
+            </a:solidFill>
+          </a:ln>
+        </p:spPr>
+      </p:pic>
       <p:grpSp>
         <p:nvGrpSpPr>
-          <p:cNvPr id="2" name="그룹 1"/>
+          <p:cNvPr id="7" name="그룹 6"/>
           <p:cNvGrpSpPr/>
           <p:nvPr/>
         </p:nvGrpSpPr>
         <p:grpSpPr>
           <a:xfrm>
-            <a:off x="0" y="173379"/>
-            <a:ext cx="12192000" cy="461665"/>
+            <a:off x="0" y="151346"/>
+            <a:ext cx="12192000" cy="597802"/>
             <a:chOff x="0" y="173379"/>
-            <a:chExt cx="12192000" cy="461665"/>
+            <a:chExt cx="12192000" cy="597802"/>
           </a:xfrm>
         </p:grpSpPr>
+        <p:grpSp>
+          <p:nvGrpSpPr>
+            <p:cNvPr id="8" name="그룹 7"/>
+            <p:cNvGrpSpPr/>
+            <p:nvPr/>
+          </p:nvGrpSpPr>
+          <p:grpSpPr>
+            <a:xfrm>
+              <a:off x="0" y="173379"/>
+              <a:ext cx="12192000" cy="597802"/>
+              <a:chOff x="0" y="1847944"/>
+              <a:chExt cx="12192000" cy="597802"/>
+            </a:xfrm>
+          </p:grpSpPr>
+          <p:sp>
+            <p:nvSpPr>
+              <p:cNvPr id="10" name="직사각형 9"/>
+              <p:cNvSpPr/>
+              <p:nvPr/>
+            </p:nvSpPr>
+            <p:spPr>
+              <a:xfrm>
+                <a:off x="0" y="1847944"/>
+                <a:ext cx="12192000" cy="597802"/>
+              </a:xfrm>
+              <a:prstGeom prst="rect">
+                <a:avLst/>
+              </a:prstGeom>
+              <a:solidFill>
+                <a:srgbClr val="D3E9E4"/>
+              </a:solidFill>
+              <a:ln>
+                <a:noFill/>
+              </a:ln>
+            </p:spPr>
+            <p:style>
+              <a:lnRef idx="2">
+                <a:schemeClr val="accent1">
+                  <a:shade val="50000"/>
+                </a:schemeClr>
+              </a:lnRef>
+              <a:fillRef idx="1">
+                <a:schemeClr val="accent1"/>
+              </a:fillRef>
+              <a:effectRef idx="0">
+                <a:schemeClr val="accent1"/>
+              </a:effectRef>
+              <a:fontRef idx="minor">
+                <a:schemeClr val="lt1"/>
+              </a:fontRef>
+            </p:style>
+            <p:txBody>
+              <a:bodyPr rtlCol="0" anchor="ctr"/>
+              <a:lstStyle/>
+              <a:p>
+                <a:pPr algn="ctr"/>
+                <a:endParaRPr lang="ko-KR" altLang="en-US"/>
+              </a:p>
+            </p:txBody>
+          </p:sp>
+          <p:sp>
+            <p:nvSpPr>
+              <p:cNvPr id="11" name="직사각형 10"/>
+              <p:cNvSpPr/>
+              <p:nvPr/>
+            </p:nvSpPr>
+            <p:spPr>
+              <a:xfrm>
+                <a:off x="0" y="2308860"/>
+                <a:ext cx="12192000" cy="65786"/>
+              </a:xfrm>
+              <a:prstGeom prst="rect">
+                <a:avLst/>
+              </a:prstGeom>
+              <a:solidFill>
+                <a:schemeClr val="bg1"/>
+              </a:solidFill>
+              <a:ln>
+                <a:noFill/>
+              </a:ln>
+            </p:spPr>
+            <p:style>
+              <a:lnRef idx="2">
+                <a:schemeClr val="accent1">
+                  <a:shade val="50000"/>
+                </a:schemeClr>
+              </a:lnRef>
+              <a:fillRef idx="1">
+                <a:schemeClr val="accent1"/>
+              </a:fillRef>
+              <a:effectRef idx="0">
+                <a:schemeClr val="accent1"/>
+              </a:effectRef>
+              <a:fontRef idx="minor">
+                <a:schemeClr val="lt1"/>
+              </a:fontRef>
+            </p:style>
+            <p:txBody>
+              <a:bodyPr rtlCol="0" anchor="ctr"/>
+              <a:lstStyle/>
+              <a:p>
+                <a:pPr algn="ctr"/>
+                <a:endParaRPr lang="ko-KR" altLang="en-US"/>
+              </a:p>
+            </p:txBody>
+          </p:sp>
+        </p:grpSp>
         <p:sp>
           <p:nvSpPr>
-            <p:cNvPr id="3" name="직사각형 2"/>
-            <p:cNvSpPr/>
-            <p:nvPr/>
-          </p:nvSpPr>
-          <p:spPr>
-            <a:xfrm>
-              <a:off x="0" y="173379"/>
-              <a:ext cx="12192000" cy="461665"/>
-            </a:xfrm>
-            <a:prstGeom prst="rect">
-              <a:avLst/>
-            </a:prstGeom>
-            <a:solidFill>
-              <a:srgbClr val="D3E9E4"/>
-            </a:solidFill>
-            <a:ln>
-              <a:noFill/>
-            </a:ln>
-          </p:spPr>
-          <p:style>
-            <a:lnRef idx="2">
-              <a:schemeClr val="accent1">
-                <a:shade val="50000"/>
-              </a:schemeClr>
-            </a:lnRef>
-            <a:fillRef idx="1">
-              <a:schemeClr val="accent1"/>
-            </a:fillRef>
-            <a:effectRef idx="0">
-              <a:schemeClr val="accent1"/>
-            </a:effectRef>
-            <a:fontRef idx="minor">
-              <a:schemeClr val="lt1"/>
-            </a:fontRef>
-          </p:style>
-          <p:txBody>
-            <a:bodyPr rtlCol="0" anchor="ctr"/>
-            <a:lstStyle/>
-            <a:p>
-              <a:pPr algn="ctr"/>
-              <a:endParaRPr lang="ko-KR" altLang="en-US"/>
-            </a:p>
-          </p:txBody>
-        </p:sp>
-        <p:sp>
-          <p:nvSpPr>
-            <p:cNvPr id="4" name="TextBox 3"/>
+            <p:cNvPr id="9" name="TextBox 8"/>
             <p:cNvSpPr txBox="1"/>
             <p:nvPr/>
           </p:nvSpPr>
@@ -3742,6 +7410,119 @@
           </p:txBody>
         </p:sp>
       </p:grpSp>
+      <p:sp>
+        <p:nvSpPr>
+          <p:cNvPr id="13" name="TextBox 12"/>
+          <p:cNvSpPr txBox="1"/>
+          <p:nvPr/>
+        </p:nvSpPr>
+        <p:spPr>
+          <a:xfrm>
+            <a:off x="2496236" y="5643285"/>
+            <a:ext cx="7199523" cy="369332"/>
+          </a:xfrm>
+          <a:prstGeom prst="rect">
+            <a:avLst/>
+          </a:prstGeom>
+          <a:noFill/>
+        </p:spPr>
+        <p:txBody>
+          <a:bodyPr wrap="square" rtlCol="0">
+            <a:spAutoFit/>
+          </a:bodyPr>
+          <a:lstStyle/>
+          <a:p>
+            <a:r>
+              <a:rPr lang="en-US" altLang="ko-KR" b="1" smtClean="0">
+                <a:solidFill>
+                  <a:schemeClr val="tx1">
+                    <a:lumMod val="75000"/>
+                    <a:lumOff val="25000"/>
+                  </a:schemeClr>
+                </a:solidFill>
+                <a:latin typeface="나눔고딕" panose="020D0604000000000000" pitchFamily="50" charset="-127"/>
+                <a:ea typeface="나눔고딕" panose="020D0604000000000000" pitchFamily="50" charset="-127"/>
+              </a:rPr>
+              <a:t>- </a:t>
+            </a:r>
+            <a:r>
+              <a:rPr lang="ko-KR" altLang="en-US" b="1" smtClean="0">
+                <a:solidFill>
+                  <a:schemeClr val="tx1">
+                    <a:lumMod val="75000"/>
+                    <a:lumOff val="25000"/>
+                  </a:schemeClr>
+                </a:solidFill>
+                <a:latin typeface="나눔고딕" panose="020D0604000000000000" pitchFamily="50" charset="-127"/>
+                <a:ea typeface="나눔고딕" panose="020D0604000000000000" pitchFamily="50" charset="-127"/>
+              </a:rPr>
+              <a:t>대여 횟수가 가장 많은 </a:t>
+            </a:r>
+            <a:r>
+              <a:rPr lang="en-US" altLang="ko-KR" b="1" smtClean="0">
+                <a:solidFill>
+                  <a:schemeClr val="tx1">
+                    <a:lumMod val="75000"/>
+                    <a:lumOff val="25000"/>
+                  </a:schemeClr>
+                </a:solidFill>
+                <a:latin typeface="나눔고딕" panose="020D0604000000000000" pitchFamily="50" charset="-127"/>
+                <a:ea typeface="나눔고딕" panose="020D0604000000000000" pitchFamily="50" charset="-127"/>
+              </a:rPr>
+              <a:t>15</a:t>
+            </a:r>
+            <a:r>
+              <a:rPr lang="ko-KR" altLang="en-US" b="1" smtClean="0">
+                <a:solidFill>
+                  <a:schemeClr val="tx1">
+                    <a:lumMod val="75000"/>
+                    <a:lumOff val="25000"/>
+                  </a:schemeClr>
+                </a:solidFill>
+                <a:latin typeface="나눔고딕" panose="020D0604000000000000" pitchFamily="50" charset="-127"/>
+                <a:ea typeface="나눔고딕" panose="020D0604000000000000" pitchFamily="50" charset="-127"/>
+              </a:rPr>
+              <a:t>개의 도서 중 </a:t>
+            </a:r>
+            <a:r>
+              <a:rPr lang="en-US" altLang="ko-KR" b="1" smtClean="0">
+                <a:solidFill>
+                  <a:schemeClr val="tx1">
+                    <a:lumMod val="75000"/>
+                    <a:lumOff val="25000"/>
+                  </a:schemeClr>
+                </a:solidFill>
+                <a:latin typeface="나눔고딕" panose="020D0604000000000000" pitchFamily="50" charset="-127"/>
+                <a:ea typeface="나눔고딕" panose="020D0604000000000000" pitchFamily="50" charset="-127"/>
+              </a:rPr>
+              <a:t>4</a:t>
+            </a:r>
+            <a:r>
+              <a:rPr lang="ko-KR" altLang="en-US" b="1" smtClean="0">
+                <a:solidFill>
+                  <a:schemeClr val="tx1">
+                    <a:lumMod val="75000"/>
+                    <a:lumOff val="25000"/>
+                  </a:schemeClr>
+                </a:solidFill>
+                <a:latin typeface="나눔고딕" panose="020D0604000000000000" pitchFamily="50" charset="-127"/>
+                <a:ea typeface="나눔고딕" panose="020D0604000000000000" pitchFamily="50" charset="-127"/>
+              </a:rPr>
+              <a:t>개가 랜덤으로 출력되도록 함</a:t>
+            </a:r>
+            <a:endParaRPr lang="en-US" altLang="ko-KR" b="1" smtClean="0">
+              <a:solidFill>
+                <a:schemeClr val="tx1">
+                  <a:lumMod val="75000"/>
+                  <a:lumOff val="25000"/>
+                </a:schemeClr>
+              </a:solidFill>
+              <a:latin typeface="나눔고딕" panose="020D0604000000000000" pitchFamily="50" charset="-127"/>
+              <a:ea typeface="나눔고딕" panose="020D0604000000000000" pitchFamily="50" charset="-127"/>
+            </a:endParaRPr>
+          </a:p>
+        </p:txBody>
+      </p:sp>
     </p:spTree>
     <p:extLst>
       <p:ext uri="{BB962C8B-B14F-4D97-AF65-F5344CB8AC3E}">
@@ -3781,67 +7562,128 @@
       </p:grpSpPr>
       <p:grpSp>
         <p:nvGrpSpPr>
-          <p:cNvPr id="2" name="그룹 1"/>
+          <p:cNvPr id="12" name="그룹 11"/>
           <p:cNvGrpSpPr/>
           <p:nvPr/>
         </p:nvGrpSpPr>
         <p:grpSpPr>
           <a:xfrm>
-            <a:off x="0" y="173379"/>
-            <a:ext cx="12192000" cy="461665"/>
+            <a:off x="0" y="151346"/>
+            <a:ext cx="12192000" cy="597802"/>
             <a:chOff x="0" y="173379"/>
-            <a:chExt cx="12192000" cy="461665"/>
+            <a:chExt cx="12192000" cy="597802"/>
           </a:xfrm>
         </p:grpSpPr>
+        <p:grpSp>
+          <p:nvGrpSpPr>
+            <p:cNvPr id="13" name="그룹 12"/>
+            <p:cNvGrpSpPr/>
+            <p:nvPr/>
+          </p:nvGrpSpPr>
+          <p:grpSpPr>
+            <a:xfrm>
+              <a:off x="0" y="173379"/>
+              <a:ext cx="12192000" cy="597802"/>
+              <a:chOff x="0" y="1847944"/>
+              <a:chExt cx="12192000" cy="597802"/>
+            </a:xfrm>
+          </p:grpSpPr>
+          <p:sp>
+            <p:nvSpPr>
+              <p:cNvPr id="15" name="직사각형 14"/>
+              <p:cNvSpPr/>
+              <p:nvPr/>
+            </p:nvSpPr>
+            <p:spPr>
+              <a:xfrm>
+                <a:off x="0" y="1847944"/>
+                <a:ext cx="12192000" cy="597802"/>
+              </a:xfrm>
+              <a:prstGeom prst="rect">
+                <a:avLst/>
+              </a:prstGeom>
+              <a:solidFill>
+                <a:srgbClr val="D3E9E4"/>
+              </a:solidFill>
+              <a:ln>
+                <a:noFill/>
+              </a:ln>
+            </p:spPr>
+            <p:style>
+              <a:lnRef idx="2">
+                <a:schemeClr val="accent1">
+                  <a:shade val="50000"/>
+                </a:schemeClr>
+              </a:lnRef>
+              <a:fillRef idx="1">
+                <a:schemeClr val="accent1"/>
+              </a:fillRef>
+              <a:effectRef idx="0">
+                <a:schemeClr val="accent1"/>
+              </a:effectRef>
+              <a:fontRef idx="minor">
+                <a:schemeClr val="lt1"/>
+              </a:fontRef>
+            </p:style>
+            <p:txBody>
+              <a:bodyPr rtlCol="0" anchor="ctr"/>
+              <a:lstStyle/>
+              <a:p>
+                <a:pPr algn="ctr"/>
+                <a:endParaRPr lang="ko-KR" altLang="en-US"/>
+              </a:p>
+            </p:txBody>
+          </p:sp>
+          <p:sp>
+            <p:nvSpPr>
+              <p:cNvPr id="16" name="직사각형 15"/>
+              <p:cNvSpPr/>
+              <p:nvPr/>
+            </p:nvSpPr>
+            <p:spPr>
+              <a:xfrm>
+                <a:off x="0" y="2308860"/>
+                <a:ext cx="12192000" cy="65786"/>
+              </a:xfrm>
+              <a:prstGeom prst="rect">
+                <a:avLst/>
+              </a:prstGeom>
+              <a:solidFill>
+                <a:schemeClr val="bg1"/>
+              </a:solidFill>
+              <a:ln>
+                <a:noFill/>
+              </a:ln>
+            </p:spPr>
+            <p:style>
+              <a:lnRef idx="2">
+                <a:schemeClr val="accent1">
+                  <a:shade val="50000"/>
+                </a:schemeClr>
+              </a:lnRef>
+              <a:fillRef idx="1">
+                <a:schemeClr val="accent1"/>
+              </a:fillRef>
+              <a:effectRef idx="0">
+                <a:schemeClr val="accent1"/>
+              </a:effectRef>
+              <a:fontRef idx="minor">
+                <a:schemeClr val="lt1"/>
+              </a:fontRef>
+            </p:style>
+            <p:txBody>
+              <a:bodyPr rtlCol="0" anchor="ctr"/>
+              <a:lstStyle/>
+              <a:p>
+                <a:pPr algn="ctr"/>
+                <a:endParaRPr lang="ko-KR" altLang="en-US"/>
+              </a:p>
+            </p:txBody>
+          </p:sp>
+        </p:grpSp>
         <p:sp>
           <p:nvSpPr>
-            <p:cNvPr id="3" name="직사각형 2"/>
-            <p:cNvSpPr/>
-            <p:nvPr/>
-          </p:nvSpPr>
-          <p:spPr>
-            <a:xfrm>
-              <a:off x="0" y="173379"/>
-              <a:ext cx="12192000" cy="461665"/>
-            </a:xfrm>
-            <a:prstGeom prst="rect">
-              <a:avLst/>
-            </a:prstGeom>
-            <a:solidFill>
-              <a:srgbClr val="D3E9E4"/>
-            </a:solidFill>
-            <a:ln>
-              <a:noFill/>
-            </a:ln>
-          </p:spPr>
-          <p:style>
-            <a:lnRef idx="2">
-              <a:schemeClr val="accent1">
-                <a:shade val="50000"/>
-              </a:schemeClr>
-            </a:lnRef>
-            <a:fillRef idx="1">
-              <a:schemeClr val="accent1"/>
-            </a:fillRef>
-            <a:effectRef idx="0">
-              <a:schemeClr val="accent1"/>
-            </a:effectRef>
-            <a:fontRef idx="minor">
-              <a:schemeClr val="lt1"/>
-            </a:fontRef>
-          </p:style>
-          <p:txBody>
-            <a:bodyPr rtlCol="0" anchor="ctr"/>
-            <a:lstStyle/>
-            <a:p>
-              <a:pPr algn="ctr"/>
-              <a:endParaRPr lang="ko-KR" altLang="en-US"/>
-            </a:p>
-          </p:txBody>
-        </p:sp>
-        <p:sp>
-          <p:nvSpPr>
-            <p:cNvPr id="4" name="TextBox 3"/>
+            <p:cNvPr id="14" name="TextBox 13"/>
             <p:cNvSpPr txBox="1"/>
             <p:nvPr/>
           </p:nvSpPr>
@@ -3862,7 +7704,7 @@
             <a:lstStyle/>
             <a:p>
               <a:r>
-                <a:rPr lang="ko-KR" altLang="en-US" sz="2400" smtClean="0">
+                <a:rPr lang="ko-KR" altLang="en-US" sz="2400">
                   <a:solidFill>
                     <a:schemeClr val="tx1">
                       <a:lumMod val="75000"/>
@@ -3874,7 +7716,7 @@
                 </a:rPr>
                 <a:t>회원 가입과 로그인</a:t>
               </a:r>
-              <a:endParaRPr lang="en-US" altLang="ko-KR" sz="2400" smtClean="0">
+              <a:endParaRPr lang="en-US" altLang="ko-KR" sz="2400">
                 <a:solidFill>
                   <a:schemeClr val="tx1">
                     <a:lumMod val="75000"/>
@@ -3887,6 +7729,93 @@
             </a:p>
           </p:txBody>
         </p:sp>
+      </p:grpSp>
+      <p:grpSp>
+        <p:nvGrpSpPr>
+          <p:cNvPr id="19" name="그룹 18"/>
+          <p:cNvGrpSpPr/>
+          <p:nvPr/>
+        </p:nvGrpSpPr>
+        <p:grpSpPr>
+          <a:xfrm>
+            <a:off x="1861851" y="1856124"/>
+            <a:ext cx="8391181" cy="3349128"/>
+            <a:chOff x="1861851" y="1073927"/>
+            <a:chExt cx="8391181" cy="3349128"/>
+          </a:xfrm>
+        </p:grpSpPr>
+        <p:pic>
+          <p:nvPicPr>
+            <p:cNvPr id="8" name="그림 7"/>
+            <p:cNvPicPr>
+              <a:picLocks noChangeAspect="1"/>
+            </p:cNvPicPr>
+            <p:nvPr/>
+          </p:nvPicPr>
+          <p:blipFill rotWithShape="1">
+            <a:blip r:embed="rId2">
+              <a:extLst>
+                <a:ext uri="{28A0092B-C50C-407E-A947-70E740481C1C}">
+                  <a14:useLocalDpi xmlns:a14="http://schemas.microsoft.com/office/drawing/2010/main" val="0"/>
+                </a:ext>
+              </a:extLst>
+            </a:blip>
+            <a:srcRect l="34625" t="27151" r="34257" b="24014"/>
+            <a:stretch/>
+          </p:blipFill>
+          <p:spPr>
+            <a:xfrm>
+              <a:off x="1861851" y="1073927"/>
+              <a:ext cx="3723701" cy="3349128"/>
+            </a:xfrm>
+            <a:prstGeom prst="rect">
+              <a:avLst/>
+            </a:prstGeom>
+            <a:ln w="19050">
+              <a:solidFill>
+                <a:schemeClr val="bg1">
+                  <a:lumMod val="75000"/>
+                </a:schemeClr>
+              </a:solidFill>
+            </a:ln>
+          </p:spPr>
+        </p:pic>
+        <p:pic>
+          <p:nvPicPr>
+            <p:cNvPr id="6" name="그림 5"/>
+            <p:cNvPicPr>
+              <a:picLocks noChangeAspect="1"/>
+            </p:cNvPicPr>
+            <p:nvPr/>
+          </p:nvPicPr>
+          <p:blipFill rotWithShape="1">
+            <a:blip r:embed="rId3">
+              <a:extLst>
+                <a:ext uri="{28A0092B-C50C-407E-A947-70E740481C1C}">
+                  <a14:useLocalDpi xmlns:a14="http://schemas.microsoft.com/office/drawing/2010/main" val="0"/>
+                </a:ext>
+              </a:extLst>
+            </a:blip>
+            <a:srcRect l="35053" t="26867" r="34471" b="42771"/>
+            <a:stretch/>
+          </p:blipFill>
+          <p:spPr>
+            <a:xfrm>
+              <a:off x="6606449" y="1707397"/>
+              <a:ext cx="3646583" cy="2082188"/>
+            </a:xfrm>
+            <a:prstGeom prst="rect">
+              <a:avLst/>
+            </a:prstGeom>
+            <a:ln w="19050">
+              <a:solidFill>
+                <a:schemeClr val="bg1">
+                  <a:lumMod val="75000"/>
+                </a:schemeClr>
+              </a:solidFill>
+            </a:ln>
+          </p:spPr>
+        </p:pic>
       </p:grpSp>
     </p:spTree>
     <p:extLst>
@@ -3925,69 +7854,167 @@
           <a:chExt cx="0" cy="0"/>
         </a:xfrm>
       </p:grpSpPr>
+      <p:pic>
+        <p:nvPicPr>
+          <p:cNvPr id="9" name="그림 8"/>
+          <p:cNvPicPr>
+            <a:picLocks noChangeAspect="1"/>
+          </p:cNvPicPr>
+          <p:nvPr/>
+        </p:nvPicPr>
+        <p:blipFill>
+          <a:blip r:embed="rId2">
+            <a:extLst>
+              <a:ext uri="{28A0092B-C50C-407E-A947-70E740481C1C}">
+                <a14:useLocalDpi xmlns:a14="http://schemas.microsoft.com/office/drawing/2010/main" val="0"/>
+              </a:ext>
+            </a:extLst>
+          </a:blip>
+          <a:stretch>
+            <a:fillRect/>
+          </a:stretch>
+        </p:blipFill>
+        <p:spPr>
+          <a:xfrm>
+            <a:off x="2394332" y="1073927"/>
+            <a:ext cx="7403335" cy="4256917"/>
+          </a:xfrm>
+          <a:prstGeom prst="rect">
+            <a:avLst/>
+          </a:prstGeom>
+          <a:ln w="19050">
+            <a:solidFill>
+              <a:schemeClr val="bg1">
+                <a:lumMod val="75000"/>
+              </a:schemeClr>
+            </a:solidFill>
+          </a:ln>
+        </p:spPr>
+      </p:pic>
       <p:grpSp>
         <p:nvGrpSpPr>
-          <p:cNvPr id="2" name="그룹 1"/>
+          <p:cNvPr id="11" name="그룹 10"/>
           <p:cNvGrpSpPr/>
           <p:nvPr/>
         </p:nvGrpSpPr>
         <p:grpSpPr>
           <a:xfrm>
-            <a:off x="0" y="173379"/>
-            <a:ext cx="12192000" cy="461665"/>
+            <a:off x="0" y="151346"/>
+            <a:ext cx="12192000" cy="597802"/>
             <a:chOff x="0" y="173379"/>
-            <a:chExt cx="12192000" cy="461665"/>
+            <a:chExt cx="12192000" cy="597802"/>
           </a:xfrm>
         </p:grpSpPr>
+        <p:grpSp>
+          <p:nvGrpSpPr>
+            <p:cNvPr id="12" name="그룹 11"/>
+            <p:cNvGrpSpPr/>
+            <p:nvPr/>
+          </p:nvGrpSpPr>
+          <p:grpSpPr>
+            <a:xfrm>
+              <a:off x="0" y="173379"/>
+              <a:ext cx="12192000" cy="597802"/>
+              <a:chOff x="0" y="1847944"/>
+              <a:chExt cx="12192000" cy="597802"/>
+            </a:xfrm>
+          </p:grpSpPr>
+          <p:sp>
+            <p:nvSpPr>
+              <p:cNvPr id="14" name="직사각형 13"/>
+              <p:cNvSpPr/>
+              <p:nvPr/>
+            </p:nvSpPr>
+            <p:spPr>
+              <a:xfrm>
+                <a:off x="0" y="1847944"/>
+                <a:ext cx="12192000" cy="597802"/>
+              </a:xfrm>
+              <a:prstGeom prst="rect">
+                <a:avLst/>
+              </a:prstGeom>
+              <a:solidFill>
+                <a:srgbClr val="D3E9E4"/>
+              </a:solidFill>
+              <a:ln>
+                <a:noFill/>
+              </a:ln>
+            </p:spPr>
+            <p:style>
+              <a:lnRef idx="2">
+                <a:schemeClr val="accent1">
+                  <a:shade val="50000"/>
+                </a:schemeClr>
+              </a:lnRef>
+              <a:fillRef idx="1">
+                <a:schemeClr val="accent1"/>
+              </a:fillRef>
+              <a:effectRef idx="0">
+                <a:schemeClr val="accent1"/>
+              </a:effectRef>
+              <a:fontRef idx="minor">
+                <a:schemeClr val="lt1"/>
+              </a:fontRef>
+            </p:style>
+            <p:txBody>
+              <a:bodyPr rtlCol="0" anchor="ctr"/>
+              <a:lstStyle/>
+              <a:p>
+                <a:pPr algn="ctr"/>
+                <a:endParaRPr lang="ko-KR" altLang="en-US"/>
+              </a:p>
+            </p:txBody>
+          </p:sp>
+          <p:sp>
+            <p:nvSpPr>
+              <p:cNvPr id="15" name="직사각형 14"/>
+              <p:cNvSpPr/>
+              <p:nvPr/>
+            </p:nvSpPr>
+            <p:spPr>
+              <a:xfrm>
+                <a:off x="0" y="2308860"/>
+                <a:ext cx="12192000" cy="65786"/>
+              </a:xfrm>
+              <a:prstGeom prst="rect">
+                <a:avLst/>
+              </a:prstGeom>
+              <a:solidFill>
+                <a:schemeClr val="bg1"/>
+              </a:solidFill>
+              <a:ln>
+                <a:noFill/>
+              </a:ln>
+            </p:spPr>
+            <p:style>
+              <a:lnRef idx="2">
+                <a:schemeClr val="accent1">
+                  <a:shade val="50000"/>
+                </a:schemeClr>
+              </a:lnRef>
+              <a:fillRef idx="1">
+                <a:schemeClr val="accent1"/>
+              </a:fillRef>
+              <a:effectRef idx="0">
+                <a:schemeClr val="accent1"/>
+              </a:effectRef>
+              <a:fontRef idx="minor">
+                <a:schemeClr val="lt1"/>
+              </a:fontRef>
+            </p:style>
+            <p:txBody>
+              <a:bodyPr rtlCol="0" anchor="ctr"/>
+              <a:lstStyle/>
+              <a:p>
+                <a:pPr algn="ctr"/>
+                <a:endParaRPr lang="ko-KR" altLang="en-US"/>
+              </a:p>
+            </p:txBody>
+          </p:sp>
+        </p:grpSp>
         <p:sp>
           <p:nvSpPr>
-            <p:cNvPr id="3" name="직사각형 2"/>
-            <p:cNvSpPr/>
-            <p:nvPr/>
-          </p:nvSpPr>
-          <p:spPr>
-            <a:xfrm>
-              <a:off x="0" y="173379"/>
-              <a:ext cx="12192000" cy="461665"/>
-            </a:xfrm>
-            <a:prstGeom prst="rect">
-              <a:avLst/>
-            </a:prstGeom>
-            <a:solidFill>
-              <a:srgbClr val="D3E9E4"/>
-            </a:solidFill>
-            <a:ln>
-              <a:noFill/>
-            </a:ln>
-          </p:spPr>
-          <p:style>
-            <a:lnRef idx="2">
-              <a:schemeClr val="accent1">
-                <a:shade val="50000"/>
-              </a:schemeClr>
-            </a:lnRef>
-            <a:fillRef idx="1">
-              <a:schemeClr val="accent1"/>
-            </a:fillRef>
-            <a:effectRef idx="0">
-              <a:schemeClr val="accent1"/>
-            </a:effectRef>
-            <a:fontRef idx="minor">
-              <a:schemeClr val="lt1"/>
-            </a:fontRef>
-          </p:style>
-          <p:txBody>
-            <a:bodyPr rtlCol="0" anchor="ctr"/>
-            <a:lstStyle/>
-            <a:p>
-              <a:pPr algn="ctr"/>
-              <a:endParaRPr lang="ko-KR" altLang="en-US"/>
-            </a:p>
-          </p:txBody>
-        </p:sp>
-        <p:sp>
-          <p:nvSpPr>
-            <p:cNvPr id="4" name="TextBox 3"/>
+            <p:cNvPr id="13" name="TextBox 12"/>
             <p:cNvSpPr txBox="1"/>
             <p:nvPr/>
           </p:nvSpPr>
@@ -4008,7 +8035,7 @@
             <a:lstStyle/>
             <a:p>
               <a:r>
-                <a:rPr lang="ko-KR" altLang="en-US" sz="2400" smtClean="0">
+                <a:rPr lang="ko-KR" altLang="en-US" sz="2400">
                   <a:solidFill>
                     <a:schemeClr val="tx1">
                       <a:lumMod val="75000"/>
@@ -4034,6 +8061,68 @@
           </p:txBody>
         </p:sp>
       </p:grpSp>
+      <p:sp>
+        <p:nvSpPr>
+          <p:cNvPr id="18" name="TextBox 17"/>
+          <p:cNvSpPr txBox="1"/>
+          <p:nvPr/>
+        </p:nvSpPr>
+        <p:spPr>
+          <a:xfrm>
+            <a:off x="2598144" y="5641036"/>
+            <a:ext cx="6995710" cy="369332"/>
+          </a:xfrm>
+          <a:prstGeom prst="rect">
+            <a:avLst/>
+          </a:prstGeom>
+          <a:noFill/>
+        </p:spPr>
+        <p:txBody>
+          <a:bodyPr wrap="square" rtlCol="0">
+            <a:spAutoFit/>
+          </a:bodyPr>
+          <a:lstStyle/>
+          <a:p>
+            <a:pPr algn="ctr"/>
+            <a:r>
+              <a:rPr lang="en-US" altLang="ko-KR" b="1" smtClean="0">
+                <a:solidFill>
+                  <a:schemeClr val="tx1">
+                    <a:lumMod val="75000"/>
+                    <a:lumOff val="25000"/>
+                  </a:schemeClr>
+                </a:solidFill>
+                <a:latin typeface="나눔고딕" panose="020D0604000000000000" pitchFamily="50" charset="-127"/>
+                <a:ea typeface="나눔고딕" panose="020D0604000000000000" pitchFamily="50" charset="-127"/>
+              </a:rPr>
+              <a:t>- </a:t>
+            </a:r>
+            <a:r>
+              <a:rPr lang="ko-KR" altLang="en-US" b="1" smtClean="0">
+                <a:solidFill>
+                  <a:schemeClr val="tx1">
+                    <a:lumMod val="75000"/>
+                    <a:lumOff val="25000"/>
+                  </a:schemeClr>
+                </a:solidFill>
+                <a:latin typeface="나눔고딕" panose="020D0604000000000000" pitchFamily="50" charset="-127"/>
+                <a:ea typeface="나눔고딕" panose="020D0604000000000000" pitchFamily="50" charset="-127"/>
+              </a:rPr>
+              <a:t>카테고리별 조회 및 정렬 기능</a:t>
+            </a:r>
+            <a:endParaRPr lang="en-US" altLang="ko-KR" b="1" smtClean="0">
+              <a:solidFill>
+                <a:schemeClr val="tx1">
+                  <a:lumMod val="75000"/>
+                  <a:lumOff val="25000"/>
+                </a:schemeClr>
+              </a:solidFill>
+              <a:latin typeface="나눔고딕" panose="020D0604000000000000" pitchFamily="50" charset="-127"/>
+              <a:ea typeface="나눔고딕" panose="020D0604000000000000" pitchFamily="50" charset="-127"/>
+            </a:endParaRPr>
+          </a:p>
+        </p:txBody>
+      </p:sp>
     </p:spTree>
     <p:extLst>
       <p:ext uri="{BB962C8B-B14F-4D97-AF65-F5344CB8AC3E}">
@@ -4071,69 +8160,167 @@
           <a:chExt cx="0" cy="0"/>
         </a:xfrm>
       </p:grpSpPr>
+      <p:pic>
+        <p:nvPicPr>
+          <p:cNvPr id="5" name="그림 4"/>
+          <p:cNvPicPr>
+            <a:picLocks noChangeAspect="1"/>
+          </p:cNvPicPr>
+          <p:nvPr/>
+        </p:nvPicPr>
+        <p:blipFill>
+          <a:blip r:embed="rId2">
+            <a:extLst>
+              <a:ext uri="{28A0092B-C50C-407E-A947-70E740481C1C}">
+                <a14:useLocalDpi xmlns:a14="http://schemas.microsoft.com/office/drawing/2010/main" val="0"/>
+              </a:ext>
+            </a:extLst>
+          </a:blip>
+          <a:stretch>
+            <a:fillRect/>
+          </a:stretch>
+        </p:blipFill>
+        <p:spPr>
+          <a:xfrm>
+            <a:off x="2394332" y="1073927"/>
+            <a:ext cx="7403335" cy="4244579"/>
+          </a:xfrm>
+          <a:prstGeom prst="rect">
+            <a:avLst/>
+          </a:prstGeom>
+          <a:ln w="19050">
+            <a:solidFill>
+              <a:schemeClr val="bg1">
+                <a:lumMod val="75000"/>
+              </a:schemeClr>
+            </a:solidFill>
+          </a:ln>
+        </p:spPr>
+      </p:pic>
       <p:grpSp>
         <p:nvGrpSpPr>
-          <p:cNvPr id="2" name="그룹 1"/>
+          <p:cNvPr id="7" name="그룹 6"/>
           <p:cNvGrpSpPr/>
           <p:nvPr/>
         </p:nvGrpSpPr>
         <p:grpSpPr>
           <a:xfrm>
-            <a:off x="0" y="173379"/>
-            <a:ext cx="12192000" cy="461665"/>
+            <a:off x="0" y="151346"/>
+            <a:ext cx="12192000" cy="597802"/>
             <a:chOff x="0" y="173379"/>
-            <a:chExt cx="12192000" cy="461665"/>
+            <a:chExt cx="12192000" cy="597802"/>
           </a:xfrm>
         </p:grpSpPr>
+        <p:grpSp>
+          <p:nvGrpSpPr>
+            <p:cNvPr id="8" name="그룹 7"/>
+            <p:cNvGrpSpPr/>
+            <p:nvPr/>
+          </p:nvGrpSpPr>
+          <p:grpSpPr>
+            <a:xfrm>
+              <a:off x="0" y="173379"/>
+              <a:ext cx="12192000" cy="597802"/>
+              <a:chOff x="0" y="1847944"/>
+              <a:chExt cx="12192000" cy="597802"/>
+            </a:xfrm>
+          </p:grpSpPr>
+          <p:sp>
+            <p:nvSpPr>
+              <p:cNvPr id="11" name="직사각형 10"/>
+              <p:cNvSpPr/>
+              <p:nvPr/>
+            </p:nvSpPr>
+            <p:spPr>
+              <a:xfrm>
+                <a:off x="0" y="1847944"/>
+                <a:ext cx="12192000" cy="597802"/>
+              </a:xfrm>
+              <a:prstGeom prst="rect">
+                <a:avLst/>
+              </a:prstGeom>
+              <a:solidFill>
+                <a:srgbClr val="D3E9E4"/>
+              </a:solidFill>
+              <a:ln>
+                <a:noFill/>
+              </a:ln>
+            </p:spPr>
+            <p:style>
+              <a:lnRef idx="2">
+                <a:schemeClr val="accent1">
+                  <a:shade val="50000"/>
+                </a:schemeClr>
+              </a:lnRef>
+              <a:fillRef idx="1">
+                <a:schemeClr val="accent1"/>
+              </a:fillRef>
+              <a:effectRef idx="0">
+                <a:schemeClr val="accent1"/>
+              </a:effectRef>
+              <a:fontRef idx="minor">
+                <a:schemeClr val="lt1"/>
+              </a:fontRef>
+            </p:style>
+            <p:txBody>
+              <a:bodyPr rtlCol="0" anchor="ctr"/>
+              <a:lstStyle/>
+              <a:p>
+                <a:pPr algn="ctr"/>
+                <a:endParaRPr lang="ko-KR" altLang="en-US"/>
+              </a:p>
+            </p:txBody>
+          </p:sp>
+          <p:sp>
+            <p:nvSpPr>
+              <p:cNvPr id="12" name="직사각형 11"/>
+              <p:cNvSpPr/>
+              <p:nvPr/>
+            </p:nvSpPr>
+            <p:spPr>
+              <a:xfrm>
+                <a:off x="0" y="2308860"/>
+                <a:ext cx="12192000" cy="65786"/>
+              </a:xfrm>
+              <a:prstGeom prst="rect">
+                <a:avLst/>
+              </a:prstGeom>
+              <a:solidFill>
+                <a:schemeClr val="bg1"/>
+              </a:solidFill>
+              <a:ln>
+                <a:noFill/>
+              </a:ln>
+            </p:spPr>
+            <p:style>
+              <a:lnRef idx="2">
+                <a:schemeClr val="accent1">
+                  <a:shade val="50000"/>
+                </a:schemeClr>
+              </a:lnRef>
+              <a:fillRef idx="1">
+                <a:schemeClr val="accent1"/>
+              </a:fillRef>
+              <a:effectRef idx="0">
+                <a:schemeClr val="accent1"/>
+              </a:effectRef>
+              <a:fontRef idx="minor">
+                <a:schemeClr val="lt1"/>
+              </a:fontRef>
+            </p:style>
+            <p:txBody>
+              <a:bodyPr rtlCol="0" anchor="ctr"/>
+              <a:lstStyle/>
+              <a:p>
+                <a:pPr algn="ctr"/>
+                <a:endParaRPr lang="ko-KR" altLang="en-US"/>
+              </a:p>
+            </p:txBody>
+          </p:sp>
+        </p:grpSp>
         <p:sp>
           <p:nvSpPr>
-            <p:cNvPr id="3" name="직사각형 2"/>
-            <p:cNvSpPr/>
-            <p:nvPr/>
-          </p:nvSpPr>
-          <p:spPr>
-            <a:xfrm>
-              <a:off x="0" y="173379"/>
-              <a:ext cx="12192000" cy="461665"/>
-            </a:xfrm>
-            <a:prstGeom prst="rect">
-              <a:avLst/>
-            </a:prstGeom>
-            <a:solidFill>
-              <a:srgbClr val="D3E9E4"/>
-            </a:solidFill>
-            <a:ln>
-              <a:noFill/>
-            </a:ln>
-          </p:spPr>
-          <p:style>
-            <a:lnRef idx="2">
-              <a:schemeClr val="accent1">
-                <a:shade val="50000"/>
-              </a:schemeClr>
-            </a:lnRef>
-            <a:fillRef idx="1">
-              <a:schemeClr val="accent1"/>
-            </a:fillRef>
-            <a:effectRef idx="0">
-              <a:schemeClr val="accent1"/>
-            </a:effectRef>
-            <a:fontRef idx="minor">
-              <a:schemeClr val="lt1"/>
-            </a:fontRef>
-          </p:style>
-          <p:txBody>
-            <a:bodyPr rtlCol="0" anchor="ctr"/>
-            <a:lstStyle/>
-            <a:p>
-              <a:pPr algn="ctr"/>
-              <a:endParaRPr lang="ko-KR" altLang="en-US"/>
-            </a:p>
-          </p:txBody>
-        </p:sp>
-        <p:sp>
-          <p:nvSpPr>
-            <p:cNvPr id="4" name="TextBox 3"/>
+            <p:cNvPr id="10" name="TextBox 9"/>
             <p:cNvSpPr txBox="1"/>
             <p:nvPr/>
           </p:nvSpPr>
@@ -4154,7 +8341,7 @@
             <a:lstStyle/>
             <a:p>
               <a:r>
-                <a:rPr lang="ko-KR" altLang="en-US" sz="2400" smtClean="0">
+                <a:rPr lang="ko-KR" altLang="en-US" sz="2400">
                   <a:solidFill>
                     <a:schemeClr val="tx1">
                       <a:lumMod val="75000"/>
@@ -4164,7 +8351,7 @@
                   <a:latin typeface="나눔고딕 ExtraBold" panose="020D0904000000000000" pitchFamily="50" charset="-127"/>
                   <a:ea typeface="나눔고딕 ExtraBold" panose="020D0904000000000000" pitchFamily="50" charset="-127"/>
                 </a:rPr>
-                <a:t>마이 페이지</a:t>
+                <a:t>도서 조회</a:t>
               </a:r>
               <a:endParaRPr lang="ko-KR" altLang="en-US" sz="2400">
                 <a:solidFill>
@@ -4180,10 +8367,72 @@
           </p:txBody>
         </p:sp>
       </p:grpSp>
+      <p:sp>
+        <p:nvSpPr>
+          <p:cNvPr id="15" name="TextBox 14"/>
+          <p:cNvSpPr txBox="1"/>
+          <p:nvPr/>
+        </p:nvSpPr>
+        <p:spPr>
+          <a:xfrm>
+            <a:off x="2598144" y="5641036"/>
+            <a:ext cx="6995710" cy="369332"/>
+          </a:xfrm>
+          <a:prstGeom prst="rect">
+            <a:avLst/>
+          </a:prstGeom>
+          <a:noFill/>
+        </p:spPr>
+        <p:txBody>
+          <a:bodyPr wrap="square" rtlCol="0">
+            <a:spAutoFit/>
+          </a:bodyPr>
+          <a:lstStyle/>
+          <a:p>
+            <a:pPr algn="ctr"/>
+            <a:r>
+              <a:rPr lang="en-US" altLang="ko-KR" b="1" smtClean="0">
+                <a:solidFill>
+                  <a:schemeClr val="tx1">
+                    <a:lumMod val="75000"/>
+                    <a:lumOff val="25000"/>
+                  </a:schemeClr>
+                </a:solidFill>
+                <a:latin typeface="나눔고딕" panose="020D0604000000000000" pitchFamily="50" charset="-127"/>
+                <a:ea typeface="나눔고딕" panose="020D0604000000000000" pitchFamily="50" charset="-127"/>
+              </a:rPr>
+              <a:t>- </a:t>
+            </a:r>
+            <a:r>
+              <a:rPr lang="ko-KR" altLang="en-US" b="1" smtClean="0">
+                <a:solidFill>
+                  <a:schemeClr val="tx1">
+                    <a:lumMod val="75000"/>
+                    <a:lumOff val="25000"/>
+                  </a:schemeClr>
+                </a:solidFill>
+                <a:latin typeface="나눔고딕" panose="020D0604000000000000" pitchFamily="50" charset="-127"/>
+                <a:ea typeface="나눔고딕" panose="020D0604000000000000" pitchFamily="50" charset="-127"/>
+              </a:rPr>
+              <a:t>검색 조회 기능</a:t>
+            </a:r>
+            <a:endParaRPr lang="en-US" altLang="ko-KR" b="1" smtClean="0">
+              <a:solidFill>
+                <a:schemeClr val="tx1">
+                  <a:lumMod val="75000"/>
+                  <a:lumOff val="25000"/>
+                </a:schemeClr>
+              </a:solidFill>
+              <a:latin typeface="나눔고딕" panose="020D0604000000000000" pitchFamily="50" charset="-127"/>
+              <a:ea typeface="나눔고딕" panose="020D0604000000000000" pitchFamily="50" charset="-127"/>
+            </a:endParaRPr>
+          </a:p>
+        </p:txBody>
+      </p:sp>
     </p:spTree>
     <p:extLst>
       <p:ext uri="{BB962C8B-B14F-4D97-AF65-F5344CB8AC3E}">
-        <p14:creationId xmlns:p14="http://schemas.microsoft.com/office/powerpoint/2010/main" val="2601232868"/>
+        <p14:creationId xmlns:p14="http://schemas.microsoft.com/office/powerpoint/2010/main" val="3109784529"/>
       </p:ext>
     </p:extLst>
   </p:cSld>
@@ -4217,39 +8466,528 @@
           <a:chExt cx="0" cy="0"/>
         </a:xfrm>
       </p:grpSpPr>
+      <p:sp>
+        <p:nvSpPr>
+          <p:cNvPr id="28" name="TextBox 27"/>
+          <p:cNvSpPr txBox="1"/>
+          <p:nvPr/>
+        </p:nvSpPr>
+        <p:spPr>
+          <a:xfrm>
+            <a:off x="2481548" y="4850078"/>
+            <a:ext cx="7228902" cy="1477328"/>
+          </a:xfrm>
+          <a:prstGeom prst="rect">
+            <a:avLst/>
+          </a:prstGeom>
+          <a:noFill/>
+        </p:spPr>
+        <p:txBody>
+          <a:bodyPr wrap="square" rtlCol="0">
+            <a:spAutoFit/>
+          </a:bodyPr>
+          <a:lstStyle/>
+          <a:p>
+            <a:r>
+              <a:rPr lang="en-US" altLang="ko-KR" b="1" smtClean="0">
+                <a:solidFill>
+                  <a:schemeClr val="tx1">
+                    <a:lumMod val="75000"/>
+                    <a:lumOff val="25000"/>
+                  </a:schemeClr>
+                </a:solidFill>
+                <a:latin typeface="나눔고딕" panose="020D0604000000000000" pitchFamily="50" charset="-127"/>
+                <a:ea typeface="나눔고딕" panose="020D0604000000000000" pitchFamily="50" charset="-127"/>
+              </a:rPr>
+              <a:t>- </a:t>
+            </a:r>
+            <a:r>
+              <a:rPr lang="ko-KR" altLang="en-US" b="1" smtClean="0">
+                <a:solidFill>
+                  <a:schemeClr val="tx1">
+                    <a:lumMod val="75000"/>
+                    <a:lumOff val="25000"/>
+                  </a:schemeClr>
+                </a:solidFill>
+                <a:latin typeface="나눔고딕" panose="020D0604000000000000" pitchFamily="50" charset="-127"/>
+                <a:ea typeface="나눔고딕" panose="020D0604000000000000" pitchFamily="50" charset="-127"/>
+              </a:rPr>
+              <a:t>도서 리스트에서 이미지 또는 책 제목을 클릭하면 상세 페이지로 이동함</a:t>
+            </a:r>
+            <a:endParaRPr lang="en-US" altLang="ko-KR" b="1" smtClean="0">
+              <a:solidFill>
+                <a:schemeClr val="tx1">
+                  <a:lumMod val="75000"/>
+                  <a:lumOff val="25000"/>
+                </a:schemeClr>
+              </a:solidFill>
+              <a:latin typeface="나눔고딕" panose="020D0604000000000000" pitchFamily="50" charset="-127"/>
+              <a:ea typeface="나눔고딕" panose="020D0604000000000000" pitchFamily="50" charset="-127"/>
+            </a:endParaRPr>
+          </a:p>
+          <a:p>
+            <a:endParaRPr lang="en-US" altLang="ko-KR" b="1" smtClean="0">
+              <a:solidFill>
+                <a:schemeClr val="tx1">
+                  <a:lumMod val="75000"/>
+                  <a:lumOff val="25000"/>
+                </a:schemeClr>
+              </a:solidFill>
+              <a:latin typeface="나눔고딕" panose="020D0604000000000000" pitchFamily="50" charset="-127"/>
+              <a:ea typeface="나눔고딕" panose="020D0604000000000000" pitchFamily="50" charset="-127"/>
+            </a:endParaRPr>
+          </a:p>
+          <a:p>
+            <a:r>
+              <a:rPr lang="en-US" altLang="ko-KR" b="1" smtClean="0">
+                <a:solidFill>
+                  <a:schemeClr val="tx1">
+                    <a:lumMod val="75000"/>
+                    <a:lumOff val="25000"/>
+                  </a:schemeClr>
+                </a:solidFill>
+                <a:latin typeface="나눔고딕" panose="020D0604000000000000" pitchFamily="50" charset="-127"/>
+                <a:ea typeface="나눔고딕" panose="020D0604000000000000" pitchFamily="50" charset="-127"/>
+              </a:rPr>
+              <a:t>- </a:t>
+            </a:r>
+            <a:r>
+              <a:rPr lang="ko-KR" altLang="en-US" b="1" smtClean="0">
+                <a:solidFill>
+                  <a:schemeClr val="tx1">
+                    <a:lumMod val="75000"/>
+                    <a:lumOff val="25000"/>
+                  </a:schemeClr>
+                </a:solidFill>
+                <a:latin typeface="나눔고딕" panose="020D0604000000000000" pitchFamily="50" charset="-127"/>
+                <a:ea typeface="나눔고딕" panose="020D0604000000000000" pitchFamily="50" charset="-127"/>
+              </a:rPr>
+              <a:t>로그인이 되어 있고</a:t>
+            </a:r>
+            <a:r>
+              <a:rPr lang="en-US" altLang="ko-KR" b="1" smtClean="0">
+                <a:solidFill>
+                  <a:schemeClr val="tx1">
+                    <a:lumMod val="75000"/>
+                    <a:lumOff val="25000"/>
+                  </a:schemeClr>
+                </a:solidFill>
+                <a:latin typeface="나눔고딕" panose="020D0604000000000000" pitchFamily="50" charset="-127"/>
+                <a:ea typeface="나눔고딕" panose="020D0604000000000000" pitchFamily="50" charset="-127"/>
+              </a:rPr>
+              <a:t>, </a:t>
+            </a:r>
+            <a:r>
+              <a:rPr lang="ko-KR" altLang="en-US" b="1" smtClean="0">
+                <a:solidFill>
+                  <a:schemeClr val="tx1">
+                    <a:lumMod val="75000"/>
+                    <a:lumOff val="25000"/>
+                  </a:schemeClr>
+                </a:solidFill>
+                <a:latin typeface="나눔고딕" panose="020D0604000000000000" pitchFamily="50" charset="-127"/>
+                <a:ea typeface="나눔고딕" panose="020D0604000000000000" pitchFamily="50" charset="-127"/>
+              </a:rPr>
+              <a:t>대여 가능할 때에만 </a:t>
+            </a:r>
+            <a:r>
+              <a:rPr lang="en-US" altLang="ko-KR" b="1" smtClean="0">
+                <a:solidFill>
+                  <a:schemeClr val="tx1">
+                    <a:lumMod val="75000"/>
+                    <a:lumOff val="25000"/>
+                  </a:schemeClr>
+                </a:solidFill>
+                <a:latin typeface="나눔고딕" panose="020D0604000000000000" pitchFamily="50" charset="-127"/>
+                <a:ea typeface="나눔고딕" panose="020D0604000000000000" pitchFamily="50" charset="-127"/>
+              </a:rPr>
+              <a:t>‘</a:t>
+            </a:r>
+            <a:r>
+              <a:rPr lang="ko-KR" altLang="en-US" b="1" smtClean="0">
+                <a:solidFill>
+                  <a:schemeClr val="tx1">
+                    <a:lumMod val="75000"/>
+                    <a:lumOff val="25000"/>
+                  </a:schemeClr>
+                </a:solidFill>
+                <a:latin typeface="나눔고딕" panose="020D0604000000000000" pitchFamily="50" charset="-127"/>
+                <a:ea typeface="나눔고딕" panose="020D0604000000000000" pitchFamily="50" charset="-127"/>
+              </a:rPr>
+              <a:t>대여하기</a:t>
+            </a:r>
+            <a:r>
+              <a:rPr lang="en-US" altLang="ko-KR" b="1" smtClean="0">
+                <a:solidFill>
+                  <a:schemeClr val="tx1">
+                    <a:lumMod val="75000"/>
+                    <a:lumOff val="25000"/>
+                  </a:schemeClr>
+                </a:solidFill>
+                <a:latin typeface="나눔고딕" panose="020D0604000000000000" pitchFamily="50" charset="-127"/>
+                <a:ea typeface="나눔고딕" panose="020D0604000000000000" pitchFamily="50" charset="-127"/>
+              </a:rPr>
+              <a:t>’ </a:t>
+            </a:r>
+            <a:r>
+              <a:rPr lang="ko-KR" altLang="en-US" b="1" smtClean="0">
+                <a:solidFill>
+                  <a:schemeClr val="tx1">
+                    <a:lumMod val="75000"/>
+                    <a:lumOff val="25000"/>
+                  </a:schemeClr>
+                </a:solidFill>
+                <a:latin typeface="나눔고딕" panose="020D0604000000000000" pitchFamily="50" charset="-127"/>
+                <a:ea typeface="나눔고딕" panose="020D0604000000000000" pitchFamily="50" charset="-127"/>
+              </a:rPr>
+              <a:t>버튼이 활성화됨</a:t>
+            </a:r>
+            <a:endParaRPr lang="en-US" altLang="ko-KR" b="1">
+              <a:solidFill>
+                <a:schemeClr val="tx1">
+                  <a:lumMod val="75000"/>
+                  <a:lumOff val="25000"/>
+                </a:schemeClr>
+              </a:solidFill>
+              <a:latin typeface="나눔고딕" panose="020D0604000000000000" pitchFamily="50" charset="-127"/>
+              <a:ea typeface="나눔고딕" panose="020D0604000000000000" pitchFamily="50" charset="-127"/>
+            </a:endParaRPr>
+          </a:p>
+          <a:p>
+            <a:endParaRPr lang="en-US" altLang="ko-KR" b="1" smtClean="0">
+              <a:solidFill>
+                <a:schemeClr val="tx1">
+                  <a:lumMod val="75000"/>
+                  <a:lumOff val="25000"/>
+                </a:schemeClr>
+              </a:solidFill>
+              <a:latin typeface="나눔고딕" panose="020D0604000000000000" pitchFamily="50" charset="-127"/>
+              <a:ea typeface="나눔고딕" panose="020D0604000000000000" pitchFamily="50" charset="-127"/>
+            </a:endParaRPr>
+          </a:p>
+          <a:p>
+            <a:r>
+              <a:rPr lang="en-US" altLang="ko-KR" b="1" smtClean="0">
+                <a:solidFill>
+                  <a:schemeClr val="tx1">
+                    <a:lumMod val="75000"/>
+                    <a:lumOff val="25000"/>
+                  </a:schemeClr>
+                </a:solidFill>
+                <a:latin typeface="나눔고딕" panose="020D0604000000000000" pitchFamily="50" charset="-127"/>
+                <a:ea typeface="나눔고딕" panose="020D0604000000000000" pitchFamily="50" charset="-127"/>
+              </a:rPr>
+              <a:t>- </a:t>
+            </a:r>
+            <a:r>
+              <a:rPr lang="ko-KR" altLang="en-US" b="1" smtClean="0">
+                <a:solidFill>
+                  <a:schemeClr val="tx1">
+                    <a:lumMod val="75000"/>
+                    <a:lumOff val="25000"/>
+                  </a:schemeClr>
+                </a:solidFill>
+                <a:latin typeface="나눔고딕" panose="020D0604000000000000" pitchFamily="50" charset="-127"/>
+                <a:ea typeface="나눔고딕" panose="020D0604000000000000" pitchFamily="50" charset="-127"/>
+              </a:rPr>
+              <a:t>대여 시</a:t>
+            </a:r>
+            <a:r>
+              <a:rPr lang="en-US" altLang="ko-KR" b="1" smtClean="0">
+                <a:solidFill>
+                  <a:schemeClr val="tx1">
+                    <a:lumMod val="75000"/>
+                    <a:lumOff val="25000"/>
+                  </a:schemeClr>
+                </a:solidFill>
+                <a:latin typeface="나눔고딕" panose="020D0604000000000000" pitchFamily="50" charset="-127"/>
+                <a:ea typeface="나눔고딕" panose="020D0604000000000000" pitchFamily="50" charset="-127"/>
+              </a:rPr>
+              <a:t>, </a:t>
+            </a:r>
+            <a:r>
+              <a:rPr lang="ko-KR" altLang="en-US" b="1" smtClean="0">
+                <a:solidFill>
+                  <a:schemeClr val="tx1">
+                    <a:lumMod val="75000"/>
+                    <a:lumOff val="25000"/>
+                  </a:schemeClr>
+                </a:solidFill>
+                <a:latin typeface="나눔고딕" panose="020D0604000000000000" pitchFamily="50" charset="-127"/>
+                <a:ea typeface="나눔고딕" panose="020D0604000000000000" pitchFamily="50" charset="-127"/>
+              </a:rPr>
+              <a:t>대여 횟수가 </a:t>
+            </a:r>
+            <a:r>
+              <a:rPr lang="en-US" altLang="ko-KR" b="1" smtClean="0">
+                <a:solidFill>
+                  <a:schemeClr val="tx1">
+                    <a:lumMod val="75000"/>
+                    <a:lumOff val="25000"/>
+                  </a:schemeClr>
+                </a:solidFill>
+                <a:latin typeface="나눔고딕" panose="020D0604000000000000" pitchFamily="50" charset="-127"/>
+                <a:ea typeface="나눔고딕" panose="020D0604000000000000" pitchFamily="50" charset="-127"/>
+              </a:rPr>
+              <a:t>1</a:t>
+            </a:r>
+            <a:r>
+              <a:rPr lang="ko-KR" altLang="en-US" b="1" smtClean="0">
+                <a:solidFill>
+                  <a:schemeClr val="tx1">
+                    <a:lumMod val="75000"/>
+                    <a:lumOff val="25000"/>
+                  </a:schemeClr>
+                </a:solidFill>
+                <a:latin typeface="나눔고딕" panose="020D0604000000000000" pitchFamily="50" charset="-127"/>
+                <a:ea typeface="나눔고딕" panose="020D0604000000000000" pitchFamily="50" charset="-127"/>
+              </a:rPr>
+              <a:t>회</a:t>
+            </a:r>
+            <a:r>
+              <a:rPr lang="en-US" altLang="ko-KR" b="1" smtClean="0">
+                <a:solidFill>
+                  <a:schemeClr val="tx1">
+                    <a:lumMod val="75000"/>
+                    <a:lumOff val="25000"/>
+                  </a:schemeClr>
+                </a:solidFill>
+                <a:latin typeface="나눔고딕" panose="020D0604000000000000" pitchFamily="50" charset="-127"/>
+                <a:ea typeface="나눔고딕" panose="020D0604000000000000" pitchFamily="50" charset="-127"/>
+              </a:rPr>
+              <a:t> </a:t>
+            </a:r>
+            <a:r>
+              <a:rPr lang="ko-KR" altLang="en-US" b="1" smtClean="0">
+                <a:solidFill>
+                  <a:schemeClr val="tx1">
+                    <a:lumMod val="75000"/>
+                    <a:lumOff val="25000"/>
+                  </a:schemeClr>
+                </a:solidFill>
+                <a:latin typeface="나눔고딕" panose="020D0604000000000000" pitchFamily="50" charset="-127"/>
+                <a:ea typeface="나눔고딕" panose="020D0604000000000000" pitchFamily="50" charset="-127"/>
+              </a:rPr>
+              <a:t>증가하고 대여 불가 상태가 됨 </a:t>
+            </a:r>
+            <a:endParaRPr lang="en-US" altLang="ko-KR" b="1" smtClean="0">
+              <a:solidFill>
+                <a:schemeClr val="tx1">
+                  <a:lumMod val="75000"/>
+                  <a:lumOff val="25000"/>
+                </a:schemeClr>
+              </a:solidFill>
+              <a:latin typeface="나눔고딕" panose="020D0604000000000000" pitchFamily="50" charset="-127"/>
+              <a:ea typeface="나눔고딕" panose="020D0604000000000000" pitchFamily="50" charset="-127"/>
+            </a:endParaRPr>
+          </a:p>
+        </p:txBody>
+      </p:sp>
       <p:grpSp>
         <p:nvGrpSpPr>
-          <p:cNvPr id="2" name="그룹 1"/>
+          <p:cNvPr id="20" name="그룹 19"/>
           <p:cNvGrpSpPr/>
           <p:nvPr/>
         </p:nvGrpSpPr>
         <p:grpSpPr>
           <a:xfrm>
-            <a:off x="0" y="173379"/>
-            <a:ext cx="12192000" cy="461665"/>
-            <a:chOff x="0" y="173379"/>
-            <a:chExt cx="12192000" cy="461665"/>
+            <a:off x="620617" y="1073927"/>
+            <a:ext cx="10950766" cy="3117774"/>
+            <a:chOff x="632155" y="2390660"/>
+            <a:chExt cx="10950766" cy="3117774"/>
           </a:xfrm>
         </p:grpSpPr>
+        <p:pic>
+          <p:nvPicPr>
+            <p:cNvPr id="6" name="그림 5"/>
+            <p:cNvPicPr>
+              <a:picLocks noChangeAspect="1"/>
+            </p:cNvPicPr>
+            <p:nvPr/>
+          </p:nvPicPr>
+          <p:blipFill rotWithShape="1">
+            <a:blip r:embed="rId2">
+              <a:extLst>
+                <a:ext uri="{28A0092B-C50C-407E-A947-70E740481C1C}">
+                  <a14:useLocalDpi xmlns:a14="http://schemas.microsoft.com/office/drawing/2010/main" val="0"/>
+                </a:ext>
+              </a:extLst>
+            </a:blip>
+            <a:srcRect l="17353" t="7768" r="3047" b="8460"/>
+            <a:stretch/>
+          </p:blipFill>
+          <p:spPr>
+            <a:xfrm>
+              <a:off x="6427027" y="2390660"/>
+              <a:ext cx="5155894" cy="3117774"/>
+            </a:xfrm>
+            <a:prstGeom prst="rect">
+              <a:avLst/>
+            </a:prstGeom>
+            <a:ln w="19050">
+              <a:solidFill>
+                <a:schemeClr val="bg1">
+                  <a:lumMod val="75000"/>
+                </a:schemeClr>
+              </a:solidFill>
+            </a:ln>
+          </p:spPr>
+        </p:pic>
+        <p:grpSp>
+          <p:nvGrpSpPr>
+            <p:cNvPr id="8" name="그룹 7"/>
+            <p:cNvGrpSpPr/>
+            <p:nvPr/>
+          </p:nvGrpSpPr>
+          <p:grpSpPr>
+            <a:xfrm>
+              <a:off x="632155" y="2390660"/>
+              <a:ext cx="5122844" cy="3106758"/>
+              <a:chOff x="1272299" y="2383316"/>
+              <a:chExt cx="4553639" cy="2761563"/>
+            </a:xfrm>
+          </p:grpSpPr>
+          <p:pic>
+            <p:nvPicPr>
+              <p:cNvPr id="5" name="그림 4"/>
+              <p:cNvPicPr>
+                <a:picLocks noChangeAspect="1"/>
+              </p:cNvPicPr>
+              <p:nvPr/>
+            </p:nvPicPr>
+            <p:blipFill rotWithShape="1">
+              <a:blip r:embed="rId3">
+                <a:extLst>
+                  <a:ext uri="{28A0092B-C50C-407E-A947-70E740481C1C}">
+                    <a14:useLocalDpi xmlns:a14="http://schemas.microsoft.com/office/drawing/2010/main" val="0"/>
+                  </a:ext>
+                </a:extLst>
+              </a:blip>
+              <a:srcRect l="17445" t="7447" r="2863" b="8443"/>
+              <a:stretch/>
+            </p:blipFill>
+            <p:spPr>
+              <a:xfrm>
+                <a:off x="1272299" y="2383316"/>
+                <a:ext cx="4553639" cy="2761563"/>
+              </a:xfrm>
+              <a:prstGeom prst="rect">
+                <a:avLst/>
+              </a:prstGeom>
+              <a:ln w="19050">
+                <a:solidFill>
+                  <a:schemeClr val="bg1">
+                    <a:lumMod val="75000"/>
+                  </a:schemeClr>
+                </a:solidFill>
+              </a:ln>
+            </p:spPr>
+          </p:pic>
+          <p:sp>
+            <p:nvSpPr>
+              <p:cNvPr id="7" name="직사각형 6"/>
+              <p:cNvSpPr/>
+              <p:nvPr/>
+            </p:nvSpPr>
+            <p:spPr>
+              <a:xfrm>
+                <a:off x="2743199" y="3647808"/>
+                <a:ext cx="748330" cy="583893"/>
+              </a:xfrm>
+              <a:prstGeom prst="rect">
+                <a:avLst/>
+              </a:prstGeom>
+              <a:noFill/>
+              <a:ln w="38100">
+                <a:solidFill>
+                  <a:srgbClr val="C00000"/>
+                </a:solidFill>
+              </a:ln>
+            </p:spPr>
+            <p:style>
+              <a:lnRef idx="2">
+                <a:schemeClr val="accent1">
+                  <a:shade val="50000"/>
+                </a:schemeClr>
+              </a:lnRef>
+              <a:fillRef idx="1">
+                <a:schemeClr val="accent1"/>
+              </a:fillRef>
+              <a:effectRef idx="0">
+                <a:schemeClr val="accent1"/>
+              </a:effectRef>
+              <a:fontRef idx="minor">
+                <a:schemeClr val="lt1"/>
+              </a:fontRef>
+            </p:style>
+            <p:txBody>
+              <a:bodyPr rtlCol="0" anchor="ctr"/>
+              <a:lstStyle/>
+              <a:p>
+                <a:pPr algn="ctr"/>
+                <a:endParaRPr lang="ko-KR" altLang="en-US"/>
+              </a:p>
+            </p:txBody>
+          </p:sp>
+        </p:grpSp>
+        <p:cxnSp>
+          <p:nvCxnSpPr>
+            <p:cNvPr id="11" name="직선 화살표 연결선 10"/>
+            <p:cNvCxnSpPr>
+              <a:stCxn id="7" idx="3"/>
+              <a:endCxn id="14" idx="1"/>
+            </p:cNvCxnSpPr>
+            <p:nvPr/>
+          </p:nvCxnSpPr>
+          <p:spPr>
+            <a:xfrm flipV="1">
+              <a:off x="3128789" y="3966761"/>
+              <a:ext cx="4952541" cy="174893"/>
+            </a:xfrm>
+            <a:prstGeom prst="straightConnector1">
+              <a:avLst/>
+            </a:prstGeom>
+            <a:ln w="57150">
+              <a:solidFill>
+                <a:srgbClr val="C00000"/>
+              </a:solidFill>
+              <a:tailEnd type="triangle"/>
+            </a:ln>
+          </p:spPr>
+          <p:style>
+            <a:lnRef idx="1">
+              <a:schemeClr val="accent1"/>
+            </a:lnRef>
+            <a:fillRef idx="0">
+              <a:schemeClr val="accent1"/>
+            </a:fillRef>
+            <a:effectRef idx="0">
+              <a:schemeClr val="accent1"/>
+            </a:effectRef>
+            <a:fontRef idx="minor">
+              <a:schemeClr val="tx1"/>
+            </a:fontRef>
+          </p:style>
+        </p:cxnSp>
         <p:sp>
           <p:nvSpPr>
-            <p:cNvPr id="3" name="직사각형 2"/>
+            <p:cNvPr id="14" name="직사각형 13"/>
             <p:cNvSpPr/>
             <p:nvPr/>
           </p:nvSpPr>
           <p:spPr>
             <a:xfrm>
-              <a:off x="0" y="173379"/>
-              <a:ext cx="12192000" cy="461665"/>
+              <a:off x="8081330" y="3824231"/>
+              <a:ext cx="963517" cy="285060"/>
             </a:xfrm>
             <a:prstGeom prst="rect">
               <a:avLst/>
             </a:prstGeom>
-            <a:solidFill>
-              <a:srgbClr val="D3E9E4"/>
-            </a:solidFill>
-            <a:ln>
-              <a:noFill/>
+            <a:noFill/>
+            <a:ln w="38100">
+              <a:solidFill>
+                <a:srgbClr val="C00000"/>
+              </a:solidFill>
             </a:ln>
           </p:spPr>
           <p:style>
@@ -4277,9 +9015,131 @@
             </a:p>
           </p:txBody>
         </p:sp>
+      </p:grpSp>
+      <p:grpSp>
+        <p:nvGrpSpPr>
+          <p:cNvPr id="21" name="그룹 20"/>
+          <p:cNvGrpSpPr/>
+          <p:nvPr/>
+        </p:nvGrpSpPr>
+        <p:grpSpPr>
+          <a:xfrm>
+            <a:off x="0" y="151346"/>
+            <a:ext cx="12192000" cy="597802"/>
+            <a:chOff x="0" y="173379"/>
+            <a:chExt cx="12192000" cy="597802"/>
+          </a:xfrm>
+        </p:grpSpPr>
+        <p:grpSp>
+          <p:nvGrpSpPr>
+            <p:cNvPr id="22" name="그룹 21"/>
+            <p:cNvGrpSpPr/>
+            <p:nvPr/>
+          </p:nvGrpSpPr>
+          <p:grpSpPr>
+            <a:xfrm>
+              <a:off x="0" y="173379"/>
+              <a:ext cx="12192000" cy="597802"/>
+              <a:chOff x="0" y="1847944"/>
+              <a:chExt cx="12192000" cy="597802"/>
+            </a:xfrm>
+          </p:grpSpPr>
+          <p:sp>
+            <p:nvSpPr>
+              <p:cNvPr id="24" name="직사각형 23"/>
+              <p:cNvSpPr/>
+              <p:nvPr/>
+            </p:nvSpPr>
+            <p:spPr>
+              <a:xfrm>
+                <a:off x="0" y="1847944"/>
+                <a:ext cx="12192000" cy="597802"/>
+              </a:xfrm>
+              <a:prstGeom prst="rect">
+                <a:avLst/>
+              </a:prstGeom>
+              <a:solidFill>
+                <a:srgbClr val="D3E9E4"/>
+              </a:solidFill>
+              <a:ln>
+                <a:noFill/>
+              </a:ln>
+            </p:spPr>
+            <p:style>
+              <a:lnRef idx="2">
+                <a:schemeClr val="accent1">
+                  <a:shade val="50000"/>
+                </a:schemeClr>
+              </a:lnRef>
+              <a:fillRef idx="1">
+                <a:schemeClr val="accent1"/>
+              </a:fillRef>
+              <a:effectRef idx="0">
+                <a:schemeClr val="accent1"/>
+              </a:effectRef>
+              <a:fontRef idx="minor">
+                <a:schemeClr val="lt1"/>
+              </a:fontRef>
+            </p:style>
+            <p:txBody>
+              <a:bodyPr rtlCol="0" anchor="ctr"/>
+              <a:lstStyle/>
+              <a:p>
+                <a:pPr algn="ctr"/>
+                <a:endParaRPr lang="ko-KR" altLang="en-US"/>
+              </a:p>
+            </p:txBody>
+          </p:sp>
+          <p:sp>
+            <p:nvSpPr>
+              <p:cNvPr id="25" name="직사각형 24"/>
+              <p:cNvSpPr/>
+              <p:nvPr/>
+            </p:nvSpPr>
+            <p:spPr>
+              <a:xfrm>
+                <a:off x="0" y="2308860"/>
+                <a:ext cx="12192000" cy="65786"/>
+              </a:xfrm>
+              <a:prstGeom prst="rect">
+                <a:avLst/>
+              </a:prstGeom>
+              <a:solidFill>
+                <a:schemeClr val="bg1"/>
+              </a:solidFill>
+              <a:ln>
+                <a:noFill/>
+              </a:ln>
+            </p:spPr>
+            <p:style>
+              <a:lnRef idx="2">
+                <a:schemeClr val="accent1">
+                  <a:shade val="50000"/>
+                </a:schemeClr>
+              </a:lnRef>
+              <a:fillRef idx="1">
+                <a:schemeClr val="accent1"/>
+              </a:fillRef>
+              <a:effectRef idx="0">
+                <a:schemeClr val="accent1"/>
+              </a:effectRef>
+              <a:fontRef idx="minor">
+                <a:schemeClr val="lt1"/>
+              </a:fontRef>
+            </p:style>
+            <p:txBody>
+              <a:bodyPr rtlCol="0" anchor="ctr"/>
+              <a:lstStyle/>
+              <a:p>
+                <a:pPr algn="ctr"/>
+                <a:endParaRPr lang="ko-KR" altLang="en-US"/>
+              </a:p>
+            </p:txBody>
+          </p:sp>
+        </p:grpSp>
         <p:sp>
           <p:nvSpPr>
-            <p:cNvPr id="4" name="TextBox 3"/>
+            <p:cNvPr id="23" name="TextBox 22"/>
             <p:cNvSpPr txBox="1"/>
             <p:nvPr/>
           </p:nvSpPr>
@@ -4310,7 +9170,7 @@
                   <a:latin typeface="나눔고딕 ExtraBold" panose="020D0904000000000000" pitchFamily="50" charset="-127"/>
                   <a:ea typeface="나눔고딕 ExtraBold" panose="020D0904000000000000" pitchFamily="50" charset="-127"/>
                 </a:rPr>
-                <a:t>대여 및 반납</a:t>
+                <a:t>대여</a:t>
               </a:r>
               <a:endParaRPr lang="ko-KR" altLang="en-US" sz="2400">
                 <a:solidFill>
@@ -4363,69 +9223,166 @@
           <a:chExt cx="0" cy="0"/>
         </a:xfrm>
       </p:grpSpPr>
+      <p:pic>
+        <p:nvPicPr>
+          <p:cNvPr id="7" name="그림 6"/>
+          <p:cNvPicPr>
+            <a:picLocks noChangeAspect="1"/>
+          </p:cNvPicPr>
+          <p:nvPr/>
+        </p:nvPicPr>
+        <p:blipFill rotWithShape="1">
+          <a:blip r:embed="rId3">
+            <a:extLst>
+              <a:ext uri="{28A0092B-C50C-407E-A947-70E740481C1C}">
+                <a14:useLocalDpi xmlns:a14="http://schemas.microsoft.com/office/drawing/2010/main" val="0"/>
+              </a:ext>
+            </a:extLst>
+          </a:blip>
+          <a:srcRect l="1694" t="25060" r="38876" b="3935"/>
+          <a:stretch/>
+        </p:blipFill>
+        <p:spPr>
+          <a:xfrm>
+            <a:off x="3002879" y="1071677"/>
+            <a:ext cx="6186239" cy="4246829"/>
+          </a:xfrm>
+          <a:prstGeom prst="rect">
+            <a:avLst/>
+          </a:prstGeom>
+          <a:ln w="19050">
+            <a:solidFill>
+              <a:schemeClr val="bg1">
+                <a:lumMod val="75000"/>
+              </a:schemeClr>
+            </a:solidFill>
+          </a:ln>
+        </p:spPr>
+      </p:pic>
       <p:grpSp>
         <p:nvGrpSpPr>
-          <p:cNvPr id="2" name="그룹 1"/>
+          <p:cNvPr id="8" name="그룹 7"/>
           <p:cNvGrpSpPr/>
           <p:nvPr/>
         </p:nvGrpSpPr>
         <p:grpSpPr>
           <a:xfrm>
-            <a:off x="0" y="173379"/>
-            <a:ext cx="12192000" cy="461665"/>
+            <a:off x="0" y="151346"/>
+            <a:ext cx="12192000" cy="597802"/>
             <a:chOff x="0" y="173379"/>
-            <a:chExt cx="12192000" cy="461665"/>
+            <a:chExt cx="12192000" cy="597802"/>
           </a:xfrm>
         </p:grpSpPr>
+        <p:grpSp>
+          <p:nvGrpSpPr>
+            <p:cNvPr id="9" name="그룹 8"/>
+            <p:cNvGrpSpPr/>
+            <p:nvPr/>
+          </p:nvGrpSpPr>
+          <p:grpSpPr>
+            <a:xfrm>
+              <a:off x="0" y="173379"/>
+              <a:ext cx="12192000" cy="597802"/>
+              <a:chOff x="0" y="1847944"/>
+              <a:chExt cx="12192000" cy="597802"/>
+            </a:xfrm>
+          </p:grpSpPr>
+          <p:sp>
+            <p:nvSpPr>
+              <p:cNvPr id="11" name="직사각형 10"/>
+              <p:cNvSpPr/>
+              <p:nvPr/>
+            </p:nvSpPr>
+            <p:spPr>
+              <a:xfrm>
+                <a:off x="0" y="1847944"/>
+                <a:ext cx="12192000" cy="597802"/>
+              </a:xfrm>
+              <a:prstGeom prst="rect">
+                <a:avLst/>
+              </a:prstGeom>
+              <a:solidFill>
+                <a:srgbClr val="D3E9E4"/>
+              </a:solidFill>
+              <a:ln>
+                <a:noFill/>
+              </a:ln>
+            </p:spPr>
+            <p:style>
+              <a:lnRef idx="2">
+                <a:schemeClr val="accent1">
+                  <a:shade val="50000"/>
+                </a:schemeClr>
+              </a:lnRef>
+              <a:fillRef idx="1">
+                <a:schemeClr val="accent1"/>
+              </a:fillRef>
+              <a:effectRef idx="0">
+                <a:schemeClr val="accent1"/>
+              </a:effectRef>
+              <a:fontRef idx="minor">
+                <a:schemeClr val="lt1"/>
+              </a:fontRef>
+            </p:style>
+            <p:txBody>
+              <a:bodyPr rtlCol="0" anchor="ctr"/>
+              <a:lstStyle/>
+              <a:p>
+                <a:pPr algn="ctr"/>
+                <a:endParaRPr lang="ko-KR" altLang="en-US"/>
+              </a:p>
+            </p:txBody>
+          </p:sp>
+          <p:sp>
+            <p:nvSpPr>
+              <p:cNvPr id="12" name="직사각형 11"/>
+              <p:cNvSpPr/>
+              <p:nvPr/>
+            </p:nvSpPr>
+            <p:spPr>
+              <a:xfrm>
+                <a:off x="0" y="2308860"/>
+                <a:ext cx="12192000" cy="65786"/>
+              </a:xfrm>
+              <a:prstGeom prst="rect">
+                <a:avLst/>
+              </a:prstGeom>
+              <a:solidFill>
+                <a:schemeClr val="bg1"/>
+              </a:solidFill>
+              <a:ln>
+                <a:noFill/>
+              </a:ln>
+            </p:spPr>
+            <p:style>
+              <a:lnRef idx="2">
+                <a:schemeClr val="accent1">
+                  <a:shade val="50000"/>
+                </a:schemeClr>
+              </a:lnRef>
+              <a:fillRef idx="1">
+                <a:schemeClr val="accent1"/>
+              </a:fillRef>
+              <a:effectRef idx="0">
+                <a:schemeClr val="accent1"/>
+              </a:effectRef>
+              <a:fontRef idx="minor">
+                <a:schemeClr val="lt1"/>
+              </a:fontRef>
+            </p:style>
+            <p:txBody>
+              <a:bodyPr rtlCol="0" anchor="ctr"/>
+              <a:lstStyle/>
+              <a:p>
+                <a:pPr algn="ctr"/>
+                <a:endParaRPr lang="ko-KR" altLang="en-US"/>
+              </a:p>
+            </p:txBody>
+          </p:sp>
+        </p:grpSp>
         <p:sp>
           <p:nvSpPr>
-            <p:cNvPr id="3" name="직사각형 2"/>
-            <p:cNvSpPr/>
-            <p:nvPr/>
-          </p:nvSpPr>
-          <p:spPr>
-            <a:xfrm>
-              <a:off x="0" y="173379"/>
-              <a:ext cx="12192000" cy="461665"/>
-            </a:xfrm>
-            <a:prstGeom prst="rect">
-              <a:avLst/>
-            </a:prstGeom>
-            <a:solidFill>
-              <a:srgbClr val="D3E9E4"/>
-            </a:solidFill>
-            <a:ln>
-              <a:noFill/>
-            </a:ln>
-          </p:spPr>
-          <p:style>
-            <a:lnRef idx="2">
-              <a:schemeClr val="accent1">
-                <a:shade val="50000"/>
-              </a:schemeClr>
-            </a:lnRef>
-            <a:fillRef idx="1">
-              <a:schemeClr val="accent1"/>
-            </a:fillRef>
-            <a:effectRef idx="0">
-              <a:schemeClr val="accent1"/>
-            </a:effectRef>
-            <a:fontRef idx="minor">
-              <a:schemeClr val="lt1"/>
-            </a:fontRef>
-          </p:style>
-          <p:txBody>
-            <a:bodyPr rtlCol="0" anchor="ctr"/>
-            <a:lstStyle/>
-            <a:p>
-              <a:pPr algn="ctr"/>
-              <a:endParaRPr lang="ko-KR" altLang="en-US"/>
-            </a:p>
-          </p:txBody>
-        </p:sp>
-        <p:sp>
-          <p:nvSpPr>
-            <p:cNvPr id="4" name="TextBox 3"/>
+            <p:cNvPr id="10" name="TextBox 9"/>
             <p:cNvSpPr txBox="1"/>
             <p:nvPr/>
           </p:nvSpPr>
@@ -4456,7 +9413,7 @@
                   <a:latin typeface="나눔고딕 ExtraBold" panose="020D0904000000000000" pitchFamily="50" charset="-127"/>
                   <a:ea typeface="나눔고딕 ExtraBold" panose="020D0904000000000000" pitchFamily="50" charset="-127"/>
                 </a:rPr>
-                <a:t>리뷰 작성 및 조회</a:t>
+                <a:t>마이페이지</a:t>
               </a:r>
               <a:endParaRPr lang="ko-KR" altLang="en-US" sz="2400">
                 <a:solidFill>
@@ -4472,10 +9429,241 @@
           </p:txBody>
         </p:sp>
       </p:grpSp>
+      <p:sp>
+        <p:nvSpPr>
+          <p:cNvPr id="16" name="TextBox 15"/>
+          <p:cNvSpPr txBox="1"/>
+          <p:nvPr/>
+        </p:nvSpPr>
+        <p:spPr>
+          <a:xfrm>
+            <a:off x="2598144" y="5641036"/>
+            <a:ext cx="6995710" cy="923330"/>
+          </a:xfrm>
+          <a:prstGeom prst="rect">
+            <a:avLst/>
+          </a:prstGeom>
+          <a:noFill/>
+        </p:spPr>
+        <p:txBody>
+          <a:bodyPr wrap="square" rtlCol="0">
+            <a:spAutoFit/>
+          </a:bodyPr>
+          <a:lstStyle/>
+          <a:p>
+            <a:pPr algn="ctr"/>
+            <a:r>
+              <a:rPr lang="en-US" altLang="ko-KR" b="1" smtClean="0">
+                <a:solidFill>
+                  <a:schemeClr val="tx1">
+                    <a:lumMod val="75000"/>
+                    <a:lumOff val="25000"/>
+                  </a:schemeClr>
+                </a:solidFill>
+                <a:latin typeface="나눔고딕" panose="020D0604000000000000" pitchFamily="50" charset="-127"/>
+                <a:ea typeface="나눔고딕" panose="020D0604000000000000" pitchFamily="50" charset="-127"/>
+              </a:rPr>
+              <a:t>- </a:t>
+            </a:r>
+            <a:r>
+              <a:rPr lang="ko-KR" altLang="en-US" b="1" smtClean="0">
+                <a:solidFill>
+                  <a:schemeClr val="tx1">
+                    <a:lumMod val="75000"/>
+                    <a:lumOff val="25000"/>
+                  </a:schemeClr>
+                </a:solidFill>
+                <a:latin typeface="나눔고딕" panose="020D0604000000000000" pitchFamily="50" charset="-127"/>
+                <a:ea typeface="나눔고딕" panose="020D0604000000000000" pitchFamily="50" charset="-127"/>
+              </a:rPr>
+              <a:t>우측 </a:t>
+            </a:r>
+            <a:r>
+              <a:rPr lang="ko-KR" altLang="en-US" b="1">
+                <a:solidFill>
+                  <a:schemeClr val="tx1">
+                    <a:lumMod val="75000"/>
+                    <a:lumOff val="25000"/>
+                  </a:schemeClr>
+                </a:solidFill>
+                <a:latin typeface="나눔고딕" panose="020D0604000000000000" pitchFamily="50" charset="-127"/>
+                <a:ea typeface="나눔고딕" panose="020D0604000000000000" pitchFamily="50" charset="-127"/>
+              </a:rPr>
+              <a:t>상단의 </a:t>
+            </a:r>
+            <a:r>
+              <a:rPr lang="ko-KR" altLang="en-US" b="1" smtClean="0">
+                <a:solidFill>
+                  <a:schemeClr val="tx1">
+                    <a:lumMod val="75000"/>
+                    <a:lumOff val="25000"/>
+                  </a:schemeClr>
+                </a:solidFill>
+                <a:latin typeface="나눔고딕" panose="020D0604000000000000" pitchFamily="50" charset="-127"/>
+                <a:ea typeface="나눔고딕" panose="020D0604000000000000" pitchFamily="50" charset="-127"/>
+              </a:rPr>
+              <a:t>마이페이지 </a:t>
+            </a:r>
+            <a:r>
+              <a:rPr lang="ko-KR" altLang="en-US" b="1">
+                <a:solidFill>
+                  <a:schemeClr val="tx1">
+                    <a:lumMod val="75000"/>
+                    <a:lumOff val="25000"/>
+                  </a:schemeClr>
+                </a:solidFill>
+                <a:latin typeface="나눔고딕" panose="020D0604000000000000" pitchFamily="50" charset="-127"/>
+                <a:ea typeface="나눔고딕" panose="020D0604000000000000" pitchFamily="50" charset="-127"/>
+              </a:rPr>
+              <a:t>버튼을 </a:t>
+            </a:r>
+            <a:r>
+              <a:rPr lang="ko-KR" altLang="en-US" b="1">
+                <a:solidFill>
+                  <a:schemeClr val="tx1">
+                    <a:lumMod val="75000"/>
+                    <a:lumOff val="25000"/>
+                  </a:schemeClr>
+                </a:solidFill>
+                <a:latin typeface="나눔고딕" panose="020D0604000000000000" pitchFamily="50" charset="-127"/>
+                <a:ea typeface="나눔고딕" panose="020D0604000000000000" pitchFamily="50" charset="-127"/>
+              </a:rPr>
+              <a:t>누르면 </a:t>
+            </a:r>
+            <a:r>
+              <a:rPr lang="ko-KR" altLang="en-US" b="1" smtClean="0">
+                <a:solidFill>
+                  <a:schemeClr val="tx1">
+                    <a:lumMod val="75000"/>
+                    <a:lumOff val="25000"/>
+                  </a:schemeClr>
+                </a:solidFill>
+                <a:latin typeface="나눔고딕" panose="020D0604000000000000" pitchFamily="50" charset="-127"/>
+                <a:ea typeface="나눔고딕" panose="020D0604000000000000" pitchFamily="50" charset="-127"/>
+              </a:rPr>
+              <a:t>마이페이지로 이동함</a:t>
+            </a:r>
+            <a:endParaRPr lang="en-US" altLang="ko-KR" b="1" smtClean="0">
+              <a:solidFill>
+                <a:schemeClr val="tx1">
+                  <a:lumMod val="75000"/>
+                  <a:lumOff val="25000"/>
+                </a:schemeClr>
+              </a:solidFill>
+              <a:latin typeface="나눔고딕" panose="020D0604000000000000" pitchFamily="50" charset="-127"/>
+              <a:ea typeface="나눔고딕" panose="020D0604000000000000" pitchFamily="50" charset="-127"/>
+            </a:endParaRPr>
+          </a:p>
+          <a:p>
+            <a:pPr algn="ctr"/>
+            <a:endParaRPr lang="en-US" altLang="ko-KR" b="1" smtClean="0">
+              <a:solidFill>
+                <a:schemeClr val="tx1">
+                  <a:lumMod val="75000"/>
+                  <a:lumOff val="25000"/>
+                </a:schemeClr>
+              </a:solidFill>
+              <a:latin typeface="나눔고딕" panose="020D0604000000000000" pitchFamily="50" charset="-127"/>
+              <a:ea typeface="나눔고딕" panose="020D0604000000000000" pitchFamily="50" charset="-127"/>
+            </a:endParaRPr>
+          </a:p>
+          <a:p>
+            <a:pPr algn="ctr"/>
+            <a:r>
+              <a:rPr lang="en-US" altLang="ko-KR" b="1" smtClean="0">
+                <a:solidFill>
+                  <a:schemeClr val="tx1">
+                    <a:lumMod val="75000"/>
+                    <a:lumOff val="25000"/>
+                  </a:schemeClr>
+                </a:solidFill>
+                <a:latin typeface="나눔고딕" panose="020D0604000000000000" pitchFamily="50" charset="-127"/>
+                <a:ea typeface="나눔고딕" panose="020D0604000000000000" pitchFamily="50" charset="-127"/>
+              </a:rPr>
+              <a:t>- </a:t>
+            </a:r>
+            <a:r>
+              <a:rPr lang="ko-KR" altLang="en-US" b="1" smtClean="0">
+                <a:solidFill>
+                  <a:schemeClr val="tx1">
+                    <a:lumMod val="75000"/>
+                    <a:lumOff val="25000"/>
+                  </a:schemeClr>
+                </a:solidFill>
+                <a:latin typeface="나눔고딕" panose="020D0604000000000000" pitchFamily="50" charset="-127"/>
+                <a:ea typeface="나눔고딕" panose="020D0604000000000000" pitchFamily="50" charset="-127"/>
+              </a:rPr>
+              <a:t>간략한 회원 정보를 보여주며</a:t>
+            </a:r>
+            <a:r>
+              <a:rPr lang="en-US" altLang="ko-KR" b="1" smtClean="0">
+                <a:solidFill>
+                  <a:schemeClr val="tx1">
+                    <a:lumMod val="75000"/>
+                    <a:lumOff val="25000"/>
+                  </a:schemeClr>
+                </a:solidFill>
+                <a:latin typeface="나눔고딕" panose="020D0604000000000000" pitchFamily="50" charset="-127"/>
+                <a:ea typeface="나눔고딕" panose="020D0604000000000000" pitchFamily="50" charset="-127"/>
+              </a:rPr>
+              <a:t>, </a:t>
+            </a:r>
+            <a:r>
+              <a:rPr lang="ko-KR" altLang="en-US" b="1" smtClean="0">
+                <a:solidFill>
+                  <a:schemeClr val="tx1">
+                    <a:lumMod val="75000"/>
+                    <a:lumOff val="25000"/>
+                  </a:schemeClr>
+                </a:solidFill>
+                <a:latin typeface="나눔고딕" panose="020D0604000000000000" pitchFamily="50" charset="-127"/>
+                <a:ea typeface="나눔고딕" panose="020D0604000000000000" pitchFamily="50" charset="-127"/>
+              </a:rPr>
+              <a:t>전화번호 </a:t>
+            </a:r>
+            <a:r>
+              <a:rPr lang="en-US" altLang="ko-KR" b="1" smtClean="0">
+                <a:solidFill>
+                  <a:schemeClr val="tx1">
+                    <a:lumMod val="75000"/>
+                    <a:lumOff val="25000"/>
+                  </a:schemeClr>
+                </a:solidFill>
+                <a:latin typeface="나눔고딕" panose="020D0604000000000000" pitchFamily="50" charset="-127"/>
+                <a:ea typeface="나눔고딕" panose="020D0604000000000000" pitchFamily="50" charset="-127"/>
+              </a:rPr>
+              <a:t>4</a:t>
+            </a:r>
+            <a:r>
+              <a:rPr lang="ko-KR" altLang="en-US" b="1" smtClean="0">
+                <a:solidFill>
+                  <a:schemeClr val="tx1">
+                    <a:lumMod val="75000"/>
+                    <a:lumOff val="25000"/>
+                  </a:schemeClr>
+                </a:solidFill>
+                <a:latin typeface="나눔고딕" panose="020D0604000000000000" pitchFamily="50" charset="-127"/>
+                <a:ea typeface="나눔고딕" panose="020D0604000000000000" pitchFamily="50" charset="-127"/>
+              </a:rPr>
+              <a:t>자리는 가림</a:t>
+            </a:r>
+            <a:endParaRPr lang="en-US" altLang="ko-KR" b="1">
+              <a:solidFill>
+                <a:schemeClr val="tx1">
+                  <a:lumMod val="75000"/>
+                  <a:lumOff val="25000"/>
+                </a:schemeClr>
+              </a:solidFill>
+              <a:latin typeface="나눔고딕" panose="020D0604000000000000" pitchFamily="50" charset="-127"/>
+              <a:ea typeface="나눔고딕" panose="020D0604000000000000" pitchFamily="50" charset="-127"/>
+            </a:endParaRPr>
+          </a:p>
+        </p:txBody>
+      </p:sp>
     </p:spTree>
     <p:extLst>
       <p:ext uri="{BB962C8B-B14F-4D97-AF65-F5344CB8AC3E}">
-        <p14:creationId xmlns:p14="http://schemas.microsoft.com/office/powerpoint/2010/main" val="2109094266"/>
+        <p14:creationId xmlns:p14="http://schemas.microsoft.com/office/powerpoint/2010/main" val="2601232868"/>
       </p:ext>
     </p:extLst>
   </p:cSld>
@@ -4751,4 +9939,265 @@
     </a:ext>
   </a:extLst>
 </a:theme>
+</file>
+
+<file path=ppt/theme/theme2.xml><?xml version="1.0" encoding="utf-8"?>
+<a:theme xmlns:a="http://schemas.openxmlformats.org/drawingml/2006/main" name="Office 테마">
+  <a:themeElements>
+    <a:clrScheme name="Office">
+      <a:dk1>
+        <a:sysClr val="windowText" lastClr="000000"/>
+      </a:dk1>
+      <a:lt1>
+        <a:sysClr val="window" lastClr="FFFFFF"/>
+      </a:lt1>
+      <a:dk2>
+        <a:srgbClr val="44546A"/>
+      </a:dk2>
+      <a:lt2>
+        <a:srgbClr val="E7E6E6"/>
+      </a:lt2>
+      <a:accent1>
+        <a:srgbClr val="5B9BD5"/>
+      </a:accent1>
+      <a:accent2>
+        <a:srgbClr val="ED7D31"/>
+      </a:accent2>
+      <a:accent3>
+        <a:srgbClr val="A5A5A5"/>
+      </a:accent3>
+      <a:accent4>
+        <a:srgbClr val="FFC000"/>
+      </a:accent4>
+      <a:accent5>
+        <a:srgbClr val="4472C4"/>
+      </a:accent5>
+      <a:accent6>
+        <a:srgbClr val="70AD47"/>
+      </a:accent6>
+      <a:hlink>
+        <a:srgbClr val="0563C1"/>
+      </a:hlink>
+      <a:folHlink>
+        <a:srgbClr val="954F72"/>
+      </a:folHlink>
+    </a:clrScheme>
+    <a:fontScheme name="Office">
+      <a:majorFont>
+        <a:latin typeface="맑은 고딕" panose="020F0302020204030204"/>
+        <a:ea typeface=""/>
+        <a:cs typeface=""/>
+        <a:font script="Jpan" typeface="游ゴシック Light"/>
+        <a:font script="Hang" typeface="맑은 고딕"/>
+        <a:font script="Hans" typeface="等线 Light"/>
+        <a:font script="Hant" typeface="新細明體"/>
+        <a:font script="Arab" typeface="Times New Roman"/>
+        <a:font script="Hebr" typeface="Times New Roman"/>
+        <a:font script="Thai" typeface="Angsana New"/>
+        <a:font script="Ethi" typeface="Nyala"/>
+        <a:font script="Beng" typeface="Vrinda"/>
+        <a:font script="Gujr" typeface="Shruti"/>
+        <a:font script="Khmr" typeface="MoolBoran"/>
+        <a:font script="Knda" typeface="Tunga"/>
+        <a:font script="Guru" typeface="Raavi"/>
+        <a:font script="Cans" typeface="Euphemia"/>
+        <a:font script="Cher" typeface="Plantagenet Cherokee"/>
+        <a:font script="Yiii" typeface="Microsoft Yi Baiti"/>
+        <a:font script="Tibt" typeface="Microsoft Himalaya"/>
+        <a:font script="Thaa" typeface="MV Boli"/>
+        <a:font script="Deva" typeface="Mangal"/>
+        <a:font script="Telu" typeface="Gautami"/>
+        <a:font script="Taml" typeface="Latha"/>
+        <a:font script="Syrc" typeface="Estrangelo Edessa"/>
+        <a:font script="Orya" typeface="Kalinga"/>
+        <a:font script="Mlym" typeface="Kartika"/>
+        <a:font script="Laoo" typeface="DokChampa"/>
+        <a:font script="Sinh" typeface="Iskoola Pota"/>
+        <a:font script="Mong" typeface="Mongolian Baiti"/>
+        <a:font script="Viet" typeface="Times New Roman"/>
+        <a:font script="Uigh" typeface="Microsoft Uighur"/>
+        <a:font script="Geor" typeface="Sylfaen"/>
+      </a:majorFont>
+      <a:minorFont>
+        <a:latin typeface="맑은 고딕" panose="020F0502020204030204"/>
+        <a:ea typeface=""/>
+        <a:cs typeface=""/>
+        <a:font script="Jpan" typeface="游ゴシック"/>
+        <a:font script="Hang" typeface="맑은 고딕"/>
+        <a:font script="Hans" typeface="等线"/>
+        <a:font script="Hant" typeface="新細明體"/>
+        <a:font script="Arab" typeface="Arial"/>
+        <a:font script="Hebr" typeface="Arial"/>
+        <a:font script="Thai" typeface="Cordia New"/>
+        <a:font script="Ethi" typeface="Nyala"/>
+        <a:font script="Beng" typeface="Vrinda"/>
+        <a:font script="Gujr" typeface="Shruti"/>
+        <a:font script="Khmr" typeface="DaunPenh"/>
+        <a:font script="Knda" typeface="Tunga"/>
+        <a:font script="Guru" typeface="Raavi"/>
+        <a:font script="Cans" typeface="Euphemia"/>
+        <a:font script="Cher" typeface="Plantagenet Cherokee"/>
+        <a:font script="Yiii" typeface="Microsoft Yi Baiti"/>
+        <a:font script="Tibt" typeface="Microsoft Himalaya"/>
+        <a:font script="Thaa" typeface="MV Boli"/>
+        <a:font script="Deva" typeface="Mangal"/>
+        <a:font script="Telu" typeface="Gautami"/>
+        <a:font script="Taml" typeface="Latha"/>
+        <a:font script="Syrc" typeface="Estrangelo Edessa"/>
+        <a:font script="Orya" typeface="Kalinga"/>
+        <a:font script="Mlym" typeface="Kartika"/>
+        <a:font script="Laoo" typeface="DokChampa"/>
+        <a:font script="Sinh" typeface="Iskoola Pota"/>
+        <a:font script="Mong" typeface="Mongolian Baiti"/>
+        <a:font script="Viet" typeface="Arial"/>
+        <a:font script="Uigh" typeface="Microsoft Uighur"/>
+        <a:font script="Geor" typeface="Sylfaen"/>
+      </a:minorFont>
+    </a:fontScheme>
+    <a:fmtScheme name="Office">
+      <a:fillStyleLst>
+        <a:solidFill>
+          <a:schemeClr val="phClr"/>
+        </a:solidFill>
+        <a:gradFill rotWithShape="1">
+          <a:gsLst>
+            <a:gs pos="0">
+              <a:schemeClr val="phClr">
+                <a:lumMod val="110000"/>
+                <a:satMod val="105000"/>
+                <a:tint val="67000"/>
+              </a:schemeClr>
+            </a:gs>
+            <a:gs pos="50000">
+              <a:schemeClr val="phClr">
+                <a:lumMod val="105000"/>
+                <a:satMod val="103000"/>
+                <a:tint val="73000"/>
+              </a:schemeClr>
+            </a:gs>
+            <a:gs pos="100000">
+              <a:schemeClr val="phClr">
+                <a:lumMod val="105000"/>
+                <a:satMod val="109000"/>
+                <a:tint val="81000"/>
+              </a:schemeClr>
+            </a:gs>
+          </a:gsLst>
+          <a:lin ang="5400000" scaled="0"/>
+        </a:gradFill>
+        <a:gradFill rotWithShape="1">
+          <a:gsLst>
+            <a:gs pos="0">
+              <a:schemeClr val="phClr">
+                <a:satMod val="103000"/>
+                <a:lumMod val="102000"/>
+                <a:tint val="94000"/>
+              </a:schemeClr>
+            </a:gs>
+            <a:gs pos="50000">
+              <a:schemeClr val="phClr">
+                <a:satMod val="110000"/>
+                <a:lumMod val="100000"/>
+                <a:shade val="100000"/>
+              </a:schemeClr>
+            </a:gs>
+            <a:gs pos="100000">
+              <a:schemeClr val="phClr">
+                <a:lumMod val="99000"/>
+                <a:satMod val="120000"/>
+                <a:shade val="78000"/>
+              </a:schemeClr>
+            </a:gs>
+          </a:gsLst>
+          <a:lin ang="5400000" scaled="0"/>
+        </a:gradFill>
+      </a:fillStyleLst>
+      <a:lnStyleLst>
+        <a:ln w="6350" cap="flat" cmpd="sng" algn="ctr">
+          <a:solidFill>
+            <a:schemeClr val="phClr"/>
+          </a:solidFill>
+          <a:prstDash val="solid"/>
+          <a:miter lim="800000"/>
+        </a:ln>
+        <a:ln w="12700" cap="flat" cmpd="sng" algn="ctr">
+          <a:solidFill>
+            <a:schemeClr val="phClr"/>
+          </a:solidFill>
+          <a:prstDash val="solid"/>
+          <a:miter lim="800000"/>
+        </a:ln>
+        <a:ln w="19050" cap="flat" cmpd="sng" algn="ctr">
+          <a:solidFill>
+            <a:schemeClr val="phClr"/>
+          </a:solidFill>
+          <a:prstDash val="solid"/>
+          <a:miter lim="800000"/>
+        </a:ln>
+      </a:lnStyleLst>
+      <a:effectStyleLst>
+        <a:effectStyle>
+          <a:effectLst/>
+        </a:effectStyle>
+        <a:effectStyle>
+          <a:effectLst/>
+        </a:effectStyle>
+        <a:effectStyle>
+          <a:effectLst>
+            <a:outerShdw blurRad="57150" dist="19050" dir="5400000" algn="ctr" rotWithShape="0">
+              <a:srgbClr val="000000">
+                <a:alpha val="63000"/>
+              </a:srgbClr>
+            </a:outerShdw>
+          </a:effectLst>
+        </a:effectStyle>
+      </a:effectStyleLst>
+      <a:bgFillStyleLst>
+        <a:solidFill>
+          <a:schemeClr val="phClr"/>
+        </a:solidFill>
+        <a:solidFill>
+          <a:schemeClr val="phClr">
+            <a:tint val="95000"/>
+            <a:satMod val="170000"/>
+          </a:schemeClr>
+        </a:solidFill>
+        <a:gradFill rotWithShape="1">
+          <a:gsLst>
+            <a:gs pos="0">
+              <a:schemeClr val="phClr">
+                <a:tint val="93000"/>
+                <a:satMod val="150000"/>
+                <a:shade val="98000"/>
+                <a:lumMod val="102000"/>
+              </a:schemeClr>
+            </a:gs>
+            <a:gs pos="50000">
+              <a:schemeClr val="phClr">
+                <a:tint val="98000"/>
+                <a:satMod val="130000"/>
+                <a:shade val="90000"/>
+                <a:lumMod val="103000"/>
+              </a:schemeClr>
+            </a:gs>
+            <a:gs pos="100000">
+              <a:schemeClr val="phClr">
+                <a:shade val="63000"/>
+                <a:satMod val="120000"/>
+              </a:schemeClr>
+            </a:gs>
+          </a:gsLst>
+          <a:lin ang="5400000" scaled="0"/>
+        </a:gradFill>
+      </a:bgFillStyleLst>
+    </a:fmtScheme>
+  </a:themeElements>
+  <a:objectDefaults/>
+  <a:extraClrSchemeLst/>
+  <a:extLst>
+    <a:ext uri="{05A4C25C-085E-4340-85A3-A5531E510DB2}">
+      <thm15:themeFamily xmlns:thm15="http://schemas.microsoft.com/office/thememl/2012/main" name="Office Theme" id="{62F939B6-93AF-4DB8-9C6B-D6C7DFDC589F}" vid="{4A3C46E8-61CC-4603-A589-7422A47A8E4A}"/>
+    </a:ext>
+  </a:extLst>
+</a:theme>
 </file>